--- a/Presentatie/Docker101.pptx
+++ b/Presentatie/Docker101.pptx
@@ -318,7 +318,7 @@
           <a:p>
             <a:fld id="{4FDA5BBF-9A9E-E34C-87D2-CD6D1CA60245}" type="datetime1">
               <a:rPr lang="en-US" smtClean="0"/>
-              <a:t>9/24/2017</a:t>
+              <a:t>9/25/2017</a:t>
             </a:fld>
             <a:endParaRPr lang="en-US"/>
           </a:p>
@@ -484,7 +484,7 @@
           <a:p>
             <a:fld id="{FE5FB5CF-D153-1544-8329-2FC1F4ABF24D}" type="datetime1">
               <a:rPr lang="en-US" smtClean="0"/>
-              <a:t>9/24/2017</a:t>
+              <a:t>9/25/2017</a:t>
             </a:fld>
             <a:endParaRPr lang="nl-NL"/>
           </a:p>
@@ -15727,8 +15727,8 @@
               <a:buChar char="-"/>
             </a:pPr>
             <a:r>
-              <a:rPr lang="en-US" dirty="0" err="1" smtClean="0"/>
-              <a:t>receipe</a:t>
+              <a:rPr lang="en-US" dirty="0" smtClean="0"/>
+              <a:t>recipe</a:t>
             </a:r>
             <a:endParaRPr lang="en-US" dirty="0" smtClean="0"/>
           </a:p>
@@ -15795,11 +15795,15 @@
             <a:pPr lvl="1"/>
             <a:r>
               <a:rPr lang="en-US" dirty="0" err="1" smtClean="0"/>
-              <a:t>Runnning</a:t>
-            </a:r>
-            <a:r>
-              <a:rPr lang="en-US" dirty="0" smtClean="0"/>
-              <a:t> image</a:t>
+              <a:t>runnning</a:t>
+            </a:r>
+            <a:r>
+              <a:rPr lang="en-US" dirty="0" smtClean="0"/>
+              <a:t> </a:t>
+            </a:r>
+            <a:r>
+              <a:rPr lang="en-US" dirty="0" smtClean="0"/>
+              <a:t>image</a:t>
             </a:r>
             <a:endParaRPr lang="en-US" dirty="0"/>
           </a:p>
@@ -15907,11 +15911,7 @@
             <a:pPr lvl="2"/>
             <a:r>
               <a:rPr lang="en-US" dirty="0" smtClean="0"/>
-              <a:t>Tell / Show / </a:t>
-            </a:r>
-            <a:r>
-              <a:rPr lang="en-US" dirty="0" smtClean="0"/>
-              <a:t>workshop</a:t>
+              <a:t>Tell / Show / workshop</a:t>
             </a:r>
             <a:endParaRPr lang="en-US" sz="2000" dirty="0"/>
           </a:p>
@@ -15982,8 +15982,8 @@
               <a:t>Audience: DEV </a:t>
             </a:r>
             <a:r>
-              <a:rPr lang="en-US" dirty="0" err="1" smtClean="0"/>
-              <a:t>collegues</a:t>
+              <a:rPr lang="en-US" dirty="0" smtClean="0"/>
+              <a:t>colleagues</a:t>
             </a:r>
             <a:endParaRPr lang="en-US" dirty="0" smtClean="0"/>
           </a:p>
@@ -16058,11 +16058,7 @@
           <a:p>
             <a:r>
               <a:rPr lang="en-US" dirty="0" smtClean="0"/>
-              <a:t>Build – SHIP </a:t>
-            </a:r>
-            <a:r>
-              <a:rPr lang="en-US" dirty="0" smtClean="0"/>
-              <a:t>– RUN</a:t>
+              <a:t>Build – SHIP – RUN</a:t>
             </a:r>
             <a:br>
               <a:rPr lang="en-US" dirty="0" smtClean="0"/>
@@ -18740,11 +18736,7 @@
             </a:r>
             <a:r>
               <a:rPr lang="en-US" dirty="0" smtClean="0"/>
-              <a:t>7.06.2</a:t>
-            </a:r>
-            <a:r>
-              <a:rPr lang="en-US" dirty="0" smtClean="0"/>
-              <a:t>.-ce</a:t>
+              <a:t>7.06.2.-ce</a:t>
             </a:r>
           </a:p>
           <a:p>
@@ -22750,11 +22742,7 @@
           <a:p>
             <a:r>
               <a:rPr lang="en-US" dirty="0" smtClean="0"/>
-              <a:t>Alpine </a:t>
-            </a:r>
-            <a:r>
-              <a:rPr lang="en-US" dirty="0" smtClean="0"/>
-              <a:t>REPRO</a:t>
+              <a:t>Alpine REPRO</a:t>
             </a:r>
             <a:endParaRPr lang="nl-NL" dirty="0"/>
           </a:p>
@@ -22850,11 +22838,7 @@
           <a:p>
             <a:r>
               <a:rPr lang="en-US" dirty="0" smtClean="0"/>
-              <a:t>LINUX </a:t>
-            </a:r>
-            <a:r>
-              <a:rPr lang="en-US" dirty="0" smtClean="0"/>
-              <a:t>ALPINE</a:t>
+              <a:t>LINUX ALPINE</a:t>
             </a:r>
             <a:br>
               <a:rPr lang="en-US" dirty="0" smtClean="0"/>
@@ -23372,11 +23356,7 @@
           <a:p>
             <a:r>
               <a:rPr lang="en-US" dirty="0" smtClean="0"/>
-              <a:t>GIVE </a:t>
-            </a:r>
-            <a:r>
-              <a:rPr lang="en-US" dirty="0" smtClean="0"/>
-              <a:t>some COMMANDS Alpine </a:t>
+              <a:t>GIVE some COMMANDS Alpine </a:t>
             </a:r>
             <a:endParaRPr lang="nl-NL" dirty="0"/>
           </a:p>
@@ -23771,11 +23751,7 @@
           <a:p>
             <a:r>
               <a:rPr lang="en-US" dirty="0" smtClean="0"/>
-              <a:t>ALPINE </a:t>
-            </a:r>
-            <a:r>
-              <a:rPr lang="en-US" dirty="0" smtClean="0"/>
-              <a:t>result </a:t>
+              <a:t>ALPINE result </a:t>
             </a:r>
             <a:endParaRPr lang="nl-NL" dirty="0"/>
           </a:p>
@@ -24317,7 +24293,6 @@
               <a:rPr lang="en-US" dirty="0" smtClean="0"/>
               <a:t>production (cycle time)</a:t>
             </a:r>
-            <a:endParaRPr lang="en-US" dirty="0" smtClean="0"/>
           </a:p>
           <a:p>
             <a:pPr lvl="1"/>
@@ -24436,11 +24411,7 @@
           <a:p>
             <a:r>
               <a:rPr lang="en-US" dirty="0" smtClean="0"/>
-              <a:t>EXPLAIN </a:t>
-            </a:r>
-            <a:r>
-              <a:rPr lang="en-US" dirty="0" smtClean="0"/>
-              <a:t>Configuration on runtime</a:t>
+              <a:t>EXPLAIN Configuration on runtime</a:t>
             </a:r>
             <a:endParaRPr lang="nl-NL" dirty="0"/>
           </a:p>
@@ -25638,10 +25609,6 @@
             <a:r>
               <a:rPr lang="en-US" dirty="0" smtClean="0"/>
               <a:t>EXAMPLE: </a:t>
-            </a:r>
-            <a:r>
-              <a:rPr lang="en-US" dirty="0" smtClean="0"/>
-              <a:t/>
             </a:r>
             <a:br>
               <a:rPr lang="en-US" dirty="0" smtClean="0"/>
@@ -26636,11 +26603,7 @@
             </a:r>
             <a:r>
               <a:rPr lang="en-US" dirty="0" smtClean="0"/>
-              <a:t> </a:t>
-            </a:r>
-            <a:r>
-              <a:rPr lang="en-US" dirty="0" smtClean="0"/>
-              <a:t>PORTS in a PICTURE</a:t>
+              <a:t> PORTS in a PICTURE</a:t>
             </a:r>
             <a:endParaRPr lang="nl-NL" dirty="0"/>
           </a:p>
@@ -28515,12 +28478,20 @@
               <a:buNone/>
             </a:pPr>
             <a:r>
+              <a:rPr lang="nl-NL" altLang="nl-NL" sz="3200" dirty="0" smtClean="0">
+                <a:solidFill>
+                  <a:srgbClr val="545454"/>
+                </a:solidFill>
+              </a:rPr>
+              <a:t>Is </a:t>
+            </a:r>
+            <a:r>
               <a:rPr lang="nl-NL" altLang="nl-NL" sz="3200" dirty="0">
                 <a:solidFill>
                   <a:srgbClr val="545454"/>
                 </a:solidFill>
               </a:rPr>
-              <a:t>is the </a:t>
+              <a:t>the </a:t>
             </a:r>
             <a:r>
               <a:rPr lang="nl-NL" altLang="nl-NL" sz="3200" dirty="0" err="1">
@@ -32167,7 +32138,6 @@
               <a:rPr lang="en-US" dirty="0" smtClean="0"/>
               <a:t>Just a tag!</a:t>
             </a:r>
-            <a:endParaRPr lang="en-US" dirty="0" smtClean="0"/>
           </a:p>
           <a:p>
             <a:pPr lvl="1"/>
@@ -32637,15 +32607,7 @@
             <a:pPr lvl="1"/>
             <a:r>
               <a:rPr lang="en-US" dirty="0" smtClean="0"/>
-              <a:t>Copy static files </a:t>
-            </a:r>
-            <a:r>
-              <a:rPr lang="en-US" dirty="0" smtClean="0"/>
-              <a:t>to the </a:t>
-            </a:r>
-            <a:r>
-              <a:rPr lang="en-US" dirty="0" smtClean="0"/>
-              <a:t>correct directory</a:t>
+              <a:t>Copy static files to the correct directory</a:t>
             </a:r>
           </a:p>
           <a:p>
@@ -33716,19 +33678,7 @@
           <a:p>
             <a:r>
               <a:rPr lang="en-US" dirty="0" smtClean="0"/>
-              <a:t>WORKS </a:t>
-            </a:r>
-            <a:r>
-              <a:rPr lang="en-US" dirty="0" smtClean="0"/>
-              <a:t>ON</a:t>
-            </a:r>
-            <a:r>
-              <a:rPr lang="en-US" dirty="0" smtClean="0"/>
-              <a:t> </a:t>
-            </a:r>
-            <a:r>
-              <a:rPr lang="en-US" dirty="0" smtClean="0"/>
-              <a:t>MY MACHINE</a:t>
+              <a:t>WORKS ON MY MACHINE</a:t>
             </a:r>
             <a:br>
               <a:rPr lang="en-US" dirty="0" smtClean="0"/>
@@ -40656,15 +40606,6 @@
 </file>
 
 <file path=customXml/item1.xml><?xml version="1.0" encoding="utf-8"?>
-<?mso-contentType ?>
-<FormTemplates xmlns="http://schemas.microsoft.com/sharepoint/v3/contenttype/forms">
-  <Display>DocumentLibraryForm</Display>
-  <Edit>DocumentLibraryForm</Edit>
-  <New>DocumentLibraryForm</New>
-</FormTemplates>
-</file>
-
-<file path=customXml/item2.xml><?xml version="1.0" encoding="utf-8"?>
 <ct:contentTypeSchema xmlns:ct="http://schemas.microsoft.com/office/2006/metadata/contentType" xmlns:ma="http://schemas.microsoft.com/office/2006/metadata/properties/metaAttributes" ct:_="" ma:_="" ma:contentTypeName="Document" ma:contentTypeID="0x0101009843F10021B1B74BA5DD583B6999787F" ma:contentTypeVersion="1" ma:contentTypeDescription="Een nieuw document maken." ma:contentTypeScope="" ma:versionID="9fe8e6bb692149f7f6309adc5fa49803">
   <xsd:schema xmlns:xsd="http://www.w3.org/2001/XMLSchema" xmlns:xs="http://www.w3.org/2001/XMLSchema" xmlns:p="http://schemas.microsoft.com/office/2006/metadata/properties" targetNamespace="http://schemas.microsoft.com/office/2006/metadata/properties" ma:root="true" ma:fieldsID="eba296b9b19381bc8f01ad6905184223">
     <xsd:element name="properties">
@@ -40778,21 +40719,22 @@
 </ct:contentTypeSchema>
 </file>
 
-<file path=customXml/item3.xml><?xml version="1.0" encoding="utf-8"?>
+<file path=customXml/item2.xml><?xml version="1.0" encoding="utf-8"?>
 <p:properties xmlns:p="http://schemas.microsoft.com/office/2006/metadata/properties" xmlns:xsi="http://www.w3.org/2001/XMLSchema-instance" xmlns:pc="http://schemas.microsoft.com/office/infopath/2007/PartnerControls">
   <documentManagement/>
 </p:properties>
 </file>
 
-<file path=customXml/itemProps1.xml><?xml version="1.0" encoding="utf-8"?>
-<ds:datastoreItem xmlns:ds="http://schemas.openxmlformats.org/officeDocument/2006/customXml" ds:itemID="{4A752D92-0ACC-48D2-A658-AB744FE70ECE}">
-  <ds:schemaRefs>
-    <ds:schemaRef ds:uri="http://schemas.microsoft.com/sharepoint/v3/contenttype/forms"/>
-  </ds:schemaRefs>
-</ds:datastoreItem>
+<file path=customXml/item3.xml><?xml version="1.0" encoding="utf-8"?>
+<?mso-contentType ?>
+<FormTemplates xmlns="http://schemas.microsoft.com/sharepoint/v3/contenttype/forms">
+  <Display>DocumentLibraryForm</Display>
+  <Edit>DocumentLibraryForm</Edit>
+  <New>DocumentLibraryForm</New>
+</FormTemplates>
 </file>
 
-<file path=customXml/itemProps2.xml><?xml version="1.0" encoding="utf-8"?>
+<file path=customXml/itemProps1.xml><?xml version="1.0" encoding="utf-8"?>
 <ds:datastoreItem xmlns:ds="http://schemas.openxmlformats.org/officeDocument/2006/customXml" ds:itemID="{F6916CFB-C98C-4D26-B77C-F1E6DDC5B92D}">
   <ds:schemaRefs>
     <ds:schemaRef ds:uri="http://schemas.microsoft.com/office/2006/metadata/contentType"/>
@@ -40808,7 +40750,7 @@
 </ds:datastoreItem>
 </file>
 
-<file path=customXml/itemProps3.xml><?xml version="1.0" encoding="utf-8"?>
+<file path=customXml/itemProps2.xml><?xml version="1.0" encoding="utf-8"?>
 <ds:datastoreItem xmlns:ds="http://schemas.openxmlformats.org/officeDocument/2006/customXml" ds:itemID="{DE0A3E1F-B2EC-4B36-9F71-3169FFDE4AE0}">
   <ds:schemaRefs>
     <ds:schemaRef ds:uri="http://purl.org/dc/terms/"/>
@@ -40821,4 +40763,12 @@
     <ds:schemaRef ds:uri="http://purl.org/dc/dcmitype/"/>
   </ds:schemaRefs>
 </ds:datastoreItem>
+</file>
+
+<file path=customXml/itemProps3.xml><?xml version="1.0" encoding="utf-8"?>
+<ds:datastoreItem xmlns:ds="http://schemas.openxmlformats.org/officeDocument/2006/customXml" ds:itemID="{4A752D92-0ACC-48D2-A658-AB744FE70ECE}">
+  <ds:schemaRefs>
+    <ds:schemaRef ds:uri="http://schemas.microsoft.com/sharepoint/v3/contenttype/forms"/>
+  </ds:schemaRefs>
+</ds:datastoreItem>
 </file>
--- a/Presentatie/Docker101.pptx
+++ b/Presentatie/Docker101.pptx
@@ -8089,7 +8089,7 @@
         <p:spPr>
           <a:xfrm>
             <a:off x="544529" y="6339158"/>
-            <a:ext cx="6832313" cy="369332"/>
+            <a:ext cx="6832313" cy="246221"/>
           </a:xfrm>
           <a:prstGeom prst="rect">
             <a:avLst/>
@@ -8103,52 +8103,57 @@
           <a:lstStyle/>
           <a:p>
             <a:r>
-              <a:rPr lang="en-US" baseline="0" dirty="0" smtClean="0">
+              <a:rPr lang="en-US" sz="1000" baseline="0" dirty="0" smtClean="0">
                 <a:solidFill>
                   <a:schemeClr val="tx2">
                     <a:lumMod val="50000"/>
                   </a:schemeClr>
                 </a:solidFill>
-                <a:latin typeface="SimSun" panose="02010600030101010101" pitchFamily="2" charset="-122"/>
-                <a:ea typeface="SimSun" panose="02010600030101010101" pitchFamily="2" charset="-122"/>
+                <a:latin typeface="Tahoma" panose="020B0604030504040204" pitchFamily="34" charset="0"/>
+                <a:ea typeface="Tahoma" panose="020B0604030504040204" pitchFamily="34" charset="0"/>
+                <a:cs typeface="Tahoma" panose="020B0604030504040204" pitchFamily="34" charset="0"/>
               </a:rPr>
               <a:t>- </a:t>
             </a:r>
             <a:fld id="{BEAB3AC6-8DA9-4B31-8D95-166557D2968B}" type="slidenum">
-              <a:rPr lang="en-US" baseline="0" smtClean="0">
+              <a:rPr lang="en-US" sz="1000" baseline="0" smtClean="0">
                 <a:solidFill>
                   <a:schemeClr val="tx2">
                     <a:lumMod val="50000"/>
                   </a:schemeClr>
                 </a:solidFill>
-                <a:latin typeface="SimSun" panose="02010600030101010101" pitchFamily="2" charset="-122"/>
-                <a:ea typeface="SimSun" panose="02010600030101010101" pitchFamily="2" charset="-122"/>
+                <a:latin typeface="Tahoma" panose="020B0604030504040204" pitchFamily="34" charset="0"/>
+                <a:ea typeface="Tahoma" panose="020B0604030504040204" pitchFamily="34" charset="0"/>
+                <a:cs typeface="Tahoma" panose="020B0604030504040204" pitchFamily="34" charset="0"/>
               </a:rPr>
               <a:pPr/>
               <a:t>‹#›</a:t>
             </a:fld>
             <a:r>
-              <a:rPr lang="en-US" baseline="0" dirty="0" smtClean="0">
+              <a:rPr lang="en-US" sz="1000" baseline="0" dirty="0" smtClean="0">
                 <a:solidFill>
                   <a:schemeClr val="tx2">
                     <a:lumMod val="50000"/>
                   </a:schemeClr>
                 </a:solidFill>
-                <a:latin typeface="SimSun" panose="02010600030101010101" pitchFamily="2" charset="-122"/>
-                <a:ea typeface="SimSun" panose="02010600030101010101" pitchFamily="2" charset="-122"/>
+                <a:latin typeface="Tahoma" panose="020B0604030504040204" pitchFamily="34" charset="0"/>
+                <a:ea typeface="Tahoma" panose="020B0604030504040204" pitchFamily="34" charset="0"/>
+                <a:cs typeface="Tahoma" panose="020B0604030504040204" pitchFamily="34" charset="0"/>
               </a:rPr>
               <a:t> -    </a:t>
             </a:r>
             <a:r>
-              <a:rPr lang="en-US" sz="1200" baseline="0" dirty="0" smtClean="0">
-                <a:latin typeface="SimSun" panose="02010600030101010101" pitchFamily="2" charset="-122"/>
-                <a:ea typeface="SimSun" panose="02010600030101010101" pitchFamily="2" charset="-122"/>
+              <a:rPr lang="en-US" sz="1000" baseline="0" dirty="0" smtClean="0">
+                <a:latin typeface="Tahoma" panose="020B0604030504040204" pitchFamily="34" charset="0"/>
+                <a:ea typeface="Tahoma" panose="020B0604030504040204" pitchFamily="34" charset="0"/>
+                <a:cs typeface="Tahoma" panose="020B0604030504040204" pitchFamily="34" charset="0"/>
               </a:rPr>
               <a:t>© by Johannes Sim &amp; Renzo Veldkamp</a:t>
             </a:r>
-            <a:endParaRPr lang="nl-NL" sz="1200" dirty="0">
-              <a:latin typeface="SimSun" panose="02010600030101010101" pitchFamily="2" charset="-122"/>
-              <a:ea typeface="SimSun" panose="02010600030101010101" pitchFamily="2" charset="-122"/>
+            <a:endParaRPr lang="nl-NL" sz="1000" dirty="0">
+              <a:latin typeface="Tahoma" panose="020B0604030504040204" pitchFamily="34" charset="0"/>
+              <a:ea typeface="Tahoma" panose="020B0604030504040204" pitchFamily="34" charset="0"/>
+              <a:cs typeface="Tahoma" panose="020B0604030504040204" pitchFamily="34" charset="0"/>
             </a:endParaRPr>
           </a:p>
         </p:txBody>
@@ -11759,7 +11764,7 @@
         <p:spPr>
           <a:xfrm>
             <a:off x="1630541" y="2210937"/>
-            <a:ext cx="570990" cy="369332"/>
+            <a:ext cx="579005" cy="369332"/>
           </a:xfrm>
           <a:prstGeom prst="rect">
             <a:avLst/>
@@ -11775,22 +11780,10 @@
           <a:lstStyle/>
           <a:p>
             <a:r>
-              <a:rPr lang="en-US" dirty="0">
-                <a:solidFill>
-                  <a:schemeClr val="bg1">
-                    <a:lumMod val="75000"/>
-                  </a:schemeClr>
-                </a:solidFill>
-              </a:rPr>
+              <a:rPr lang="en-US" b="1" dirty="0"/>
               <a:t>DEV</a:t>
             </a:r>
-            <a:endParaRPr lang="nl-NL" dirty="0">
-              <a:solidFill>
-                <a:schemeClr val="bg1">
-                  <a:lumMod val="75000"/>
-                </a:schemeClr>
-              </a:solidFill>
-            </a:endParaRPr>
+            <a:endParaRPr lang="nl-NL" b="1" dirty="0"/>
           </a:p>
         </p:txBody>
       </p:sp>
@@ -11820,20 +11813,24 @@
           <a:p>
             <a:r>
               <a:rPr lang="en-US" dirty="0">
-                <a:solidFill>
-                  <a:schemeClr val="bg1">
-                    <a:lumMod val="75000"/>
-                  </a:schemeClr>
-                </a:solidFill>
+                <a:effectLst>
+                  <a:outerShdw blurRad="38100" dist="38100" dir="2700000" algn="tl">
+                    <a:srgbClr val="000000">
+                      <a:alpha val="43137"/>
+                    </a:srgbClr>
+                  </a:outerShdw>
+                </a:effectLst>
               </a:rPr>
               <a:t>OPS</a:t>
             </a:r>
             <a:endParaRPr lang="nl-NL" dirty="0">
-              <a:solidFill>
-                <a:schemeClr val="bg1">
-                  <a:lumMod val="75000"/>
-                </a:schemeClr>
-              </a:solidFill>
+              <a:effectLst>
+                <a:outerShdw blurRad="38100" dist="38100" dir="2700000" algn="tl">
+                  <a:srgbClr val="000000">
+                    <a:alpha val="43137"/>
+                  </a:srgbClr>
+                </a:outerShdw>
+              </a:effectLst>
             </a:endParaRPr>
           </a:p>
         </p:txBody>
@@ -14782,7 +14779,15 @@
             <a:pPr algn="ctr"/>
             <a:r>
               <a:rPr lang="en-US" dirty="0" smtClean="0"/>
-              <a:t>Dev decide what is a image</a:t>
+              <a:t>Dev decide what is </a:t>
+            </a:r>
+            <a:r>
+              <a:rPr lang="en-US" dirty="0" smtClean="0"/>
+              <a:t>in a </a:t>
+            </a:r>
+            <a:r>
+              <a:rPr lang="en-US" dirty="0" smtClean="0"/>
+              <a:t>image</a:t>
             </a:r>
             <a:endParaRPr lang="nl-NL" dirty="0"/>
           </a:p>
@@ -15730,7 +15735,6 @@
               <a:rPr lang="en-US" dirty="0" smtClean="0"/>
               <a:t>recipe</a:t>
             </a:r>
-            <a:endParaRPr lang="en-US" dirty="0" smtClean="0"/>
           </a:p>
           <a:p>
             <a:endParaRPr lang="en-US" dirty="0"/>
@@ -15799,11 +15803,7 @@
             </a:r>
             <a:r>
               <a:rPr lang="en-US" dirty="0" smtClean="0"/>
-              <a:t> </a:t>
-            </a:r>
-            <a:r>
-              <a:rPr lang="en-US" dirty="0" smtClean="0"/>
-              <a:t>image</a:t>
+              <a:t> image</a:t>
             </a:r>
             <a:endParaRPr lang="en-US" dirty="0"/>
           </a:p>
@@ -15979,13 +15979,8 @@
             </a:pPr>
             <a:r>
               <a:rPr lang="en-US" dirty="0" smtClean="0"/>
-              <a:t>Audience: DEV </a:t>
-            </a:r>
-            <a:r>
-              <a:rPr lang="en-US" dirty="0" smtClean="0"/>
-              <a:t>colleagues</a:t>
-            </a:r>
-            <a:endParaRPr lang="en-US" dirty="0" smtClean="0"/>
+              <a:t>Audience: DEV colleagues</a:t>
+            </a:r>
           </a:p>
           <a:p>
             <a:pPr marL="265107" lvl="1" indent="0">
@@ -24254,10 +24249,26 @@
           <a:lstStyle/>
           <a:p>
             <a:r>
-              <a:rPr lang="en-US" dirty="0"/>
+              <a:rPr lang="en-US" dirty="0">
+                <a:effectLst>
+                  <a:outerShdw blurRad="38100" dist="38100" dir="2700000" algn="tl">
+                    <a:srgbClr val="000000">
+                      <a:alpha val="43137"/>
+                    </a:srgbClr>
+                  </a:outerShdw>
+                </a:effectLst>
+              </a:rPr>
               <a:t>No more: works on my laptop</a:t>
             </a:r>
-            <a:endParaRPr lang="nl-NL" dirty="0"/>
+            <a:endParaRPr lang="nl-NL" dirty="0">
+              <a:effectLst>
+                <a:outerShdw blurRad="38100" dist="38100" dir="2700000" algn="tl">
+                  <a:srgbClr val="000000">
+                    <a:alpha val="43137"/>
+                  </a:srgbClr>
+                </a:outerShdw>
+              </a:effectLst>
+            </a:endParaRPr>
           </a:p>
           <a:p>
             <a:pPr marL="0" indent="0">
@@ -40606,6 +40617,15 @@
 </file>
 
 <file path=customXml/item1.xml><?xml version="1.0" encoding="utf-8"?>
+<?mso-contentType ?>
+<FormTemplates xmlns="http://schemas.microsoft.com/sharepoint/v3/contenttype/forms">
+  <Display>DocumentLibraryForm</Display>
+  <Edit>DocumentLibraryForm</Edit>
+  <New>DocumentLibraryForm</New>
+</FormTemplates>
+</file>
+
+<file path=customXml/item2.xml><?xml version="1.0" encoding="utf-8"?>
 <ct:contentTypeSchema xmlns:ct="http://schemas.microsoft.com/office/2006/metadata/contentType" xmlns:ma="http://schemas.microsoft.com/office/2006/metadata/properties/metaAttributes" ct:_="" ma:_="" ma:contentTypeName="Document" ma:contentTypeID="0x0101009843F10021B1B74BA5DD583B6999787F" ma:contentTypeVersion="1" ma:contentTypeDescription="Een nieuw document maken." ma:contentTypeScope="" ma:versionID="9fe8e6bb692149f7f6309adc5fa49803">
   <xsd:schema xmlns:xsd="http://www.w3.org/2001/XMLSchema" xmlns:xs="http://www.w3.org/2001/XMLSchema" xmlns:p="http://schemas.microsoft.com/office/2006/metadata/properties" targetNamespace="http://schemas.microsoft.com/office/2006/metadata/properties" ma:root="true" ma:fieldsID="eba296b9b19381bc8f01ad6905184223">
     <xsd:element name="properties">
@@ -40719,22 +40739,21 @@
 </ct:contentTypeSchema>
 </file>
 
-<file path=customXml/item2.xml><?xml version="1.0" encoding="utf-8"?>
+<file path=customXml/item3.xml><?xml version="1.0" encoding="utf-8"?>
 <p:properties xmlns:p="http://schemas.microsoft.com/office/2006/metadata/properties" xmlns:xsi="http://www.w3.org/2001/XMLSchema-instance" xmlns:pc="http://schemas.microsoft.com/office/infopath/2007/PartnerControls">
   <documentManagement/>
 </p:properties>
 </file>
 
-<file path=customXml/item3.xml><?xml version="1.0" encoding="utf-8"?>
-<?mso-contentType ?>
-<FormTemplates xmlns="http://schemas.microsoft.com/sharepoint/v3/contenttype/forms">
-  <Display>DocumentLibraryForm</Display>
-  <Edit>DocumentLibraryForm</Edit>
-  <New>DocumentLibraryForm</New>
-</FormTemplates>
+<file path=customXml/itemProps1.xml><?xml version="1.0" encoding="utf-8"?>
+<ds:datastoreItem xmlns:ds="http://schemas.openxmlformats.org/officeDocument/2006/customXml" ds:itemID="{4A752D92-0ACC-48D2-A658-AB744FE70ECE}">
+  <ds:schemaRefs>
+    <ds:schemaRef ds:uri="http://schemas.microsoft.com/sharepoint/v3/contenttype/forms"/>
+  </ds:schemaRefs>
+</ds:datastoreItem>
 </file>
 
-<file path=customXml/itemProps1.xml><?xml version="1.0" encoding="utf-8"?>
+<file path=customXml/itemProps2.xml><?xml version="1.0" encoding="utf-8"?>
 <ds:datastoreItem xmlns:ds="http://schemas.openxmlformats.org/officeDocument/2006/customXml" ds:itemID="{F6916CFB-C98C-4D26-B77C-F1E6DDC5B92D}">
   <ds:schemaRefs>
     <ds:schemaRef ds:uri="http://schemas.microsoft.com/office/2006/metadata/contentType"/>
@@ -40750,7 +40769,7 @@
 </ds:datastoreItem>
 </file>
 
-<file path=customXml/itemProps2.xml><?xml version="1.0" encoding="utf-8"?>
+<file path=customXml/itemProps3.xml><?xml version="1.0" encoding="utf-8"?>
 <ds:datastoreItem xmlns:ds="http://schemas.openxmlformats.org/officeDocument/2006/customXml" ds:itemID="{DE0A3E1F-B2EC-4B36-9F71-3169FFDE4AE0}">
   <ds:schemaRefs>
     <ds:schemaRef ds:uri="http://purl.org/dc/terms/"/>
@@ -40763,12 +40782,4 @@
     <ds:schemaRef ds:uri="http://purl.org/dc/dcmitype/"/>
   </ds:schemaRefs>
 </ds:datastoreItem>
-</file>
-
-<file path=customXml/itemProps3.xml><?xml version="1.0" encoding="utf-8"?>
-<ds:datastoreItem xmlns:ds="http://schemas.openxmlformats.org/officeDocument/2006/customXml" ds:itemID="{4A752D92-0ACC-48D2-A658-AB744FE70ECE}">
-  <ds:schemaRefs>
-    <ds:schemaRef ds:uri="http://schemas.microsoft.com/sharepoint/v3/contenttype/forms"/>
-  </ds:schemaRefs>
-</ds:datastoreItem>
 </file>
--- a/Presentatie/Docker101.pptx
+++ b/Presentatie/Docker101.pptx
@@ -14779,15 +14779,7 @@
             <a:pPr algn="ctr"/>
             <a:r>
               <a:rPr lang="en-US" dirty="0" smtClean="0"/>
-              <a:t>Dev decide what is </a:t>
-            </a:r>
-            <a:r>
-              <a:rPr lang="en-US" dirty="0" smtClean="0"/>
-              <a:t>in a </a:t>
-            </a:r>
-            <a:r>
-              <a:rPr lang="en-US" dirty="0" smtClean="0"/>
-              <a:t>image</a:t>
+              <a:t>Dev decide what is in a image</a:t>
             </a:r>
             <a:endParaRPr lang="nl-NL" dirty="0"/>
           </a:p>
@@ -24111,7 +24103,7 @@
         <p:spPr>
           <a:xfrm>
             <a:off x="129653" y="5893787"/>
-            <a:ext cx="8959756" cy="369332"/>
+            <a:ext cx="8959756" cy="646331"/>
           </a:xfrm>
           <a:prstGeom prst="rect">
             <a:avLst/>
@@ -24132,7 +24124,15 @@
             </a:r>
             <a:r>
               <a:rPr lang="nl-NL" dirty="0"/>
-              <a:t> run -d -p 9000:9000 -v /var/run/</a:t>
+              <a:t> </a:t>
+            </a:r>
+            <a:r>
+              <a:rPr lang="nl-NL" dirty="0" smtClean="0"/>
+              <a:t>container run </a:t>
+            </a:r>
+            <a:r>
+              <a:rPr lang="nl-NL" dirty="0"/>
+              <a:t>-d -p 9000:9000 -v /var/run/</a:t>
             </a:r>
             <a:r>
               <a:rPr lang="nl-NL" dirty="0" err="1"/>
@@ -40617,6 +40617,12 @@
 </file>
 
 <file path=customXml/item1.xml><?xml version="1.0" encoding="utf-8"?>
+<p:properties xmlns:p="http://schemas.microsoft.com/office/2006/metadata/properties" xmlns:xsi="http://www.w3.org/2001/XMLSchema-instance" xmlns:pc="http://schemas.microsoft.com/office/infopath/2007/PartnerControls">
+  <documentManagement/>
+</p:properties>
+</file>
+
+<file path=customXml/item2.xml><?xml version="1.0" encoding="utf-8"?>
 <?mso-contentType ?>
 <FormTemplates xmlns="http://schemas.microsoft.com/sharepoint/v3/contenttype/forms">
   <Display>DocumentLibraryForm</Display>
@@ -40625,7 +40631,7 @@
 </FormTemplates>
 </file>
 
-<file path=customXml/item2.xml><?xml version="1.0" encoding="utf-8"?>
+<file path=customXml/item3.xml><?xml version="1.0" encoding="utf-8"?>
 <ct:contentTypeSchema xmlns:ct="http://schemas.microsoft.com/office/2006/metadata/contentType" xmlns:ma="http://schemas.microsoft.com/office/2006/metadata/properties/metaAttributes" ct:_="" ma:_="" ma:contentTypeName="Document" ma:contentTypeID="0x0101009843F10021B1B74BA5DD583B6999787F" ma:contentTypeVersion="1" ma:contentTypeDescription="Een nieuw document maken." ma:contentTypeScope="" ma:versionID="9fe8e6bb692149f7f6309adc5fa49803">
   <xsd:schema xmlns:xsd="http://www.w3.org/2001/XMLSchema" xmlns:xs="http://www.w3.org/2001/XMLSchema" xmlns:p="http://schemas.microsoft.com/office/2006/metadata/properties" targetNamespace="http://schemas.microsoft.com/office/2006/metadata/properties" ma:root="true" ma:fieldsID="eba296b9b19381bc8f01ad6905184223">
     <xsd:element name="properties">
@@ -40739,13 +40745,22 @@
 </ct:contentTypeSchema>
 </file>
 
-<file path=customXml/item3.xml><?xml version="1.0" encoding="utf-8"?>
-<p:properties xmlns:p="http://schemas.microsoft.com/office/2006/metadata/properties" xmlns:xsi="http://www.w3.org/2001/XMLSchema-instance" xmlns:pc="http://schemas.microsoft.com/office/infopath/2007/PartnerControls">
-  <documentManagement/>
-</p:properties>
+<file path=customXml/itemProps1.xml><?xml version="1.0" encoding="utf-8"?>
+<ds:datastoreItem xmlns:ds="http://schemas.openxmlformats.org/officeDocument/2006/customXml" ds:itemID="{DE0A3E1F-B2EC-4B36-9F71-3169FFDE4AE0}">
+  <ds:schemaRefs>
+    <ds:schemaRef ds:uri="http://schemas.microsoft.com/office/2006/metadata/properties"/>
+    <ds:schemaRef ds:uri="http://schemas.microsoft.com/office/2006/documentManagement/types"/>
+    <ds:schemaRef ds:uri="http://schemas.openxmlformats.org/package/2006/metadata/core-properties"/>
+    <ds:schemaRef ds:uri="http://purl.org/dc/dcmitype/"/>
+    <ds:schemaRef ds:uri="http://schemas.microsoft.com/office/infopath/2007/PartnerControls"/>
+    <ds:schemaRef ds:uri="http://purl.org/dc/elements/1.1/"/>
+    <ds:schemaRef ds:uri="http://www.w3.org/XML/1998/namespace"/>
+    <ds:schemaRef ds:uri="http://purl.org/dc/terms/"/>
+  </ds:schemaRefs>
+</ds:datastoreItem>
 </file>
 
-<file path=customXml/itemProps1.xml><?xml version="1.0" encoding="utf-8"?>
+<file path=customXml/itemProps2.xml><?xml version="1.0" encoding="utf-8"?>
 <ds:datastoreItem xmlns:ds="http://schemas.openxmlformats.org/officeDocument/2006/customXml" ds:itemID="{4A752D92-0ACC-48D2-A658-AB744FE70ECE}">
   <ds:schemaRefs>
     <ds:schemaRef ds:uri="http://schemas.microsoft.com/sharepoint/v3/contenttype/forms"/>
@@ -40753,7 +40768,7 @@
 </ds:datastoreItem>
 </file>
 
-<file path=customXml/itemProps2.xml><?xml version="1.0" encoding="utf-8"?>
+<file path=customXml/itemProps3.xml><?xml version="1.0" encoding="utf-8"?>
 <ds:datastoreItem xmlns:ds="http://schemas.openxmlformats.org/officeDocument/2006/customXml" ds:itemID="{F6916CFB-C98C-4D26-B77C-F1E6DDC5B92D}">
   <ds:schemaRefs>
     <ds:schemaRef ds:uri="http://schemas.microsoft.com/office/2006/metadata/contentType"/>
@@ -40767,19 +40782,4 @@
     <ds:schemaRef ds:uri="http://schemas.microsoft.com/office/infopath/2007/PartnerControls"/>
   </ds:schemaRefs>
 </ds:datastoreItem>
-</file>
-
-<file path=customXml/itemProps3.xml><?xml version="1.0" encoding="utf-8"?>
-<ds:datastoreItem xmlns:ds="http://schemas.openxmlformats.org/officeDocument/2006/customXml" ds:itemID="{DE0A3E1F-B2EC-4B36-9F71-3169FFDE4AE0}">
-  <ds:schemaRefs>
-    <ds:schemaRef ds:uri="http://purl.org/dc/terms/"/>
-    <ds:schemaRef ds:uri="http://schemas.openxmlformats.org/package/2006/metadata/core-properties"/>
-    <ds:schemaRef ds:uri="http://schemas.microsoft.com/office/2006/documentManagement/types"/>
-    <ds:schemaRef ds:uri="http://schemas.microsoft.com/office/infopath/2007/PartnerControls"/>
-    <ds:schemaRef ds:uri="http://purl.org/dc/elements/1.1/"/>
-    <ds:schemaRef ds:uri="http://schemas.microsoft.com/office/2006/metadata/properties"/>
-    <ds:schemaRef ds:uri="http://www.w3.org/XML/1998/namespace"/>
-    <ds:schemaRef ds:uri="http://purl.org/dc/dcmitype/"/>
-  </ds:schemaRefs>
-</ds:datastoreItem>
 </file>
--- a/Presentatie/Docker101.pptx
+++ b/Presentatie/Docker101.pptx
@@ -8639,6 +8639,10 @@
             <a:r>
               <a:rPr lang="en-US" dirty="0" smtClean="0"/>
               <a:t>WORKS ON </a:t>
+            </a:r>
+            <a:r>
+              <a:rPr lang="en-US" dirty="0" smtClean="0"/>
+              <a:t>MY </a:t>
             </a:r>
             <a:r>
               <a:rPr lang="en-US" dirty="0" err="1" smtClean="0"/>
@@ -40617,21 +40621,6 @@
 </file>
 
 <file path=customXml/item1.xml><?xml version="1.0" encoding="utf-8"?>
-<p:properties xmlns:p="http://schemas.microsoft.com/office/2006/metadata/properties" xmlns:xsi="http://www.w3.org/2001/XMLSchema-instance" xmlns:pc="http://schemas.microsoft.com/office/infopath/2007/PartnerControls">
-  <documentManagement/>
-</p:properties>
-</file>
-
-<file path=customXml/item2.xml><?xml version="1.0" encoding="utf-8"?>
-<?mso-contentType ?>
-<FormTemplates xmlns="http://schemas.microsoft.com/sharepoint/v3/contenttype/forms">
-  <Display>DocumentLibraryForm</Display>
-  <Edit>DocumentLibraryForm</Edit>
-  <New>DocumentLibraryForm</New>
-</FormTemplates>
-</file>
-
-<file path=customXml/item3.xml><?xml version="1.0" encoding="utf-8"?>
 <ct:contentTypeSchema xmlns:ct="http://schemas.microsoft.com/office/2006/metadata/contentType" xmlns:ma="http://schemas.microsoft.com/office/2006/metadata/properties/metaAttributes" ct:_="" ma:_="" ma:contentTypeName="Document" ma:contentTypeID="0x0101009843F10021B1B74BA5DD583B6999787F" ma:contentTypeVersion="1" ma:contentTypeDescription="Een nieuw document maken." ma:contentTypeScope="" ma:versionID="9fe8e6bb692149f7f6309adc5fa49803">
   <xsd:schema xmlns:xsd="http://www.w3.org/2001/XMLSchema" xmlns:xs="http://www.w3.org/2001/XMLSchema" xmlns:p="http://schemas.microsoft.com/office/2006/metadata/properties" targetNamespace="http://schemas.microsoft.com/office/2006/metadata/properties" ma:root="true" ma:fieldsID="eba296b9b19381bc8f01ad6905184223">
     <xsd:element name="properties">
@@ -40745,7 +40734,38 @@
 </ct:contentTypeSchema>
 </file>
 
+<file path=customXml/item2.xml><?xml version="1.0" encoding="utf-8"?>
+<p:properties xmlns:p="http://schemas.microsoft.com/office/2006/metadata/properties" xmlns:xsi="http://www.w3.org/2001/XMLSchema-instance" xmlns:pc="http://schemas.microsoft.com/office/infopath/2007/PartnerControls">
+  <documentManagement/>
+</p:properties>
+</file>
+
+<file path=customXml/item3.xml><?xml version="1.0" encoding="utf-8"?>
+<?mso-contentType ?>
+<FormTemplates xmlns="http://schemas.microsoft.com/sharepoint/v3/contenttype/forms">
+  <Display>DocumentLibraryForm</Display>
+  <Edit>DocumentLibraryForm</Edit>
+  <New>DocumentLibraryForm</New>
+</FormTemplates>
+</file>
+
 <file path=customXml/itemProps1.xml><?xml version="1.0" encoding="utf-8"?>
+<ds:datastoreItem xmlns:ds="http://schemas.openxmlformats.org/officeDocument/2006/customXml" ds:itemID="{F6916CFB-C98C-4D26-B77C-F1E6DDC5B92D}">
+  <ds:schemaRefs>
+    <ds:schemaRef ds:uri="http://schemas.microsoft.com/office/2006/metadata/contentType"/>
+    <ds:schemaRef ds:uri="http://schemas.microsoft.com/office/2006/metadata/properties/metaAttributes"/>
+    <ds:schemaRef ds:uri="http://www.w3.org/2001/XMLSchema"/>
+    <ds:schemaRef ds:uri="http://schemas.microsoft.com/office/2006/metadata/properties"/>
+    <ds:schemaRef ds:uri="http://schemas.openxmlformats.org/package/2006/metadata/core-properties"/>
+    <ds:schemaRef ds:uri="http://purl.org/dc/elements/1.1/"/>
+    <ds:schemaRef ds:uri="http://purl.org/dc/terms/"/>
+    <ds:schemaRef ds:uri="http://schemas.microsoft.com/internal/obd"/>
+    <ds:schemaRef ds:uri="http://schemas.microsoft.com/office/infopath/2007/PartnerControls"/>
+  </ds:schemaRefs>
+</ds:datastoreItem>
+</file>
+
+<file path=customXml/itemProps2.xml><?xml version="1.0" encoding="utf-8"?>
 <ds:datastoreItem xmlns:ds="http://schemas.openxmlformats.org/officeDocument/2006/customXml" ds:itemID="{DE0A3E1F-B2EC-4B36-9F71-3169FFDE4AE0}">
   <ds:schemaRefs>
     <ds:schemaRef ds:uri="http://schemas.microsoft.com/office/2006/metadata/properties"/>
@@ -40760,26 +40780,10 @@
 </ds:datastoreItem>
 </file>
 
-<file path=customXml/itemProps2.xml><?xml version="1.0" encoding="utf-8"?>
+<file path=customXml/itemProps3.xml><?xml version="1.0" encoding="utf-8"?>
 <ds:datastoreItem xmlns:ds="http://schemas.openxmlformats.org/officeDocument/2006/customXml" ds:itemID="{4A752D92-0ACC-48D2-A658-AB744FE70ECE}">
   <ds:schemaRefs>
     <ds:schemaRef ds:uri="http://schemas.microsoft.com/sharepoint/v3/contenttype/forms"/>
   </ds:schemaRefs>
 </ds:datastoreItem>
-</file>
-
-<file path=customXml/itemProps3.xml><?xml version="1.0" encoding="utf-8"?>
-<ds:datastoreItem xmlns:ds="http://schemas.openxmlformats.org/officeDocument/2006/customXml" ds:itemID="{F6916CFB-C98C-4D26-B77C-F1E6DDC5B92D}">
-  <ds:schemaRefs>
-    <ds:schemaRef ds:uri="http://schemas.microsoft.com/office/2006/metadata/contentType"/>
-    <ds:schemaRef ds:uri="http://schemas.microsoft.com/office/2006/metadata/properties/metaAttributes"/>
-    <ds:schemaRef ds:uri="http://www.w3.org/2001/XMLSchema"/>
-    <ds:schemaRef ds:uri="http://schemas.microsoft.com/office/2006/metadata/properties"/>
-    <ds:schemaRef ds:uri="http://schemas.openxmlformats.org/package/2006/metadata/core-properties"/>
-    <ds:schemaRef ds:uri="http://purl.org/dc/elements/1.1/"/>
-    <ds:schemaRef ds:uri="http://purl.org/dc/terms/"/>
-    <ds:schemaRef ds:uri="http://schemas.microsoft.com/internal/obd"/>
-    <ds:schemaRef ds:uri="http://schemas.microsoft.com/office/infopath/2007/PartnerControls"/>
-  </ds:schemaRefs>
-</ds:datastoreItem>
 </file>
--- a/Presentatie/Docker101.pptx
+++ b/Presentatie/Docker101.pptx
@@ -5,10 +5,10 @@
     <p:sldMasterId id="2147483648" r:id="rId4"/>
   </p:sldMasterIdLst>
   <p:notesMasterIdLst>
-    <p:notesMasterId r:id="rId100"/>
+    <p:notesMasterId r:id="rId91"/>
   </p:notesMasterIdLst>
   <p:handoutMasterIdLst>
-    <p:handoutMasterId r:id="rId101"/>
+    <p:handoutMasterId r:id="rId92"/>
   </p:handoutMasterIdLst>
   <p:sldIdLst>
     <p:sldId id="257" r:id="rId5"/>
@@ -93,19 +93,10 @@
     <p:sldId id="467" r:id="rId84"/>
     <p:sldId id="488" r:id="rId85"/>
     <p:sldId id="415" r:id="rId86"/>
-    <p:sldId id="491" r:id="rId87"/>
+    <p:sldId id="386" r:id="rId87"/>
     <p:sldId id="438" r:id="rId88"/>
     <p:sldId id="484" r:id="rId89"/>
     <p:sldId id="490" r:id="rId90"/>
-    <p:sldId id="386" r:id="rId91"/>
-    <p:sldId id="385" r:id="rId92"/>
-    <p:sldId id="345" r:id="rId93"/>
-    <p:sldId id="349" r:id="rId94"/>
-    <p:sldId id="360" r:id="rId95"/>
-    <p:sldId id="361" r:id="rId96"/>
-    <p:sldId id="350" r:id="rId97"/>
-    <p:sldId id="352" r:id="rId98"/>
-    <p:sldId id="351" r:id="rId99"/>
   </p:sldIdLst>
   <p:sldSz cx="9144000" cy="6858000" type="screen4x3"/>
   <p:notesSz cx="6858000" cy="9144000"/>
@@ -318,7 +309,7 @@
           <a:p>
             <a:fld id="{4FDA5BBF-9A9E-E34C-87D2-CD6D1CA60245}" type="datetime1">
               <a:rPr lang="en-US" smtClean="0"/>
-              <a:t>9/25/2017</a:t>
+              <a:t>10/25/2017</a:t>
             </a:fld>
             <a:endParaRPr lang="en-US"/>
           </a:p>
@@ -484,7 +475,7 @@
           <a:p>
             <a:fld id="{FE5FB5CF-D153-1544-8329-2FC1F4ABF24D}" type="datetime1">
               <a:rPr lang="en-US" smtClean="0"/>
-              <a:t>9/25/2017</a:t>
+              <a:t>10/25/2017</a:t>
             </a:fld>
             <a:endParaRPr lang="nl-NL"/>
           </a:p>
@@ -802,26 +793,6 @@
           <a:bodyPr/>
           <a:lstStyle/>
           <a:p>
-            <a:r>
-              <a:rPr lang="nl-NL" dirty="0" err="1" smtClean="0"/>
-              <a:t>Goedeavond</a:t>
-            </a:r>
-            <a:endParaRPr lang="nl-NL" dirty="0" smtClean="0"/>
-          </a:p>
-          <a:p>
-            <a:endParaRPr lang="nl-NL" dirty="0" smtClean="0"/>
-          </a:p>
-          <a:p>
-            <a:r>
-              <a:rPr lang="nl-NL" dirty="0" smtClean="0"/>
-              <a:t>Mijn</a:t>
-            </a:r>
-            <a:r>
-              <a:rPr lang="nl-NL" baseline="0" dirty="0" smtClean="0"/>
-              <a:t> naam is Johannes Sim.</a:t>
-            </a:r>
-          </a:p>
-          <a:p>
             <a:endParaRPr lang="nl-NL" baseline="0" dirty="0" smtClean="0"/>
           </a:p>
           <a:p>
@@ -1588,12 +1559,7 @@
             <p:ph type="sldImg"/>
           </p:nvPr>
         </p:nvSpPr>
-        <p:spPr>
-          <a:xfrm>
-            <a:off x="1143000" y="685800"/>
-            <a:ext cx="4572000" cy="3429000"/>
-          </a:xfrm>
-        </p:spPr>
+        <p:spPr/>
       </p:sp>
       <p:sp>
         <p:nvSpPr>
@@ -1610,191 +1576,6 @@
           <a:bodyPr/>
           <a:lstStyle/>
           <a:p>
-            <a:pPr marL="0" marR="0" lvl="0" indent="0" algn="l" defTabSz="914400" rtl="0" eaLnBrk="1" fontAlgn="auto" latinLnBrk="0" hangingPunct="1">
-              <a:lnSpc>
-                <a:spcPct val="100000"/>
-              </a:lnSpc>
-              <a:spcBef>
-                <a:spcPts val="0"/>
-              </a:spcBef>
-              <a:spcAft>
-                <a:spcPts val="0"/>
-              </a:spcAft>
-              <a:buClrTx/>
-              <a:buSzTx/>
-              <a:buFontTx/>
-              <a:buNone/>
-              <a:tabLst/>
-              <a:defRPr/>
-            </a:pPr>
-            <a:r>
-              <a:rPr lang="nl-NL" sz="1200" b="1" dirty="0" smtClean="0"/>
-              <a:t>dockerhost01.westeurope.cloudapp.azure.com</a:t>
-            </a:r>
-          </a:p>
-          <a:p>
-            <a:pPr marL="0" marR="0" lvl="0" indent="0" algn="l" defTabSz="914400" rtl="0" eaLnBrk="1" fontAlgn="auto" latinLnBrk="0" hangingPunct="1">
-              <a:lnSpc>
-                <a:spcPct val="100000"/>
-              </a:lnSpc>
-              <a:spcBef>
-                <a:spcPts val="0"/>
-              </a:spcBef>
-              <a:spcAft>
-                <a:spcPts val="0"/>
-              </a:spcAft>
-              <a:buClrTx/>
-              <a:buSzTx/>
-              <a:buFontTx/>
-              <a:buNone/>
-              <a:tabLst/>
-              <a:defRPr/>
-            </a:pPr>
-            <a:r>
-              <a:rPr lang="en-US" sz="1200" b="1" dirty="0" smtClean="0"/>
-              <a:t>Centric/Centric2017!</a:t>
-            </a:r>
-            <a:endParaRPr lang="nl-NL" sz="1200" b="1" dirty="0" smtClean="0"/>
-          </a:p>
-          <a:p>
-            <a:pPr marL="0" marR="0" lvl="0" indent="0" algn="l" defTabSz="914400" rtl="0" eaLnBrk="1" fontAlgn="auto" latinLnBrk="0" hangingPunct="1">
-              <a:lnSpc>
-                <a:spcPct val="100000"/>
-              </a:lnSpc>
-              <a:spcBef>
-                <a:spcPts val="0"/>
-              </a:spcBef>
-              <a:spcAft>
-                <a:spcPts val="0"/>
-              </a:spcAft>
-              <a:buClrTx/>
-              <a:buSzTx/>
-              <a:buFontTx/>
-              <a:buNone/>
-              <a:tabLst/>
-              <a:defRPr/>
-            </a:pPr>
-            <a:endParaRPr lang="nl-NL" sz="1200" b="1" dirty="0" smtClean="0"/>
-          </a:p>
-          <a:p>
-            <a:pPr marL="0" marR="0" lvl="0" indent="0" algn="l" defTabSz="914400" rtl="0" eaLnBrk="1" fontAlgn="auto" latinLnBrk="0" hangingPunct="1">
-              <a:lnSpc>
-                <a:spcPct val="100000"/>
-              </a:lnSpc>
-              <a:spcBef>
-                <a:spcPts val="0"/>
-              </a:spcBef>
-              <a:spcAft>
-                <a:spcPts val="0"/>
-              </a:spcAft>
-              <a:buClrTx/>
-              <a:buSzTx/>
-              <a:buFontTx/>
-              <a:buNone/>
-              <a:tabLst/>
-              <a:defRPr/>
-            </a:pPr>
-            <a:endParaRPr lang="nl-NL" sz="1200" b="1" dirty="0" smtClean="0"/>
-          </a:p>
-          <a:p>
-            <a:pPr marL="0" marR="0" lvl="0" indent="0" algn="l" defTabSz="914400" rtl="0" eaLnBrk="1" fontAlgn="auto" latinLnBrk="0" hangingPunct="1">
-              <a:lnSpc>
-                <a:spcPct val="100000"/>
-              </a:lnSpc>
-              <a:spcBef>
-                <a:spcPts val="0"/>
-              </a:spcBef>
-              <a:spcAft>
-                <a:spcPts val="0"/>
-              </a:spcAft>
-              <a:buClrTx/>
-              <a:buSzTx/>
-              <a:buFontTx/>
-              <a:buNone/>
-              <a:tabLst/>
-              <a:defRPr/>
-            </a:pPr>
-            <a:r>
-              <a:rPr lang="nl-NL" sz="1200" b="1" dirty="0" err="1" smtClean="0"/>
-              <a:t>docker</a:t>
-            </a:r>
-            <a:r>
-              <a:rPr lang="nl-NL" sz="1200" b="1" dirty="0" smtClean="0"/>
-              <a:t> pull </a:t>
-            </a:r>
-            <a:r>
-              <a:rPr lang="nl-NL" sz="1200" b="1" dirty="0" err="1" smtClean="0"/>
-              <a:t>centricms</a:t>
-            </a:r>
-            <a:r>
-              <a:rPr lang="nl-NL" sz="1200" b="1" dirty="0" smtClean="0"/>
-              <a:t>/</a:t>
-            </a:r>
-            <a:r>
-              <a:rPr lang="nl-NL" sz="1200" b="1" dirty="0" err="1" smtClean="0"/>
-              <a:t>staticws:latest</a:t>
-            </a:r>
-            <a:endParaRPr lang="nl-NL" sz="1200" b="1" dirty="0" smtClean="0"/>
-          </a:p>
-          <a:p>
-            <a:endParaRPr lang="en-US" dirty="0" smtClean="0"/>
-          </a:p>
-          <a:p>
-            <a:pPr marL="0" marR="0" lvl="0" indent="0" algn="l" defTabSz="914400" rtl="0" eaLnBrk="1" fontAlgn="auto" latinLnBrk="0" hangingPunct="1">
-              <a:lnSpc>
-                <a:spcPct val="100000"/>
-              </a:lnSpc>
-              <a:spcBef>
-                <a:spcPts val="0"/>
-              </a:spcBef>
-              <a:spcAft>
-                <a:spcPts val="0"/>
-              </a:spcAft>
-              <a:buClrTx/>
-              <a:buSzTx/>
-              <a:buFontTx/>
-              <a:buNone/>
-              <a:tabLst/>
-              <a:defRPr/>
-            </a:pPr>
-            <a:r>
-              <a:rPr lang="en-US" sz="1200" b="1" dirty="0" err="1" smtClean="0"/>
-              <a:t>docker</a:t>
-            </a:r>
-            <a:r>
-              <a:rPr lang="en-US" sz="1200" b="1" dirty="0" smtClean="0"/>
-              <a:t> container run --name </a:t>
-            </a:r>
-            <a:r>
-              <a:rPr lang="en-US" sz="1200" b="1" dirty="0" err="1" smtClean="0"/>
-              <a:t>staticws</a:t>
-            </a:r>
-            <a:r>
-              <a:rPr lang="en-US" sz="1200" b="1" dirty="0" smtClean="0"/>
-              <a:t> -d -p 8901:80 </a:t>
-            </a:r>
-            <a:r>
-              <a:rPr lang="en-US" sz="1200" b="1" dirty="0" err="1" smtClean="0"/>
-              <a:t>centricms</a:t>
-            </a:r>
-            <a:r>
-              <a:rPr lang="en-US" sz="1200" b="1" dirty="0" smtClean="0"/>
-              <a:t>/</a:t>
-            </a:r>
-            <a:r>
-              <a:rPr lang="en-US" sz="1200" b="1" dirty="0" err="1" smtClean="0"/>
-              <a:t>staticws:latest</a:t>
-            </a:r>
-            <a:endParaRPr lang="en-US" sz="1200" b="1" dirty="0" smtClean="0"/>
-          </a:p>
-          <a:p>
-            <a:endParaRPr lang="en-US" dirty="0" smtClean="0"/>
-          </a:p>
-          <a:p>
-            <a:r>
-              <a:rPr lang="nl-NL" dirty="0" smtClean="0"/>
-              <a:t>http://dockerhost01.westeurope.cloudapp.azure.com:8901/</a:t>
-            </a:r>
             <a:endParaRPr lang="nl-NL" dirty="0"/>
           </a:p>
         </p:txBody>
@@ -1816,7 +1597,7 @@
           <a:p>
             <a:fld id="{2DB1139D-5AC7-4B0B-A715-E40E0591EF82}" type="slidenum">
               <a:rPr lang="nl-NL" smtClean="0"/>
-              <a:t>30</a:t>
+              <a:t>26</a:t>
             </a:fld>
             <a:endParaRPr lang="nl-NL"/>
           </a:p>
@@ -1825,7 +1606,7 @@
     </p:spTree>
     <p:extLst>
       <p:ext uri="{BB962C8B-B14F-4D97-AF65-F5344CB8AC3E}">
-        <p14:creationId xmlns:p14="http://schemas.microsoft.com/office/powerpoint/2010/main" val="502067281"/>
+        <p14:creationId xmlns:p14="http://schemas.microsoft.com/office/powerpoint/2010/main" val="3822746108"/>
       </p:ext>
     </p:extLst>
   </p:cSld>
@@ -1884,6 +1665,191 @@
           <a:bodyPr/>
           <a:lstStyle/>
           <a:p>
+            <a:pPr marL="0" marR="0" lvl="0" indent="0" algn="l" defTabSz="914400" rtl="0" eaLnBrk="1" fontAlgn="auto" latinLnBrk="0" hangingPunct="1">
+              <a:lnSpc>
+                <a:spcPct val="100000"/>
+              </a:lnSpc>
+              <a:spcBef>
+                <a:spcPts val="0"/>
+              </a:spcBef>
+              <a:spcAft>
+                <a:spcPts val="0"/>
+              </a:spcAft>
+              <a:buClrTx/>
+              <a:buSzTx/>
+              <a:buFontTx/>
+              <a:buNone/>
+              <a:tabLst/>
+              <a:defRPr/>
+            </a:pPr>
+            <a:r>
+              <a:rPr lang="nl-NL" sz="1200" b="1" dirty="0" smtClean="0"/>
+              <a:t>dockerhost01.westeurope.cloudapp.azure.com</a:t>
+            </a:r>
+          </a:p>
+          <a:p>
+            <a:pPr marL="0" marR="0" lvl="0" indent="0" algn="l" defTabSz="914400" rtl="0" eaLnBrk="1" fontAlgn="auto" latinLnBrk="0" hangingPunct="1">
+              <a:lnSpc>
+                <a:spcPct val="100000"/>
+              </a:lnSpc>
+              <a:spcBef>
+                <a:spcPts val="0"/>
+              </a:spcBef>
+              <a:spcAft>
+                <a:spcPts val="0"/>
+              </a:spcAft>
+              <a:buClrTx/>
+              <a:buSzTx/>
+              <a:buFontTx/>
+              <a:buNone/>
+              <a:tabLst/>
+              <a:defRPr/>
+            </a:pPr>
+            <a:r>
+              <a:rPr lang="en-US" sz="1200" b="1" dirty="0" smtClean="0"/>
+              <a:t>Centric/Centric2017!</a:t>
+            </a:r>
+            <a:endParaRPr lang="nl-NL" sz="1200" b="1" dirty="0" smtClean="0"/>
+          </a:p>
+          <a:p>
+            <a:pPr marL="0" marR="0" lvl="0" indent="0" algn="l" defTabSz="914400" rtl="0" eaLnBrk="1" fontAlgn="auto" latinLnBrk="0" hangingPunct="1">
+              <a:lnSpc>
+                <a:spcPct val="100000"/>
+              </a:lnSpc>
+              <a:spcBef>
+                <a:spcPts val="0"/>
+              </a:spcBef>
+              <a:spcAft>
+                <a:spcPts val="0"/>
+              </a:spcAft>
+              <a:buClrTx/>
+              <a:buSzTx/>
+              <a:buFontTx/>
+              <a:buNone/>
+              <a:tabLst/>
+              <a:defRPr/>
+            </a:pPr>
+            <a:endParaRPr lang="nl-NL" sz="1200" b="1" dirty="0" smtClean="0"/>
+          </a:p>
+          <a:p>
+            <a:pPr marL="0" marR="0" lvl="0" indent="0" algn="l" defTabSz="914400" rtl="0" eaLnBrk="1" fontAlgn="auto" latinLnBrk="0" hangingPunct="1">
+              <a:lnSpc>
+                <a:spcPct val="100000"/>
+              </a:lnSpc>
+              <a:spcBef>
+                <a:spcPts val="0"/>
+              </a:spcBef>
+              <a:spcAft>
+                <a:spcPts val="0"/>
+              </a:spcAft>
+              <a:buClrTx/>
+              <a:buSzTx/>
+              <a:buFontTx/>
+              <a:buNone/>
+              <a:tabLst/>
+              <a:defRPr/>
+            </a:pPr>
+            <a:endParaRPr lang="nl-NL" sz="1200" b="1" dirty="0" smtClean="0"/>
+          </a:p>
+          <a:p>
+            <a:pPr marL="0" marR="0" lvl="0" indent="0" algn="l" defTabSz="914400" rtl="0" eaLnBrk="1" fontAlgn="auto" latinLnBrk="0" hangingPunct="1">
+              <a:lnSpc>
+                <a:spcPct val="100000"/>
+              </a:lnSpc>
+              <a:spcBef>
+                <a:spcPts val="0"/>
+              </a:spcBef>
+              <a:spcAft>
+                <a:spcPts val="0"/>
+              </a:spcAft>
+              <a:buClrTx/>
+              <a:buSzTx/>
+              <a:buFontTx/>
+              <a:buNone/>
+              <a:tabLst/>
+              <a:defRPr/>
+            </a:pPr>
+            <a:r>
+              <a:rPr lang="nl-NL" sz="1200" b="1" dirty="0" err="1" smtClean="0"/>
+              <a:t>docker</a:t>
+            </a:r>
+            <a:r>
+              <a:rPr lang="nl-NL" sz="1200" b="1" dirty="0" smtClean="0"/>
+              <a:t> pull </a:t>
+            </a:r>
+            <a:r>
+              <a:rPr lang="nl-NL" sz="1200" b="1" dirty="0" err="1" smtClean="0"/>
+              <a:t>centricms</a:t>
+            </a:r>
+            <a:r>
+              <a:rPr lang="nl-NL" sz="1200" b="1" dirty="0" smtClean="0"/>
+              <a:t>/</a:t>
+            </a:r>
+            <a:r>
+              <a:rPr lang="nl-NL" sz="1200" b="1" dirty="0" err="1" smtClean="0"/>
+              <a:t>staticws:latest</a:t>
+            </a:r>
+            <a:endParaRPr lang="nl-NL" sz="1200" b="1" dirty="0" smtClean="0"/>
+          </a:p>
+          <a:p>
+            <a:endParaRPr lang="en-US" dirty="0" smtClean="0"/>
+          </a:p>
+          <a:p>
+            <a:pPr marL="0" marR="0" lvl="0" indent="0" algn="l" defTabSz="914400" rtl="0" eaLnBrk="1" fontAlgn="auto" latinLnBrk="0" hangingPunct="1">
+              <a:lnSpc>
+                <a:spcPct val="100000"/>
+              </a:lnSpc>
+              <a:spcBef>
+                <a:spcPts val="0"/>
+              </a:spcBef>
+              <a:spcAft>
+                <a:spcPts val="0"/>
+              </a:spcAft>
+              <a:buClrTx/>
+              <a:buSzTx/>
+              <a:buFontTx/>
+              <a:buNone/>
+              <a:tabLst/>
+              <a:defRPr/>
+            </a:pPr>
+            <a:r>
+              <a:rPr lang="en-US" sz="1200" b="1" dirty="0" err="1" smtClean="0"/>
+              <a:t>docker</a:t>
+            </a:r>
+            <a:r>
+              <a:rPr lang="en-US" sz="1200" b="1" dirty="0" smtClean="0"/>
+              <a:t> container run --name </a:t>
+            </a:r>
+            <a:r>
+              <a:rPr lang="en-US" sz="1200" b="1" dirty="0" err="1" smtClean="0"/>
+              <a:t>staticws</a:t>
+            </a:r>
+            <a:r>
+              <a:rPr lang="en-US" sz="1200" b="1" dirty="0" smtClean="0"/>
+              <a:t> -d -p 8901:80 </a:t>
+            </a:r>
+            <a:r>
+              <a:rPr lang="en-US" sz="1200" b="1" dirty="0" err="1" smtClean="0"/>
+              <a:t>centricms</a:t>
+            </a:r>
+            <a:r>
+              <a:rPr lang="en-US" sz="1200" b="1" dirty="0" smtClean="0"/>
+              <a:t>/</a:t>
+            </a:r>
+            <a:r>
+              <a:rPr lang="en-US" sz="1200" b="1" dirty="0" err="1" smtClean="0"/>
+              <a:t>staticws:latest</a:t>
+            </a:r>
+            <a:endParaRPr lang="en-US" sz="1200" b="1" dirty="0" smtClean="0"/>
+          </a:p>
+          <a:p>
+            <a:endParaRPr lang="en-US" dirty="0" smtClean="0"/>
+          </a:p>
+          <a:p>
+            <a:r>
+              <a:rPr lang="nl-NL" dirty="0" smtClean="0"/>
+              <a:t>http://dockerhost01.westeurope.cloudapp.azure.com:8901/</a:t>
+            </a:r>
             <a:endParaRPr lang="nl-NL" dirty="0"/>
           </a:p>
         </p:txBody>
@@ -1905,7 +1871,7 @@
           <a:p>
             <a:fld id="{2DB1139D-5AC7-4B0B-A715-E40E0591EF82}" type="slidenum">
               <a:rPr lang="nl-NL" smtClean="0"/>
-              <a:t>32</a:t>
+              <a:t>30</a:t>
             </a:fld>
             <a:endParaRPr lang="nl-NL"/>
           </a:p>
@@ -1914,7 +1880,7 @@
     </p:spTree>
     <p:extLst>
       <p:ext uri="{BB962C8B-B14F-4D97-AF65-F5344CB8AC3E}">
-        <p14:creationId xmlns:p14="http://schemas.microsoft.com/office/powerpoint/2010/main" val="1891187959"/>
+        <p14:creationId xmlns:p14="http://schemas.microsoft.com/office/powerpoint/2010/main" val="502067281"/>
       </p:ext>
     </p:extLst>
   </p:cSld>
@@ -1994,7 +1960,7 @@
           <a:p>
             <a:fld id="{2DB1139D-5AC7-4B0B-A715-E40E0591EF82}" type="slidenum">
               <a:rPr lang="nl-NL" smtClean="0"/>
-              <a:t>34</a:t>
+              <a:t>32</a:t>
             </a:fld>
             <a:endParaRPr lang="nl-NL"/>
           </a:p>
@@ -2003,7 +1969,7 @@
     </p:spTree>
     <p:extLst>
       <p:ext uri="{BB962C8B-B14F-4D97-AF65-F5344CB8AC3E}">
-        <p14:creationId xmlns:p14="http://schemas.microsoft.com/office/powerpoint/2010/main" val="3694859793"/>
+        <p14:creationId xmlns:p14="http://schemas.microsoft.com/office/powerpoint/2010/main" val="1891187959"/>
       </p:ext>
     </p:extLst>
   </p:cSld>
@@ -2083,7 +2049,7 @@
           <a:p>
             <a:fld id="{2DB1139D-5AC7-4B0B-A715-E40E0591EF82}" type="slidenum">
               <a:rPr lang="nl-NL" smtClean="0"/>
-              <a:t>36</a:t>
+              <a:t>34</a:t>
             </a:fld>
             <a:endParaRPr lang="nl-NL"/>
           </a:p>
@@ -2092,7 +2058,7 @@
     </p:spTree>
     <p:extLst>
       <p:ext uri="{BB962C8B-B14F-4D97-AF65-F5344CB8AC3E}">
-        <p14:creationId xmlns:p14="http://schemas.microsoft.com/office/powerpoint/2010/main" val="4156384927"/>
+        <p14:creationId xmlns:p14="http://schemas.microsoft.com/office/powerpoint/2010/main" val="3694859793"/>
       </p:ext>
     </p:extLst>
   </p:cSld>
@@ -2151,43 +2117,6 @@
           <a:bodyPr/>
           <a:lstStyle/>
           <a:p>
-            <a:r>
-              <a:rPr lang="nl-NL" dirty="0" err="1" smtClean="0"/>
-              <a:t>docker</a:t>
-            </a:r>
-            <a:r>
-              <a:rPr lang="nl-NL" dirty="0" smtClean="0"/>
-              <a:t> system info</a:t>
-            </a:r>
-          </a:p>
-          <a:p>
-            <a:r>
-              <a:rPr lang="en-US" dirty="0" err="1" smtClean="0"/>
-              <a:t>docker</a:t>
-            </a:r>
-            <a:r>
-              <a:rPr lang="en-US" dirty="0" smtClean="0"/>
-              <a:t> info</a:t>
-            </a:r>
-          </a:p>
-          <a:p>
-            <a:endParaRPr lang="en-US" dirty="0" smtClean="0"/>
-          </a:p>
-          <a:p>
-            <a:r>
-              <a:rPr lang="en-US" dirty="0" err="1" smtClean="0"/>
-              <a:t>docker</a:t>
-            </a:r>
-            <a:r>
-              <a:rPr lang="en-US" dirty="0" smtClean="0"/>
-              <a:t> info</a:t>
-            </a:r>
-          </a:p>
-          <a:p>
-            <a:r>
-              <a:rPr lang="en-US" dirty="0" smtClean="0"/>
-              <a:t>Command Line Interface</a:t>
-            </a:r>
             <a:endParaRPr lang="nl-NL" dirty="0"/>
           </a:p>
         </p:txBody>
@@ -2209,7 +2138,7 @@
           <a:p>
             <a:fld id="{2DB1139D-5AC7-4B0B-A715-E40E0591EF82}" type="slidenum">
               <a:rPr lang="nl-NL" smtClean="0"/>
-              <a:t>37</a:t>
+              <a:t>36</a:t>
             </a:fld>
             <a:endParaRPr lang="nl-NL"/>
           </a:p>
@@ -2218,7 +2147,7 @@
     </p:spTree>
     <p:extLst>
       <p:ext uri="{BB962C8B-B14F-4D97-AF65-F5344CB8AC3E}">
-        <p14:creationId xmlns:p14="http://schemas.microsoft.com/office/powerpoint/2010/main" val="3403965734"/>
+        <p14:creationId xmlns:p14="http://schemas.microsoft.com/office/powerpoint/2010/main" val="4156384927"/>
       </p:ext>
     </p:extLst>
   </p:cSld>
@@ -2367,91 +2296,42 @@
           <a:lstStyle/>
           <a:p>
             <a:r>
-              <a:rPr lang="en-US" dirty="0" smtClean="0"/>
-              <a:t>Hub - community</a:t>
-            </a:r>
-          </a:p>
-          <a:p>
-            <a:r>
-              <a:rPr lang="en-US" dirty="0" smtClean="0"/>
-              <a:t>Store – private and paid official</a:t>
-            </a:r>
-          </a:p>
-          <a:p>
-            <a:r>
-              <a:rPr lang="en-US" dirty="0" smtClean="0"/>
-              <a:t>Private</a:t>
-            </a:r>
-            <a:r>
-              <a:rPr lang="en-US" baseline="0" dirty="0" smtClean="0"/>
-              <a:t> on premise</a:t>
-            </a:r>
+              <a:rPr lang="nl-NL" dirty="0" err="1" smtClean="0"/>
+              <a:t>docker</a:t>
+            </a:r>
+            <a:r>
+              <a:rPr lang="nl-NL" dirty="0" smtClean="0"/>
+              <a:t> system info</a:t>
+            </a:r>
+          </a:p>
+          <a:p>
+            <a:r>
+              <a:rPr lang="en-US" dirty="0" err="1" smtClean="0"/>
+              <a:t>docker</a:t>
+            </a:r>
+            <a:r>
+              <a:rPr lang="en-US" dirty="0" smtClean="0"/>
+              <a:t> info</a:t>
+            </a:r>
+          </a:p>
+          <a:p>
             <a:endParaRPr lang="en-US" dirty="0" smtClean="0"/>
           </a:p>
           <a:p>
-            <a:endParaRPr lang="en-US" dirty="0" smtClean="0"/>
-          </a:p>
-          <a:p>
-            <a:r>
-              <a:rPr lang="en-US" dirty="0" smtClean="0"/>
-              <a:t>Private</a:t>
-            </a:r>
-            <a:r>
-              <a:rPr lang="en-US" baseline="0" dirty="0" smtClean="0"/>
-              <a:t> </a:t>
-            </a:r>
-            <a:endParaRPr lang="en-US" dirty="0" smtClean="0"/>
-          </a:p>
-          <a:p>
-            <a:r>
-              <a:rPr lang="en-US" dirty="0" smtClean="0"/>
-              <a:t>Official </a:t>
-            </a:r>
             <a:r>
               <a:rPr lang="en-US" dirty="0" err="1" smtClean="0"/>
-              <a:t>en</a:t>
-            </a:r>
-            <a:r>
-              <a:rPr lang="en-US" dirty="0" smtClean="0"/>
-              <a:t> unofficial</a:t>
-            </a:r>
-          </a:p>
-          <a:p>
-            <a:endParaRPr lang="en-US" dirty="0" smtClean="0"/>
-          </a:p>
-          <a:p>
-            <a:r>
-              <a:rPr lang="en-US" dirty="0" smtClean="0"/>
-              <a:t>User-id / repro</a:t>
-            </a:r>
-            <a:endParaRPr lang="en-US" baseline="0" dirty="0" smtClean="0"/>
-          </a:p>
-          <a:p>
-            <a:r>
-              <a:rPr lang="en-US" baseline="0" dirty="0" smtClean="0"/>
-              <a:t>Tags</a:t>
-            </a:r>
-          </a:p>
-          <a:p>
-            <a:endParaRPr lang="en-US" baseline="0" dirty="0" smtClean="0"/>
-          </a:p>
-          <a:p>
-            <a:r>
-              <a:rPr lang="en-US" baseline="0" dirty="0" err="1" smtClean="0"/>
-              <a:t>Inloggen</a:t>
-            </a:r>
-            <a:r>
-              <a:rPr lang="en-US" baseline="0" dirty="0" smtClean="0"/>
-              <a:t> </a:t>
-            </a:r>
-          </a:p>
-          <a:p>
-            <a:endParaRPr lang="en-US" baseline="0" dirty="0" smtClean="0"/>
-          </a:p>
-          <a:p>
-            <a:endParaRPr lang="en-US" dirty="0" smtClean="0"/>
-          </a:p>
-          <a:p>
+              <a:t>docker</a:t>
+            </a:r>
+            <a:r>
+              <a:rPr lang="en-US" dirty="0" smtClean="0"/>
+              <a:t> info</a:t>
+            </a:r>
+          </a:p>
+          <a:p>
+            <a:r>
+              <a:rPr lang="en-US" dirty="0" smtClean="0"/>
+              <a:t>Command Line Interface</a:t>
+            </a:r>
             <a:endParaRPr lang="nl-NL" dirty="0"/>
           </a:p>
         </p:txBody>
@@ -2473,7 +2353,7 @@
           <a:p>
             <a:fld id="{2DB1139D-5AC7-4B0B-A715-E40E0591EF82}" type="slidenum">
               <a:rPr lang="nl-NL" smtClean="0"/>
-              <a:t>42</a:t>
+              <a:t>37</a:t>
             </a:fld>
             <a:endParaRPr lang="nl-NL"/>
           </a:p>
@@ -2482,7 +2362,7 @@
     </p:spTree>
     <p:extLst>
       <p:ext uri="{BB962C8B-B14F-4D97-AF65-F5344CB8AC3E}">
-        <p14:creationId xmlns:p14="http://schemas.microsoft.com/office/powerpoint/2010/main" val="182377859"/>
+        <p14:creationId xmlns:p14="http://schemas.microsoft.com/office/powerpoint/2010/main" val="3403965734"/>
       </p:ext>
     </p:extLst>
   </p:cSld>
@@ -2542,9 +2422,89 @@
           <a:lstStyle/>
           <a:p>
             <a:r>
-              <a:rPr lang="nl-NL" dirty="0" smtClean="0"/>
-              <a:t>https://store.docker.com/images/alpine</a:t>
-            </a:r>
+              <a:rPr lang="en-US" dirty="0" smtClean="0"/>
+              <a:t>Hub - community</a:t>
+            </a:r>
+          </a:p>
+          <a:p>
+            <a:r>
+              <a:rPr lang="en-US" dirty="0" smtClean="0"/>
+              <a:t>Store – private and paid official</a:t>
+            </a:r>
+          </a:p>
+          <a:p>
+            <a:r>
+              <a:rPr lang="en-US" dirty="0" smtClean="0"/>
+              <a:t>Private</a:t>
+            </a:r>
+            <a:r>
+              <a:rPr lang="en-US" baseline="0" dirty="0" smtClean="0"/>
+              <a:t> on premise</a:t>
+            </a:r>
+            <a:endParaRPr lang="en-US" dirty="0" smtClean="0"/>
+          </a:p>
+          <a:p>
+            <a:endParaRPr lang="en-US" dirty="0" smtClean="0"/>
+          </a:p>
+          <a:p>
+            <a:r>
+              <a:rPr lang="en-US" dirty="0" smtClean="0"/>
+              <a:t>Private</a:t>
+            </a:r>
+            <a:r>
+              <a:rPr lang="en-US" baseline="0" dirty="0" smtClean="0"/>
+              <a:t> </a:t>
+            </a:r>
+            <a:endParaRPr lang="en-US" dirty="0" smtClean="0"/>
+          </a:p>
+          <a:p>
+            <a:r>
+              <a:rPr lang="en-US" dirty="0" smtClean="0"/>
+              <a:t>Official </a:t>
+            </a:r>
+            <a:r>
+              <a:rPr lang="en-US" dirty="0" err="1" smtClean="0"/>
+              <a:t>en</a:t>
+            </a:r>
+            <a:r>
+              <a:rPr lang="en-US" dirty="0" smtClean="0"/>
+              <a:t> unofficial</a:t>
+            </a:r>
+          </a:p>
+          <a:p>
+            <a:endParaRPr lang="en-US" dirty="0" smtClean="0"/>
+          </a:p>
+          <a:p>
+            <a:r>
+              <a:rPr lang="en-US" dirty="0" smtClean="0"/>
+              <a:t>User-id / repro</a:t>
+            </a:r>
+            <a:endParaRPr lang="en-US" baseline="0" dirty="0" smtClean="0"/>
+          </a:p>
+          <a:p>
+            <a:r>
+              <a:rPr lang="en-US" baseline="0" dirty="0" smtClean="0"/>
+              <a:t>Tags</a:t>
+            </a:r>
+          </a:p>
+          <a:p>
+            <a:endParaRPr lang="en-US" baseline="0" dirty="0" smtClean="0"/>
+          </a:p>
+          <a:p>
+            <a:r>
+              <a:rPr lang="en-US" baseline="0" dirty="0" err="1" smtClean="0"/>
+              <a:t>Inloggen</a:t>
+            </a:r>
+            <a:r>
+              <a:rPr lang="en-US" baseline="0" dirty="0" smtClean="0"/>
+              <a:t> </a:t>
+            </a:r>
+          </a:p>
+          <a:p>
+            <a:endParaRPr lang="en-US" baseline="0" dirty="0" smtClean="0"/>
+          </a:p>
+          <a:p>
+            <a:endParaRPr lang="en-US" dirty="0" smtClean="0"/>
           </a:p>
           <a:p>
             <a:endParaRPr lang="nl-NL" dirty="0"/>
@@ -2568,7 +2528,7 @@
           <a:p>
             <a:fld id="{2DB1139D-5AC7-4B0B-A715-E40E0591EF82}" type="slidenum">
               <a:rPr lang="nl-NL" smtClean="0"/>
-              <a:t>43</a:t>
+              <a:t>42</a:t>
             </a:fld>
             <a:endParaRPr lang="nl-NL"/>
           </a:p>
@@ -2577,7 +2537,7 @@
     </p:spTree>
     <p:extLst>
       <p:ext uri="{BB962C8B-B14F-4D97-AF65-F5344CB8AC3E}">
-        <p14:creationId xmlns:p14="http://schemas.microsoft.com/office/powerpoint/2010/main" val="897889760"/>
+        <p14:creationId xmlns:p14="http://schemas.microsoft.com/office/powerpoint/2010/main" val="182377859"/>
       </p:ext>
     </p:extLst>
   </p:cSld>
@@ -2636,6 +2596,12 @@
           <a:bodyPr/>
           <a:lstStyle/>
           <a:p>
+            <a:r>
+              <a:rPr lang="nl-NL" dirty="0" smtClean="0"/>
+              <a:t>https://store.docker.com/images/alpine</a:t>
+            </a:r>
+          </a:p>
+          <a:p>
             <a:endParaRPr lang="nl-NL" dirty="0"/>
           </a:p>
         </p:txBody>
@@ -2657,7 +2623,7 @@
           <a:p>
             <a:fld id="{2DB1139D-5AC7-4B0B-A715-E40E0591EF82}" type="slidenum">
               <a:rPr lang="nl-NL" smtClean="0"/>
-              <a:t>45</a:t>
+              <a:t>43</a:t>
             </a:fld>
             <a:endParaRPr lang="nl-NL"/>
           </a:p>
@@ -2666,7 +2632,7 @@
     </p:spTree>
     <p:extLst>
       <p:ext uri="{BB962C8B-B14F-4D97-AF65-F5344CB8AC3E}">
-        <p14:creationId xmlns:p14="http://schemas.microsoft.com/office/powerpoint/2010/main" val="2406437121"/>
+        <p14:creationId xmlns:p14="http://schemas.microsoft.com/office/powerpoint/2010/main" val="897889760"/>
       </p:ext>
     </p:extLst>
   </p:cSld>
@@ -2725,101 +2691,6 @@
           <a:bodyPr/>
           <a:lstStyle/>
           <a:p>
-            <a:r>
-              <a:rPr lang="nl-NL" dirty="0" err="1" smtClean="0"/>
-              <a:t>docker</a:t>
-            </a:r>
-            <a:r>
-              <a:rPr lang="nl-NL" dirty="0" smtClean="0"/>
-              <a:t> pull alpine</a:t>
-            </a:r>
-          </a:p>
-          <a:p>
-            <a:r>
-              <a:rPr lang="nl-NL" dirty="0" err="1" smtClean="0"/>
-              <a:t>docker</a:t>
-            </a:r>
-            <a:r>
-              <a:rPr lang="nl-NL" dirty="0" smtClean="0"/>
-              <a:t> run -</a:t>
-            </a:r>
-            <a:r>
-              <a:rPr lang="nl-NL" dirty="0" err="1" smtClean="0"/>
-              <a:t>it</a:t>
-            </a:r>
-            <a:r>
-              <a:rPr lang="nl-NL" dirty="0" smtClean="0"/>
-              <a:t> alpine /bin/sh</a:t>
-            </a:r>
-          </a:p>
-          <a:p>
-            <a:endParaRPr lang="en-US" dirty="0" smtClean="0"/>
-          </a:p>
-          <a:p>
-            <a:r>
-              <a:rPr lang="en-US" dirty="0" smtClean="0"/>
-              <a:t>Alpine</a:t>
-            </a:r>
-          </a:p>
-          <a:p>
-            <a:r>
-              <a:rPr lang="en-US" dirty="0" smtClean="0"/>
-              <a:t>cat /</a:t>
-            </a:r>
-            <a:r>
-              <a:rPr lang="en-US" dirty="0" err="1" smtClean="0"/>
-              <a:t>etc</a:t>
-            </a:r>
-            <a:r>
-              <a:rPr lang="en-US" dirty="0" smtClean="0"/>
-              <a:t>/*-release</a:t>
-            </a:r>
-          </a:p>
-          <a:p>
-            <a:r>
-              <a:rPr lang="en-US" dirty="0" err="1" smtClean="0"/>
-              <a:t>Pwd</a:t>
-            </a:r>
-            <a:endParaRPr lang="en-US" dirty="0" smtClean="0"/>
-          </a:p>
-          <a:p>
-            <a:r>
-              <a:rPr lang="en-US" dirty="0" smtClean="0"/>
-              <a:t>Ls</a:t>
-            </a:r>
-          </a:p>
-          <a:p>
-            <a:r>
-              <a:rPr lang="en-US" dirty="0" err="1" smtClean="0"/>
-              <a:t>Whoami</a:t>
-            </a:r>
-            <a:endParaRPr lang="en-US" dirty="0" smtClean="0"/>
-          </a:p>
-          <a:p>
-            <a:r>
-              <a:rPr lang="en-US" dirty="0" smtClean="0"/>
-              <a:t>exit</a:t>
-            </a:r>
-          </a:p>
-          <a:p>
-            <a:endParaRPr lang="nl-NL" dirty="0" smtClean="0"/>
-          </a:p>
-          <a:p>
-            <a:r>
-              <a:rPr lang="en-US" dirty="0" err="1" smtClean="0"/>
-              <a:t>docker</a:t>
-            </a:r>
-            <a:r>
-              <a:rPr lang="en-US" dirty="0" smtClean="0"/>
-              <a:t> </a:t>
-            </a:r>
-            <a:r>
-              <a:rPr lang="en-US" dirty="0" err="1" smtClean="0"/>
-              <a:t>ps</a:t>
-            </a:r>
-            <a:endParaRPr lang="nl-NL" dirty="0" smtClean="0"/>
-          </a:p>
-          <a:p>
             <a:endParaRPr lang="nl-NL" dirty="0"/>
           </a:p>
         </p:txBody>
@@ -2841,7 +2712,7 @@
           <a:p>
             <a:fld id="{2DB1139D-5AC7-4B0B-A715-E40E0591EF82}" type="slidenum">
               <a:rPr lang="nl-NL" smtClean="0"/>
-              <a:t>46</a:t>
+              <a:t>45</a:t>
             </a:fld>
             <a:endParaRPr lang="nl-NL"/>
           </a:p>
@@ -2850,7 +2721,7 @@
     </p:spTree>
     <p:extLst>
       <p:ext uri="{BB962C8B-B14F-4D97-AF65-F5344CB8AC3E}">
-        <p14:creationId xmlns:p14="http://schemas.microsoft.com/office/powerpoint/2010/main" val="1646663591"/>
+        <p14:creationId xmlns:p14="http://schemas.microsoft.com/office/powerpoint/2010/main" val="2406437121"/>
       </p:ext>
     </p:extLst>
   </p:cSld>
@@ -3025,7 +2896,7 @@
           <a:p>
             <a:fld id="{2DB1139D-5AC7-4B0B-A715-E40E0591EF82}" type="slidenum">
               <a:rPr lang="nl-NL" smtClean="0"/>
-              <a:t>47</a:t>
+              <a:t>46</a:t>
             </a:fld>
             <a:endParaRPr lang="nl-NL"/>
           </a:p>
@@ -3034,7 +2905,7 @@
     </p:spTree>
     <p:extLst>
       <p:ext uri="{BB962C8B-B14F-4D97-AF65-F5344CB8AC3E}">
-        <p14:creationId xmlns:p14="http://schemas.microsoft.com/office/powerpoint/2010/main" val="2631490467"/>
+        <p14:creationId xmlns:p14="http://schemas.microsoft.com/office/powerpoint/2010/main" val="1646663591"/>
       </p:ext>
     </p:extLst>
   </p:cSld>
@@ -3093,7 +2964,99 @@
           <a:bodyPr/>
           <a:lstStyle/>
           <a:p>
-            <a:endParaRPr lang="sv-SE" dirty="0" smtClean="0"/>
+            <a:r>
+              <a:rPr lang="nl-NL" dirty="0" err="1" smtClean="0"/>
+              <a:t>docker</a:t>
+            </a:r>
+            <a:r>
+              <a:rPr lang="nl-NL" dirty="0" smtClean="0"/>
+              <a:t> pull alpine</a:t>
+            </a:r>
+          </a:p>
+          <a:p>
+            <a:r>
+              <a:rPr lang="nl-NL" dirty="0" err="1" smtClean="0"/>
+              <a:t>docker</a:t>
+            </a:r>
+            <a:r>
+              <a:rPr lang="nl-NL" dirty="0" smtClean="0"/>
+              <a:t> run -</a:t>
+            </a:r>
+            <a:r>
+              <a:rPr lang="nl-NL" dirty="0" err="1" smtClean="0"/>
+              <a:t>it</a:t>
+            </a:r>
+            <a:r>
+              <a:rPr lang="nl-NL" dirty="0" smtClean="0"/>
+              <a:t> alpine /bin/sh</a:t>
+            </a:r>
+          </a:p>
+          <a:p>
+            <a:endParaRPr lang="en-US" dirty="0" smtClean="0"/>
+          </a:p>
+          <a:p>
+            <a:r>
+              <a:rPr lang="en-US" dirty="0" smtClean="0"/>
+              <a:t>Alpine</a:t>
+            </a:r>
+          </a:p>
+          <a:p>
+            <a:r>
+              <a:rPr lang="en-US" dirty="0" smtClean="0"/>
+              <a:t>cat /</a:t>
+            </a:r>
+            <a:r>
+              <a:rPr lang="en-US" dirty="0" err="1" smtClean="0"/>
+              <a:t>etc</a:t>
+            </a:r>
+            <a:r>
+              <a:rPr lang="en-US" dirty="0" smtClean="0"/>
+              <a:t>/*-release</a:t>
+            </a:r>
+          </a:p>
+          <a:p>
+            <a:r>
+              <a:rPr lang="en-US" dirty="0" err="1" smtClean="0"/>
+              <a:t>Pwd</a:t>
+            </a:r>
+            <a:endParaRPr lang="en-US" dirty="0" smtClean="0"/>
+          </a:p>
+          <a:p>
+            <a:r>
+              <a:rPr lang="en-US" dirty="0" smtClean="0"/>
+              <a:t>Ls</a:t>
+            </a:r>
+          </a:p>
+          <a:p>
+            <a:r>
+              <a:rPr lang="en-US" dirty="0" err="1" smtClean="0"/>
+              <a:t>Whoami</a:t>
+            </a:r>
+            <a:endParaRPr lang="en-US" dirty="0" smtClean="0"/>
+          </a:p>
+          <a:p>
+            <a:r>
+              <a:rPr lang="en-US" dirty="0" smtClean="0"/>
+              <a:t>exit</a:t>
+            </a:r>
+          </a:p>
+          <a:p>
+            <a:endParaRPr lang="nl-NL" dirty="0" smtClean="0"/>
+          </a:p>
+          <a:p>
+            <a:r>
+              <a:rPr lang="en-US" dirty="0" err="1" smtClean="0"/>
+              <a:t>docker</a:t>
+            </a:r>
+            <a:r>
+              <a:rPr lang="en-US" dirty="0" smtClean="0"/>
+              <a:t> </a:t>
+            </a:r>
+            <a:r>
+              <a:rPr lang="en-US" dirty="0" err="1" smtClean="0"/>
+              <a:t>ps</a:t>
+            </a:r>
+            <a:endParaRPr lang="nl-NL" dirty="0" smtClean="0"/>
           </a:p>
           <a:p>
             <a:endParaRPr lang="nl-NL" dirty="0"/>
@@ -3117,7 +3080,7 @@
           <a:p>
             <a:fld id="{2DB1139D-5AC7-4B0B-A715-E40E0591EF82}" type="slidenum">
               <a:rPr lang="nl-NL" smtClean="0"/>
-              <a:t>49</a:t>
+              <a:t>47</a:t>
             </a:fld>
             <a:endParaRPr lang="nl-NL"/>
           </a:p>
@@ -3126,7 +3089,7 @@
     </p:spTree>
     <p:extLst>
       <p:ext uri="{BB962C8B-B14F-4D97-AF65-F5344CB8AC3E}">
-        <p14:creationId xmlns:p14="http://schemas.microsoft.com/office/powerpoint/2010/main" val="402970456"/>
+        <p14:creationId xmlns:p14="http://schemas.microsoft.com/office/powerpoint/2010/main" val="2631490467"/>
       </p:ext>
     </p:extLst>
   </p:cSld>
@@ -3185,43 +3148,9 @@
           <a:bodyPr/>
           <a:lstStyle/>
           <a:p>
-            <a:r>
-              <a:rPr lang="nl-NL" dirty="0" err="1" smtClean="0"/>
-              <a:t>docker</a:t>
-            </a:r>
-            <a:r>
-              <a:rPr lang="nl-NL" dirty="0" smtClean="0"/>
-              <a:t> system info</a:t>
-            </a:r>
-          </a:p>
-          <a:p>
-            <a:r>
-              <a:rPr lang="en-US" dirty="0" err="1" smtClean="0"/>
-              <a:t>docker</a:t>
-            </a:r>
-            <a:r>
-              <a:rPr lang="en-US" dirty="0" smtClean="0"/>
-              <a:t> info</a:t>
-            </a:r>
-          </a:p>
-          <a:p>
-            <a:endParaRPr lang="en-US" dirty="0" smtClean="0"/>
-          </a:p>
-          <a:p>
-            <a:r>
-              <a:rPr lang="en-US" dirty="0" err="1" smtClean="0"/>
-              <a:t>docker</a:t>
-            </a:r>
-            <a:r>
-              <a:rPr lang="en-US" dirty="0" smtClean="0"/>
-              <a:t> info</a:t>
-            </a:r>
-          </a:p>
-          <a:p>
-            <a:r>
-              <a:rPr lang="en-US" dirty="0" smtClean="0"/>
-              <a:t>Command Line Interface</a:t>
-            </a:r>
+            <a:endParaRPr lang="sv-SE" dirty="0" smtClean="0"/>
+          </a:p>
+          <a:p>
             <a:endParaRPr lang="nl-NL" dirty="0"/>
           </a:p>
         </p:txBody>
@@ -3243,7 +3172,7 @@
           <a:p>
             <a:fld id="{2DB1139D-5AC7-4B0B-A715-E40E0591EF82}" type="slidenum">
               <a:rPr lang="nl-NL" smtClean="0"/>
-              <a:t>51</a:t>
+              <a:t>49</a:t>
             </a:fld>
             <a:endParaRPr lang="nl-NL"/>
           </a:p>
@@ -3252,7 +3181,7 @@
     </p:spTree>
     <p:extLst>
       <p:ext uri="{BB962C8B-B14F-4D97-AF65-F5344CB8AC3E}">
-        <p14:creationId xmlns:p14="http://schemas.microsoft.com/office/powerpoint/2010/main" val="3597211134"/>
+        <p14:creationId xmlns:p14="http://schemas.microsoft.com/office/powerpoint/2010/main" val="402970456"/>
       </p:ext>
     </p:extLst>
   </p:cSld>
@@ -3311,6 +3240,43 @@
           <a:bodyPr/>
           <a:lstStyle/>
           <a:p>
+            <a:r>
+              <a:rPr lang="nl-NL" dirty="0" err="1" smtClean="0"/>
+              <a:t>docker</a:t>
+            </a:r>
+            <a:r>
+              <a:rPr lang="nl-NL" dirty="0" smtClean="0"/>
+              <a:t> system info</a:t>
+            </a:r>
+          </a:p>
+          <a:p>
+            <a:r>
+              <a:rPr lang="en-US" dirty="0" err="1" smtClean="0"/>
+              <a:t>docker</a:t>
+            </a:r>
+            <a:r>
+              <a:rPr lang="en-US" dirty="0" smtClean="0"/>
+              <a:t> info</a:t>
+            </a:r>
+          </a:p>
+          <a:p>
+            <a:endParaRPr lang="en-US" dirty="0" smtClean="0"/>
+          </a:p>
+          <a:p>
+            <a:r>
+              <a:rPr lang="en-US" dirty="0" err="1" smtClean="0"/>
+              <a:t>docker</a:t>
+            </a:r>
+            <a:r>
+              <a:rPr lang="en-US" dirty="0" smtClean="0"/>
+              <a:t> info</a:t>
+            </a:r>
+          </a:p>
+          <a:p>
+            <a:r>
+              <a:rPr lang="en-US" dirty="0" smtClean="0"/>
+              <a:t>Command Line Interface</a:t>
+            </a:r>
             <a:endParaRPr lang="nl-NL" dirty="0"/>
           </a:p>
         </p:txBody>
@@ -3332,7 +3298,7 @@
           <a:p>
             <a:fld id="{2DB1139D-5AC7-4B0B-A715-E40E0591EF82}" type="slidenum">
               <a:rPr lang="nl-NL" smtClean="0"/>
-              <a:t>53</a:t>
+              <a:t>51</a:t>
             </a:fld>
             <a:endParaRPr lang="nl-NL"/>
           </a:p>
@@ -3341,7 +3307,7 @@
     </p:spTree>
     <p:extLst>
       <p:ext uri="{BB962C8B-B14F-4D97-AF65-F5344CB8AC3E}">
-        <p14:creationId xmlns:p14="http://schemas.microsoft.com/office/powerpoint/2010/main" val="1759705759"/>
+        <p14:creationId xmlns:p14="http://schemas.microsoft.com/office/powerpoint/2010/main" val="3597211134"/>
       </p:ext>
     </p:extLst>
   </p:cSld>
@@ -3421,7 +3387,7 @@
           <a:p>
             <a:fld id="{2DB1139D-5AC7-4B0B-A715-E40E0591EF82}" type="slidenum">
               <a:rPr lang="nl-NL" smtClean="0"/>
-              <a:t>54</a:t>
+              <a:t>53</a:t>
             </a:fld>
             <a:endParaRPr lang="nl-NL"/>
           </a:p>
@@ -3430,7 +3396,7 @@
     </p:spTree>
     <p:extLst>
       <p:ext uri="{BB962C8B-B14F-4D97-AF65-F5344CB8AC3E}">
-        <p14:creationId xmlns:p14="http://schemas.microsoft.com/office/powerpoint/2010/main" val="3877135641"/>
+        <p14:creationId xmlns:p14="http://schemas.microsoft.com/office/powerpoint/2010/main" val="1759705759"/>
       </p:ext>
     </p:extLst>
   </p:cSld>
@@ -3467,7 +3433,12 @@
             <p:ph type="sldImg"/>
           </p:nvPr>
         </p:nvSpPr>
-        <p:spPr/>
+        <p:spPr>
+          <a:xfrm>
+            <a:off x="1143000" y="685800"/>
+            <a:ext cx="4572000" cy="3429000"/>
+          </a:xfrm>
+        </p:spPr>
       </p:sp>
       <p:sp>
         <p:nvSpPr>
@@ -3484,518 +3455,6 @@
           <a:bodyPr/>
           <a:lstStyle/>
           <a:p>
-            <a:r>
-              <a:rPr lang="en-US" sz="1200" kern="1200" dirty="0" smtClean="0">
-                <a:solidFill>
-                  <a:schemeClr val="tx1"/>
-                </a:solidFill>
-                <a:effectLst/>
-                <a:latin typeface="+mn-lt"/>
-                <a:ea typeface="+mn-ea"/>
-                <a:cs typeface="+mn-cs"/>
-              </a:rPr>
-              <a:t>Azure </a:t>
-            </a:r>
-          </a:p>
-          <a:p>
-            <a:r>
-              <a:rPr lang="en-US" sz="1200" kern="1200" dirty="0" smtClean="0">
-                <a:solidFill>
-                  <a:schemeClr val="tx1"/>
-                </a:solidFill>
-                <a:effectLst/>
-                <a:latin typeface="+mn-lt"/>
-                <a:ea typeface="+mn-ea"/>
-                <a:cs typeface="+mn-cs"/>
-              </a:rPr>
-              <a:t>Dockerhost01</a:t>
-            </a:r>
-          </a:p>
-          <a:p>
-            <a:r>
-              <a:rPr lang="en-US" sz="1200" kern="1200" dirty="0" smtClean="0">
-                <a:solidFill>
-                  <a:schemeClr val="tx1"/>
-                </a:solidFill>
-                <a:effectLst/>
-                <a:latin typeface="+mn-lt"/>
-                <a:ea typeface="+mn-ea"/>
-                <a:cs typeface="+mn-cs"/>
-              </a:rPr>
-              <a:t>Centric / Centric2017!</a:t>
-            </a:r>
-          </a:p>
-          <a:p>
-            <a:r>
-              <a:rPr lang="en-US" sz="1200" kern="1200" dirty="0" smtClean="0">
-                <a:solidFill>
-                  <a:schemeClr val="tx1"/>
-                </a:solidFill>
-                <a:effectLst/>
-                <a:latin typeface="+mn-lt"/>
-                <a:ea typeface="+mn-ea"/>
-                <a:cs typeface="+mn-cs"/>
-                <a:hlinkClick r:id="rId3"/>
-              </a:rPr>
-              <a:t>http://dockerhost01.westeurope.cloudapp.azure.com</a:t>
-            </a:r>
-            <a:endParaRPr lang="en-US" sz="1200" kern="1200" dirty="0" smtClean="0">
-              <a:solidFill>
-                <a:schemeClr val="tx1"/>
-              </a:solidFill>
-              <a:effectLst/>
-              <a:latin typeface="+mn-lt"/>
-              <a:ea typeface="+mn-ea"/>
-              <a:cs typeface="+mn-cs"/>
-            </a:endParaRPr>
-          </a:p>
-          <a:p>
-            <a:r>
-              <a:rPr lang="en-US" sz="1200" kern="1200" dirty="0" err="1" smtClean="0">
-                <a:solidFill>
-                  <a:schemeClr val="tx1"/>
-                </a:solidFill>
-                <a:effectLst/>
-                <a:latin typeface="+mn-lt"/>
-                <a:ea typeface="+mn-ea"/>
-                <a:cs typeface="+mn-cs"/>
-              </a:rPr>
-              <a:t>Poort</a:t>
-            </a:r>
-            <a:r>
-              <a:rPr lang="en-US" sz="1200" kern="1200" dirty="0" smtClean="0">
-                <a:solidFill>
-                  <a:schemeClr val="tx1"/>
-                </a:solidFill>
-                <a:effectLst/>
-                <a:latin typeface="+mn-lt"/>
-                <a:ea typeface="+mn-ea"/>
-                <a:cs typeface="+mn-cs"/>
-              </a:rPr>
-              <a:t> 8900 t/m 9000 open </a:t>
-            </a:r>
-            <a:r>
-              <a:rPr lang="en-US" sz="1200" kern="1200" dirty="0" err="1" smtClean="0">
-                <a:solidFill>
-                  <a:schemeClr val="tx1"/>
-                </a:solidFill>
-                <a:effectLst/>
-                <a:latin typeface="+mn-lt"/>
-                <a:ea typeface="+mn-ea"/>
-                <a:cs typeface="+mn-cs"/>
-              </a:rPr>
-              <a:t>voor</a:t>
-            </a:r>
-            <a:r>
-              <a:rPr lang="en-US" sz="1200" kern="1200" dirty="0" smtClean="0">
-                <a:solidFill>
-                  <a:schemeClr val="tx1"/>
-                </a:solidFill>
-                <a:effectLst/>
-                <a:latin typeface="+mn-lt"/>
-                <a:ea typeface="+mn-ea"/>
-                <a:cs typeface="+mn-cs"/>
-              </a:rPr>
-              <a:t> </a:t>
-            </a:r>
-            <a:r>
-              <a:rPr lang="en-US" sz="1200" kern="1200" dirty="0" err="1" smtClean="0">
-                <a:solidFill>
-                  <a:schemeClr val="tx1"/>
-                </a:solidFill>
-                <a:effectLst/>
-                <a:latin typeface="+mn-lt"/>
-                <a:ea typeface="+mn-ea"/>
-                <a:cs typeface="+mn-cs"/>
-              </a:rPr>
-              <a:t>tcp</a:t>
-            </a:r>
-            <a:endParaRPr lang="en-US" sz="1200" kern="1200" dirty="0" smtClean="0">
-              <a:solidFill>
-                <a:schemeClr val="tx1"/>
-              </a:solidFill>
-              <a:effectLst/>
-              <a:latin typeface="+mn-lt"/>
-              <a:ea typeface="+mn-ea"/>
-              <a:cs typeface="+mn-cs"/>
-            </a:endParaRPr>
-          </a:p>
-          <a:p>
-            <a:r>
-              <a:rPr lang="en-US" sz="1200" kern="1200" dirty="0" smtClean="0">
-                <a:solidFill>
-                  <a:schemeClr val="tx1"/>
-                </a:solidFill>
-                <a:effectLst/>
-                <a:latin typeface="+mn-lt"/>
-                <a:ea typeface="+mn-ea"/>
-                <a:cs typeface="+mn-cs"/>
-              </a:rPr>
-              <a:t> </a:t>
-            </a:r>
-          </a:p>
-          <a:p>
-            <a:r>
-              <a:rPr lang="en-US" sz="1200" kern="1200" dirty="0" smtClean="0">
-                <a:solidFill>
-                  <a:schemeClr val="tx1"/>
-                </a:solidFill>
-                <a:effectLst/>
-                <a:latin typeface="+mn-lt"/>
-                <a:ea typeface="+mn-ea"/>
-                <a:cs typeface="+mn-cs"/>
-              </a:rPr>
-              <a:t>Azure:</a:t>
-            </a:r>
-          </a:p>
-          <a:p>
-            <a:r>
-              <a:rPr lang="en-US" sz="1200" kern="1200" dirty="0" err="1" smtClean="0">
-                <a:solidFill>
-                  <a:schemeClr val="tx1"/>
-                </a:solidFill>
-                <a:effectLst/>
-                <a:latin typeface="+mn-lt"/>
-                <a:ea typeface="+mn-ea"/>
-                <a:cs typeface="+mn-cs"/>
-              </a:rPr>
-              <a:t>Stel</a:t>
-            </a:r>
-            <a:r>
-              <a:rPr lang="en-US" sz="1200" kern="1200" dirty="0" smtClean="0">
-                <a:solidFill>
-                  <a:schemeClr val="tx1"/>
-                </a:solidFill>
-                <a:effectLst/>
-                <a:latin typeface="+mn-lt"/>
-                <a:ea typeface="+mn-ea"/>
-                <a:cs typeface="+mn-cs"/>
-              </a:rPr>
-              <a:t> vast dockerhost01 </a:t>
-            </a:r>
-            <a:r>
-              <a:rPr lang="en-US" sz="1200" kern="1200" dirty="0" err="1" smtClean="0">
-                <a:solidFill>
-                  <a:schemeClr val="tx1"/>
-                </a:solidFill>
-                <a:effectLst/>
-                <a:latin typeface="+mn-lt"/>
-                <a:ea typeface="+mn-ea"/>
-                <a:cs typeface="+mn-cs"/>
-              </a:rPr>
-              <a:t>draait</a:t>
-            </a:r>
-            <a:r>
-              <a:rPr lang="en-US" sz="1200" kern="1200" dirty="0" smtClean="0">
-                <a:solidFill>
-                  <a:schemeClr val="tx1"/>
-                </a:solidFill>
-                <a:effectLst/>
-                <a:latin typeface="+mn-lt"/>
-                <a:ea typeface="+mn-ea"/>
-                <a:cs typeface="+mn-cs"/>
-              </a:rPr>
-              <a:t> </a:t>
-            </a:r>
-          </a:p>
-          <a:p>
-            <a:r>
-              <a:rPr lang="en-US" sz="1200" kern="1200" dirty="0" smtClean="0">
-                <a:solidFill>
-                  <a:schemeClr val="tx1"/>
-                </a:solidFill>
-                <a:effectLst/>
-                <a:latin typeface="+mn-lt"/>
-                <a:ea typeface="+mn-ea"/>
-                <a:cs typeface="+mn-cs"/>
-              </a:rPr>
-              <a:t> </a:t>
-            </a:r>
-          </a:p>
-          <a:p>
-            <a:r>
-              <a:rPr lang="en-US" sz="1200" kern="1200" dirty="0" smtClean="0">
-                <a:solidFill>
-                  <a:schemeClr val="tx1"/>
-                </a:solidFill>
-                <a:effectLst/>
-                <a:latin typeface="+mn-lt"/>
-                <a:ea typeface="+mn-ea"/>
-                <a:cs typeface="+mn-cs"/>
-              </a:rPr>
-              <a:t>PUTTY</a:t>
-            </a:r>
-          </a:p>
-          <a:p>
-            <a:r>
-              <a:rPr lang="en-US" sz="1200" kern="1200" dirty="0" smtClean="0">
-                <a:solidFill>
-                  <a:schemeClr val="tx1"/>
-                </a:solidFill>
-                <a:effectLst/>
-                <a:latin typeface="+mn-lt"/>
-                <a:ea typeface="+mn-ea"/>
-                <a:cs typeface="+mn-cs"/>
-              </a:rPr>
-              <a:t>dockerhost01.westeurope.cloudapp.azure.com:22</a:t>
-            </a:r>
-          </a:p>
-          <a:p>
-            <a:r>
-              <a:rPr lang="en-US" sz="1200" kern="1200" dirty="0" smtClean="0">
-                <a:solidFill>
-                  <a:schemeClr val="tx1"/>
-                </a:solidFill>
-                <a:effectLst/>
-                <a:latin typeface="+mn-lt"/>
-                <a:ea typeface="+mn-ea"/>
-                <a:cs typeface="+mn-cs"/>
-              </a:rPr>
-              <a:t>Log in</a:t>
-            </a:r>
-          </a:p>
-          <a:p>
-            <a:r>
-              <a:rPr lang="en-US" sz="1200" kern="1200" dirty="0" smtClean="0">
-                <a:solidFill>
-                  <a:schemeClr val="tx1"/>
-                </a:solidFill>
-                <a:effectLst/>
-                <a:latin typeface="+mn-lt"/>
-                <a:ea typeface="+mn-ea"/>
-                <a:cs typeface="+mn-cs"/>
-              </a:rPr>
-              <a:t>Commando's met </a:t>
-            </a:r>
-            <a:r>
-              <a:rPr lang="en-US" sz="1200" kern="1200" dirty="0" err="1" smtClean="0">
-                <a:solidFill>
-                  <a:schemeClr val="tx1"/>
-                </a:solidFill>
-                <a:effectLst/>
-                <a:latin typeface="+mn-lt"/>
-                <a:ea typeface="+mn-ea"/>
-                <a:cs typeface="+mn-cs"/>
-              </a:rPr>
-              <a:t>sudo</a:t>
-            </a:r>
-            <a:endParaRPr lang="en-US" sz="1200" kern="1200" dirty="0" smtClean="0">
-              <a:solidFill>
-                <a:schemeClr val="tx1"/>
-              </a:solidFill>
-              <a:effectLst/>
-              <a:latin typeface="+mn-lt"/>
-              <a:ea typeface="+mn-ea"/>
-              <a:cs typeface="+mn-cs"/>
-            </a:endParaRPr>
-          </a:p>
-          <a:p>
-            <a:endParaRPr lang="en-US" sz="1200" kern="1200" dirty="0" smtClean="0">
-              <a:solidFill>
-                <a:schemeClr val="tx1"/>
-              </a:solidFill>
-              <a:effectLst/>
-              <a:latin typeface="+mn-lt"/>
-              <a:ea typeface="+mn-ea"/>
-              <a:cs typeface="+mn-cs"/>
-            </a:endParaRPr>
-          </a:p>
-          <a:p>
-            <a:r>
-              <a:rPr lang="en-US" sz="1200" kern="1200" dirty="0" smtClean="0">
-                <a:solidFill>
-                  <a:schemeClr val="tx1"/>
-                </a:solidFill>
-                <a:effectLst/>
-                <a:latin typeface="+mn-lt"/>
-                <a:ea typeface="+mn-ea"/>
-                <a:cs typeface="+mn-cs"/>
-              </a:rPr>
-              <a:t>Doe het </a:t>
-            </a:r>
-            <a:r>
-              <a:rPr lang="en-US" sz="1200" kern="1200" dirty="0" err="1" smtClean="0">
-                <a:solidFill>
-                  <a:schemeClr val="tx1"/>
-                </a:solidFill>
-                <a:effectLst/>
-                <a:latin typeface="+mn-lt"/>
-                <a:ea typeface="+mn-ea"/>
-                <a:cs typeface="+mn-cs"/>
-              </a:rPr>
-              <a:t>volgende</a:t>
-            </a:r>
-            <a:endParaRPr lang="en-US" sz="1200" kern="1200" dirty="0" smtClean="0">
-              <a:solidFill>
-                <a:schemeClr val="tx1"/>
-              </a:solidFill>
-              <a:effectLst/>
-              <a:latin typeface="+mn-lt"/>
-              <a:ea typeface="+mn-ea"/>
-              <a:cs typeface="+mn-cs"/>
-            </a:endParaRPr>
-          </a:p>
-          <a:p>
-            <a:endParaRPr lang="en-US" sz="1200" kern="1200" dirty="0" smtClean="0">
-              <a:solidFill>
-                <a:schemeClr val="tx1"/>
-              </a:solidFill>
-              <a:effectLst/>
-              <a:latin typeface="+mn-lt"/>
-              <a:ea typeface="+mn-ea"/>
-              <a:cs typeface="+mn-cs"/>
-            </a:endParaRPr>
-          </a:p>
-          <a:p>
-            <a:r>
-              <a:rPr lang="en-US" dirty="0" err="1" smtClean="0"/>
-              <a:t>sudo</a:t>
-            </a:r>
-            <a:r>
-              <a:rPr lang="en-US" baseline="0" dirty="0" smtClean="0"/>
-              <a:t> </a:t>
-            </a:r>
-            <a:r>
-              <a:rPr lang="en-US" baseline="0" dirty="0" err="1" smtClean="0"/>
-              <a:t>docker</a:t>
-            </a:r>
-            <a:r>
-              <a:rPr lang="en-US" baseline="0" dirty="0" smtClean="0"/>
-              <a:t> version</a:t>
-            </a:r>
-          </a:p>
-          <a:p>
-            <a:r>
-              <a:rPr lang="en-US" baseline="0" dirty="0" err="1" smtClean="0"/>
-              <a:t>sudo</a:t>
-            </a:r>
-            <a:r>
-              <a:rPr lang="en-US" baseline="0" dirty="0" smtClean="0"/>
-              <a:t> </a:t>
-            </a:r>
-            <a:r>
-              <a:rPr lang="en-US" baseline="0" dirty="0" err="1" smtClean="0"/>
-              <a:t>docker</a:t>
-            </a:r>
-            <a:r>
-              <a:rPr lang="en-US" baseline="0" dirty="0" smtClean="0"/>
-              <a:t> container ls</a:t>
-            </a:r>
-          </a:p>
-          <a:p>
-            <a:endParaRPr lang="en-US" baseline="0" dirty="0" smtClean="0"/>
-          </a:p>
-          <a:p>
-            <a:endParaRPr lang="en-US" baseline="0" dirty="0" smtClean="0"/>
-          </a:p>
-          <a:p>
-            <a:endParaRPr lang="en-US" baseline="0" dirty="0" smtClean="0"/>
-          </a:p>
-          <a:p>
-            <a:endParaRPr lang="en-US" baseline="0" dirty="0" smtClean="0"/>
-          </a:p>
-          <a:p>
-            <a:pPr marL="0" marR="0" lvl="0" indent="0" algn="l" defTabSz="914400" rtl="0" eaLnBrk="1" fontAlgn="auto" latinLnBrk="0" hangingPunct="1">
-              <a:lnSpc>
-                <a:spcPct val="100000"/>
-              </a:lnSpc>
-              <a:spcBef>
-                <a:spcPts val="0"/>
-              </a:spcBef>
-              <a:spcAft>
-                <a:spcPts val="0"/>
-              </a:spcAft>
-              <a:buClrTx/>
-              <a:buSzTx/>
-              <a:buFontTx/>
-              <a:buNone/>
-              <a:tabLst/>
-              <a:defRPr/>
-            </a:pPr>
-            <a:r>
-              <a:rPr lang="en-US" sz="1200" kern="1200" dirty="0" smtClean="0">
-                <a:solidFill>
-                  <a:schemeClr val="tx1"/>
-                </a:solidFill>
-                <a:effectLst/>
-                <a:latin typeface="+mn-lt"/>
-                <a:ea typeface="+mn-ea"/>
-                <a:cs typeface="+mn-cs"/>
-              </a:rPr>
-              <a:t>http://dockerhost01.westeurope.cloudapp.azure.com:8901</a:t>
-            </a:r>
-            <a:r>
-              <a:rPr lang="en-US" sz="1200" kern="1200" baseline="0" dirty="0" smtClean="0">
-                <a:solidFill>
-                  <a:schemeClr val="tx1"/>
-                </a:solidFill>
-                <a:effectLst/>
-                <a:latin typeface="+mn-lt"/>
-                <a:ea typeface="+mn-ea"/>
-                <a:cs typeface="+mn-cs"/>
-              </a:rPr>
-              <a:t> </a:t>
-            </a:r>
-          </a:p>
-          <a:p>
-            <a:pPr marL="0" marR="0" lvl="0" indent="0" algn="l" defTabSz="914400" rtl="0" eaLnBrk="1" fontAlgn="auto" latinLnBrk="0" hangingPunct="1">
-              <a:lnSpc>
-                <a:spcPct val="100000"/>
-              </a:lnSpc>
-              <a:spcBef>
-                <a:spcPts val="0"/>
-              </a:spcBef>
-              <a:spcAft>
-                <a:spcPts val="0"/>
-              </a:spcAft>
-              <a:buClrTx/>
-              <a:buSzTx/>
-              <a:buFontTx/>
-              <a:buNone/>
-              <a:tabLst/>
-              <a:defRPr/>
-            </a:pPr>
-            <a:endParaRPr lang="en-US" sz="1200" kern="1200" dirty="0" smtClean="0">
-              <a:solidFill>
-                <a:schemeClr val="tx1"/>
-              </a:solidFill>
-              <a:effectLst/>
-              <a:latin typeface="+mn-lt"/>
-              <a:ea typeface="+mn-ea"/>
-              <a:cs typeface="+mn-cs"/>
-            </a:endParaRPr>
-          </a:p>
-          <a:p>
-            <a:endParaRPr lang="en-US" baseline="0" dirty="0" smtClean="0"/>
-          </a:p>
-          <a:p>
-            <a:r>
-              <a:rPr lang="en-US" baseline="0" dirty="0" smtClean="0"/>
-              <a:t> </a:t>
-            </a:r>
-            <a:endParaRPr lang="en-US" dirty="0" smtClean="0"/>
-          </a:p>
-          <a:p>
-            <a:r>
-              <a:rPr lang="en-US" dirty="0" err="1" smtClean="0"/>
-              <a:t>sudo</a:t>
-            </a:r>
-            <a:r>
-              <a:rPr lang="en-US" dirty="0" smtClean="0"/>
-              <a:t> Docker</a:t>
-            </a:r>
-            <a:r>
-              <a:rPr lang="en-US" baseline="0" dirty="0" smtClean="0"/>
-              <a:t> container run </a:t>
-            </a:r>
-            <a:r>
-              <a:rPr lang="en-US" baseline="0" dirty="0" err="1" smtClean="0"/>
-              <a:t>staticws</a:t>
-            </a:r>
-            <a:r>
-              <a:rPr lang="en-US" baseline="0" dirty="0" smtClean="0"/>
-              <a:t> </a:t>
-            </a:r>
             <a:endParaRPr lang="nl-NL" dirty="0"/>
           </a:p>
         </p:txBody>
@@ -4017,7 +3476,7 @@
           <a:p>
             <a:fld id="{2DB1139D-5AC7-4B0B-A715-E40E0591EF82}" type="slidenum">
               <a:rPr lang="nl-NL" smtClean="0"/>
-              <a:t>63</a:t>
+              <a:t>54</a:t>
             </a:fld>
             <a:endParaRPr lang="nl-NL"/>
           </a:p>
@@ -4026,7 +3485,7 @@
     </p:spTree>
     <p:extLst>
       <p:ext uri="{BB962C8B-B14F-4D97-AF65-F5344CB8AC3E}">
-        <p14:creationId xmlns:p14="http://schemas.microsoft.com/office/powerpoint/2010/main" val="2452186939"/>
+        <p14:creationId xmlns:p14="http://schemas.microsoft.com/office/powerpoint/2010/main" val="3877135641"/>
       </p:ext>
     </p:extLst>
   </p:cSld>
@@ -4217,12 +3676,7 @@
             <p:ph type="sldImg"/>
           </p:nvPr>
         </p:nvSpPr>
-        <p:spPr>
-          <a:xfrm>
-            <a:off x="1143000" y="685800"/>
-            <a:ext cx="4572000" cy="3429000"/>
-          </a:xfrm>
-        </p:spPr>
+        <p:spPr/>
       </p:sp>
       <p:sp>
         <p:nvSpPr>
@@ -4240,41 +3694,516 @@
           <a:lstStyle/>
           <a:p>
             <a:r>
-              <a:rPr lang="nl-NL" dirty="0" err="1" smtClean="0"/>
+              <a:rPr lang="en-US" sz="1200" kern="1200" dirty="0" smtClean="0">
+                <a:solidFill>
+                  <a:schemeClr val="tx1"/>
+                </a:solidFill>
+                <a:effectLst/>
+                <a:latin typeface="+mn-lt"/>
+                <a:ea typeface="+mn-ea"/>
+                <a:cs typeface="+mn-cs"/>
+              </a:rPr>
+              <a:t>Azure </a:t>
+            </a:r>
+          </a:p>
+          <a:p>
+            <a:r>
+              <a:rPr lang="en-US" sz="1200" kern="1200" dirty="0" smtClean="0">
+                <a:solidFill>
+                  <a:schemeClr val="tx1"/>
+                </a:solidFill>
+                <a:effectLst/>
+                <a:latin typeface="+mn-lt"/>
+                <a:ea typeface="+mn-ea"/>
+                <a:cs typeface="+mn-cs"/>
+              </a:rPr>
+              <a:t>Dockerhost01</a:t>
+            </a:r>
+          </a:p>
+          <a:p>
+            <a:r>
+              <a:rPr lang="en-US" sz="1200" kern="1200" dirty="0" smtClean="0">
+                <a:solidFill>
+                  <a:schemeClr val="tx1"/>
+                </a:solidFill>
+                <a:effectLst/>
+                <a:latin typeface="+mn-lt"/>
+                <a:ea typeface="+mn-ea"/>
+                <a:cs typeface="+mn-cs"/>
+              </a:rPr>
+              <a:t>Centric / Centric2017!</a:t>
+            </a:r>
+          </a:p>
+          <a:p>
+            <a:r>
+              <a:rPr lang="en-US" sz="1200" kern="1200" dirty="0" smtClean="0">
+                <a:solidFill>
+                  <a:schemeClr val="tx1"/>
+                </a:solidFill>
+                <a:effectLst/>
+                <a:latin typeface="+mn-lt"/>
+                <a:ea typeface="+mn-ea"/>
+                <a:cs typeface="+mn-cs"/>
+                <a:hlinkClick r:id="rId3"/>
+              </a:rPr>
+              <a:t>http://dockerhost01.westeurope.cloudapp.azure.com</a:t>
+            </a:r>
+            <a:endParaRPr lang="en-US" sz="1200" kern="1200" dirty="0" smtClean="0">
+              <a:solidFill>
+                <a:schemeClr val="tx1"/>
+              </a:solidFill>
+              <a:effectLst/>
+              <a:latin typeface="+mn-lt"/>
+              <a:ea typeface="+mn-ea"/>
+              <a:cs typeface="+mn-cs"/>
+            </a:endParaRPr>
+          </a:p>
+          <a:p>
+            <a:r>
+              <a:rPr lang="en-US" sz="1200" kern="1200" dirty="0" err="1" smtClean="0">
+                <a:solidFill>
+                  <a:schemeClr val="tx1"/>
+                </a:solidFill>
+                <a:effectLst/>
+                <a:latin typeface="+mn-lt"/>
+                <a:ea typeface="+mn-ea"/>
+                <a:cs typeface="+mn-cs"/>
+              </a:rPr>
+              <a:t>Poort</a:t>
+            </a:r>
+            <a:r>
+              <a:rPr lang="en-US" sz="1200" kern="1200" dirty="0" smtClean="0">
+                <a:solidFill>
+                  <a:schemeClr val="tx1"/>
+                </a:solidFill>
+                <a:effectLst/>
+                <a:latin typeface="+mn-lt"/>
+                <a:ea typeface="+mn-ea"/>
+                <a:cs typeface="+mn-cs"/>
+              </a:rPr>
+              <a:t> 8900 t/m 9000 open </a:t>
+            </a:r>
+            <a:r>
+              <a:rPr lang="en-US" sz="1200" kern="1200" dirty="0" err="1" smtClean="0">
+                <a:solidFill>
+                  <a:schemeClr val="tx1"/>
+                </a:solidFill>
+                <a:effectLst/>
+                <a:latin typeface="+mn-lt"/>
+                <a:ea typeface="+mn-ea"/>
+                <a:cs typeface="+mn-cs"/>
+              </a:rPr>
+              <a:t>voor</a:t>
+            </a:r>
+            <a:r>
+              <a:rPr lang="en-US" sz="1200" kern="1200" dirty="0" smtClean="0">
+                <a:solidFill>
+                  <a:schemeClr val="tx1"/>
+                </a:solidFill>
+                <a:effectLst/>
+                <a:latin typeface="+mn-lt"/>
+                <a:ea typeface="+mn-ea"/>
+                <a:cs typeface="+mn-cs"/>
+              </a:rPr>
+              <a:t> </a:t>
+            </a:r>
+            <a:r>
+              <a:rPr lang="en-US" sz="1200" kern="1200" dirty="0" err="1" smtClean="0">
+                <a:solidFill>
+                  <a:schemeClr val="tx1"/>
+                </a:solidFill>
+                <a:effectLst/>
+                <a:latin typeface="+mn-lt"/>
+                <a:ea typeface="+mn-ea"/>
+                <a:cs typeface="+mn-cs"/>
+              </a:rPr>
+              <a:t>tcp</a:t>
+            </a:r>
+            <a:endParaRPr lang="en-US" sz="1200" kern="1200" dirty="0" smtClean="0">
+              <a:solidFill>
+                <a:schemeClr val="tx1"/>
+              </a:solidFill>
+              <a:effectLst/>
+              <a:latin typeface="+mn-lt"/>
+              <a:ea typeface="+mn-ea"/>
+              <a:cs typeface="+mn-cs"/>
+            </a:endParaRPr>
+          </a:p>
+          <a:p>
+            <a:r>
+              <a:rPr lang="en-US" sz="1200" kern="1200" dirty="0" smtClean="0">
+                <a:solidFill>
+                  <a:schemeClr val="tx1"/>
+                </a:solidFill>
+                <a:effectLst/>
+                <a:latin typeface="+mn-lt"/>
+                <a:ea typeface="+mn-ea"/>
+                <a:cs typeface="+mn-cs"/>
+              </a:rPr>
+              <a:t> </a:t>
+            </a:r>
+          </a:p>
+          <a:p>
+            <a:r>
+              <a:rPr lang="en-US" sz="1200" kern="1200" dirty="0" smtClean="0">
+                <a:solidFill>
+                  <a:schemeClr val="tx1"/>
+                </a:solidFill>
+                <a:effectLst/>
+                <a:latin typeface="+mn-lt"/>
+                <a:ea typeface="+mn-ea"/>
+                <a:cs typeface="+mn-cs"/>
+              </a:rPr>
+              <a:t>Azure:</a:t>
+            </a:r>
+          </a:p>
+          <a:p>
+            <a:r>
+              <a:rPr lang="en-US" sz="1200" kern="1200" dirty="0" err="1" smtClean="0">
+                <a:solidFill>
+                  <a:schemeClr val="tx1"/>
+                </a:solidFill>
+                <a:effectLst/>
+                <a:latin typeface="+mn-lt"/>
+                <a:ea typeface="+mn-ea"/>
+                <a:cs typeface="+mn-cs"/>
+              </a:rPr>
+              <a:t>Stel</a:t>
+            </a:r>
+            <a:r>
+              <a:rPr lang="en-US" sz="1200" kern="1200" dirty="0" smtClean="0">
+                <a:solidFill>
+                  <a:schemeClr val="tx1"/>
+                </a:solidFill>
+                <a:effectLst/>
+                <a:latin typeface="+mn-lt"/>
+                <a:ea typeface="+mn-ea"/>
+                <a:cs typeface="+mn-cs"/>
+              </a:rPr>
+              <a:t> vast dockerhost01 </a:t>
+            </a:r>
+            <a:r>
+              <a:rPr lang="en-US" sz="1200" kern="1200" dirty="0" err="1" smtClean="0">
+                <a:solidFill>
+                  <a:schemeClr val="tx1"/>
+                </a:solidFill>
+                <a:effectLst/>
+                <a:latin typeface="+mn-lt"/>
+                <a:ea typeface="+mn-ea"/>
+                <a:cs typeface="+mn-cs"/>
+              </a:rPr>
+              <a:t>draait</a:t>
+            </a:r>
+            <a:r>
+              <a:rPr lang="en-US" sz="1200" kern="1200" dirty="0" smtClean="0">
+                <a:solidFill>
+                  <a:schemeClr val="tx1"/>
+                </a:solidFill>
+                <a:effectLst/>
+                <a:latin typeface="+mn-lt"/>
+                <a:ea typeface="+mn-ea"/>
+                <a:cs typeface="+mn-cs"/>
+              </a:rPr>
+              <a:t> </a:t>
+            </a:r>
+          </a:p>
+          <a:p>
+            <a:r>
+              <a:rPr lang="en-US" sz="1200" kern="1200" dirty="0" smtClean="0">
+                <a:solidFill>
+                  <a:schemeClr val="tx1"/>
+                </a:solidFill>
+                <a:effectLst/>
+                <a:latin typeface="+mn-lt"/>
+                <a:ea typeface="+mn-ea"/>
+                <a:cs typeface="+mn-cs"/>
+              </a:rPr>
+              <a:t> </a:t>
+            </a:r>
+          </a:p>
+          <a:p>
+            <a:r>
+              <a:rPr lang="en-US" sz="1200" kern="1200" dirty="0" smtClean="0">
+                <a:solidFill>
+                  <a:schemeClr val="tx1"/>
+                </a:solidFill>
+                <a:effectLst/>
+                <a:latin typeface="+mn-lt"/>
+                <a:ea typeface="+mn-ea"/>
+                <a:cs typeface="+mn-cs"/>
+              </a:rPr>
+              <a:t>PUTTY</a:t>
+            </a:r>
+          </a:p>
+          <a:p>
+            <a:r>
+              <a:rPr lang="en-US" sz="1200" kern="1200" dirty="0" smtClean="0">
+                <a:solidFill>
+                  <a:schemeClr val="tx1"/>
+                </a:solidFill>
+                <a:effectLst/>
+                <a:latin typeface="+mn-lt"/>
+                <a:ea typeface="+mn-ea"/>
+                <a:cs typeface="+mn-cs"/>
+              </a:rPr>
+              <a:t>dockerhost01.westeurope.cloudapp.azure.com:22</a:t>
+            </a:r>
+          </a:p>
+          <a:p>
+            <a:r>
+              <a:rPr lang="en-US" sz="1200" kern="1200" dirty="0" smtClean="0">
+                <a:solidFill>
+                  <a:schemeClr val="tx1"/>
+                </a:solidFill>
+                <a:effectLst/>
+                <a:latin typeface="+mn-lt"/>
+                <a:ea typeface="+mn-ea"/>
+                <a:cs typeface="+mn-cs"/>
+              </a:rPr>
+              <a:t>Log in</a:t>
+            </a:r>
+          </a:p>
+          <a:p>
+            <a:r>
+              <a:rPr lang="en-US" sz="1200" kern="1200" dirty="0" smtClean="0">
+                <a:solidFill>
+                  <a:schemeClr val="tx1"/>
+                </a:solidFill>
+                <a:effectLst/>
+                <a:latin typeface="+mn-lt"/>
+                <a:ea typeface="+mn-ea"/>
+                <a:cs typeface="+mn-cs"/>
+              </a:rPr>
+              <a:t>Commando's met </a:t>
+            </a:r>
+            <a:r>
+              <a:rPr lang="en-US" sz="1200" kern="1200" dirty="0" err="1" smtClean="0">
+                <a:solidFill>
+                  <a:schemeClr val="tx1"/>
+                </a:solidFill>
+                <a:effectLst/>
+                <a:latin typeface="+mn-lt"/>
+                <a:ea typeface="+mn-ea"/>
+                <a:cs typeface="+mn-cs"/>
+              </a:rPr>
+              <a:t>sudo</a:t>
+            </a:r>
+            <a:endParaRPr lang="en-US" sz="1200" kern="1200" dirty="0" smtClean="0">
+              <a:solidFill>
+                <a:schemeClr val="tx1"/>
+              </a:solidFill>
+              <a:effectLst/>
+              <a:latin typeface="+mn-lt"/>
+              <a:ea typeface="+mn-ea"/>
+              <a:cs typeface="+mn-cs"/>
+            </a:endParaRPr>
+          </a:p>
+          <a:p>
+            <a:endParaRPr lang="en-US" sz="1200" kern="1200" dirty="0" smtClean="0">
+              <a:solidFill>
+                <a:schemeClr val="tx1"/>
+              </a:solidFill>
+              <a:effectLst/>
+              <a:latin typeface="+mn-lt"/>
+              <a:ea typeface="+mn-ea"/>
+              <a:cs typeface="+mn-cs"/>
+            </a:endParaRPr>
+          </a:p>
+          <a:p>
+            <a:r>
+              <a:rPr lang="en-US" sz="1200" kern="1200" dirty="0" smtClean="0">
+                <a:solidFill>
+                  <a:schemeClr val="tx1"/>
+                </a:solidFill>
+                <a:effectLst/>
+                <a:latin typeface="+mn-lt"/>
+                <a:ea typeface="+mn-ea"/>
+                <a:cs typeface="+mn-cs"/>
+              </a:rPr>
+              <a:t>Doe het </a:t>
+            </a:r>
+            <a:r>
+              <a:rPr lang="en-US" sz="1200" kern="1200" dirty="0" err="1" smtClean="0">
+                <a:solidFill>
+                  <a:schemeClr val="tx1"/>
+                </a:solidFill>
+                <a:effectLst/>
+                <a:latin typeface="+mn-lt"/>
+                <a:ea typeface="+mn-ea"/>
+                <a:cs typeface="+mn-cs"/>
+              </a:rPr>
+              <a:t>volgende</a:t>
+            </a:r>
+            <a:endParaRPr lang="en-US" sz="1200" kern="1200" dirty="0" smtClean="0">
+              <a:solidFill>
+                <a:schemeClr val="tx1"/>
+              </a:solidFill>
+              <a:effectLst/>
+              <a:latin typeface="+mn-lt"/>
+              <a:ea typeface="+mn-ea"/>
+              <a:cs typeface="+mn-cs"/>
+            </a:endParaRPr>
+          </a:p>
+          <a:p>
+            <a:endParaRPr lang="en-US" sz="1200" kern="1200" dirty="0" smtClean="0">
+              <a:solidFill>
+                <a:schemeClr val="tx1"/>
+              </a:solidFill>
+              <a:effectLst/>
+              <a:latin typeface="+mn-lt"/>
+              <a:ea typeface="+mn-ea"/>
+              <a:cs typeface="+mn-cs"/>
+            </a:endParaRPr>
+          </a:p>
+          <a:p>
+            <a:r>
+              <a:rPr lang="en-US" dirty="0" err="1" smtClean="0"/>
+              <a:t>sudo</a:t>
+            </a:r>
+            <a:r>
+              <a:rPr lang="en-US" baseline="0" dirty="0" smtClean="0"/>
+              <a:t> </a:t>
+            </a:r>
+            <a:r>
+              <a:rPr lang="en-US" baseline="0" dirty="0" err="1" smtClean="0"/>
               <a:t>docker</a:t>
             </a:r>
             <a:r>
-              <a:rPr lang="nl-NL" dirty="0" smtClean="0"/>
-              <a:t> system info</a:t>
-            </a:r>
+              <a:rPr lang="en-US" baseline="0" dirty="0" smtClean="0"/>
+              <a:t> version</a:t>
+            </a:r>
+          </a:p>
+          <a:p>
+            <a:r>
+              <a:rPr lang="en-US" baseline="0" dirty="0" err="1" smtClean="0"/>
+              <a:t>sudo</a:t>
+            </a:r>
+            <a:r>
+              <a:rPr lang="en-US" baseline="0" dirty="0" smtClean="0"/>
+              <a:t> </a:t>
+            </a:r>
+            <a:r>
+              <a:rPr lang="en-US" baseline="0" dirty="0" err="1" smtClean="0"/>
+              <a:t>docker</a:t>
+            </a:r>
+            <a:r>
+              <a:rPr lang="en-US" baseline="0" dirty="0" smtClean="0"/>
+              <a:t> container ls</a:t>
+            </a:r>
+          </a:p>
+          <a:p>
+            <a:endParaRPr lang="en-US" baseline="0" dirty="0" smtClean="0"/>
+          </a:p>
+          <a:p>
+            <a:endParaRPr lang="en-US" baseline="0" dirty="0" smtClean="0"/>
+          </a:p>
+          <a:p>
+            <a:endParaRPr lang="en-US" baseline="0" dirty="0" smtClean="0"/>
+          </a:p>
+          <a:p>
+            <a:endParaRPr lang="en-US" baseline="0" dirty="0" smtClean="0"/>
+          </a:p>
+          <a:p>
+            <a:pPr marL="0" marR="0" lvl="0" indent="0" algn="l" defTabSz="914400" rtl="0" eaLnBrk="1" fontAlgn="auto" latinLnBrk="0" hangingPunct="1">
+              <a:lnSpc>
+                <a:spcPct val="100000"/>
+              </a:lnSpc>
+              <a:spcBef>
+                <a:spcPts val="0"/>
+              </a:spcBef>
+              <a:spcAft>
+                <a:spcPts val="0"/>
+              </a:spcAft>
+              <a:buClrTx/>
+              <a:buSzTx/>
+              <a:buFontTx/>
+              <a:buNone/>
+              <a:tabLst/>
+              <a:defRPr/>
+            </a:pPr>
+            <a:r>
+              <a:rPr lang="en-US" sz="1200" kern="1200" dirty="0" smtClean="0">
+                <a:solidFill>
+                  <a:schemeClr val="tx1"/>
+                </a:solidFill>
+                <a:effectLst/>
+                <a:latin typeface="+mn-lt"/>
+                <a:ea typeface="+mn-ea"/>
+                <a:cs typeface="+mn-cs"/>
+              </a:rPr>
+              <a:t>http://dockerhost01.westeurope.cloudapp.azure.com:8901</a:t>
+            </a:r>
+            <a:r>
+              <a:rPr lang="en-US" sz="1200" kern="1200" baseline="0" dirty="0" smtClean="0">
+                <a:solidFill>
+                  <a:schemeClr val="tx1"/>
+                </a:solidFill>
+                <a:effectLst/>
+                <a:latin typeface="+mn-lt"/>
+                <a:ea typeface="+mn-ea"/>
+                <a:cs typeface="+mn-cs"/>
+              </a:rPr>
+              <a:t> </a:t>
+            </a:r>
+          </a:p>
+          <a:p>
+            <a:pPr marL="0" marR="0" lvl="0" indent="0" algn="l" defTabSz="914400" rtl="0" eaLnBrk="1" fontAlgn="auto" latinLnBrk="0" hangingPunct="1">
+              <a:lnSpc>
+                <a:spcPct val="100000"/>
+              </a:lnSpc>
+              <a:spcBef>
+                <a:spcPts val="0"/>
+              </a:spcBef>
+              <a:spcAft>
+                <a:spcPts val="0"/>
+              </a:spcAft>
+              <a:buClrTx/>
+              <a:buSzTx/>
+              <a:buFontTx/>
+              <a:buNone/>
+              <a:tabLst/>
+              <a:defRPr/>
+            </a:pPr>
+            <a:endParaRPr lang="en-US" sz="1200" kern="1200" dirty="0" smtClean="0">
+              <a:solidFill>
+                <a:schemeClr val="tx1"/>
+              </a:solidFill>
+              <a:effectLst/>
+              <a:latin typeface="+mn-lt"/>
+              <a:ea typeface="+mn-ea"/>
+              <a:cs typeface="+mn-cs"/>
+            </a:endParaRPr>
+          </a:p>
+          <a:p>
+            <a:endParaRPr lang="en-US" baseline="0" dirty="0" smtClean="0"/>
+          </a:p>
+          <a:p>
+            <a:r>
+              <a:rPr lang="en-US" baseline="0" dirty="0" smtClean="0"/>
+              <a:t> </a:t>
+            </a:r>
+            <a:endParaRPr lang="en-US" dirty="0" smtClean="0"/>
           </a:p>
           <a:p>
             <a:r>
               <a:rPr lang="en-US" dirty="0" err="1" smtClean="0"/>
-              <a:t>docker</a:t>
-            </a:r>
-            <a:r>
-              <a:rPr lang="en-US" dirty="0" smtClean="0"/>
-              <a:t> info</a:t>
-            </a:r>
-          </a:p>
-          <a:p>
-            <a:endParaRPr lang="en-US" dirty="0" smtClean="0"/>
-          </a:p>
-          <a:p>
-            <a:r>
-              <a:rPr lang="en-US" dirty="0" err="1" smtClean="0"/>
-              <a:t>docker</a:t>
-            </a:r>
-            <a:r>
-              <a:rPr lang="en-US" dirty="0" smtClean="0"/>
-              <a:t> info</a:t>
-            </a:r>
-          </a:p>
-          <a:p>
-            <a:r>
-              <a:rPr lang="en-US" dirty="0" smtClean="0"/>
-              <a:t>Command Line Interface</a:t>
+              <a:t>sudo</a:t>
+            </a:r>
+            <a:r>
+              <a:rPr lang="en-US" dirty="0" smtClean="0"/>
+              <a:t> Docker</a:t>
+            </a:r>
+            <a:r>
+              <a:rPr lang="en-US" baseline="0" dirty="0" smtClean="0"/>
+              <a:t> container run </a:t>
+            </a:r>
+            <a:r>
+              <a:rPr lang="en-US" baseline="0" dirty="0" err="1" smtClean="0"/>
+              <a:t>staticws</a:t>
+            </a:r>
+            <a:r>
+              <a:rPr lang="en-US" baseline="0" dirty="0" smtClean="0"/>
+              <a:t> </a:t>
             </a:r>
             <a:endParaRPr lang="nl-NL" dirty="0"/>
           </a:p>
@@ -4297,7 +4226,7 @@
           <a:p>
             <a:fld id="{2DB1139D-5AC7-4B0B-A715-E40E0591EF82}" type="slidenum">
               <a:rPr lang="nl-NL" smtClean="0"/>
-              <a:t>64</a:t>
+              <a:t>63</a:t>
             </a:fld>
             <a:endParaRPr lang="nl-NL"/>
           </a:p>
@@ -4306,7 +4235,7 @@
     </p:spTree>
     <p:extLst>
       <p:ext uri="{BB962C8B-B14F-4D97-AF65-F5344CB8AC3E}">
-        <p14:creationId xmlns:p14="http://schemas.microsoft.com/office/powerpoint/2010/main" val="2280226084"/>
+        <p14:creationId xmlns:p14="http://schemas.microsoft.com/office/powerpoint/2010/main" val="2452186939"/>
       </p:ext>
     </p:extLst>
   </p:cSld>
@@ -4423,7 +4352,7 @@
           <a:p>
             <a:fld id="{2DB1139D-5AC7-4B0B-A715-E40E0591EF82}" type="slidenum">
               <a:rPr lang="nl-NL" smtClean="0"/>
-              <a:t>68</a:t>
+              <a:t>64</a:t>
             </a:fld>
             <a:endParaRPr lang="nl-NL"/>
           </a:p>
@@ -4432,7 +4361,7 @@
     </p:spTree>
     <p:extLst>
       <p:ext uri="{BB962C8B-B14F-4D97-AF65-F5344CB8AC3E}">
-        <p14:creationId xmlns:p14="http://schemas.microsoft.com/office/powerpoint/2010/main" val="1910504642"/>
+        <p14:creationId xmlns:p14="http://schemas.microsoft.com/office/powerpoint/2010/main" val="2280226084"/>
       </p:ext>
     </p:extLst>
   </p:cSld>
@@ -4491,6 +4420,43 @@
           <a:bodyPr/>
           <a:lstStyle/>
           <a:p>
+            <a:r>
+              <a:rPr lang="nl-NL" dirty="0" err="1" smtClean="0"/>
+              <a:t>docker</a:t>
+            </a:r>
+            <a:r>
+              <a:rPr lang="nl-NL" dirty="0" smtClean="0"/>
+              <a:t> system info</a:t>
+            </a:r>
+          </a:p>
+          <a:p>
+            <a:r>
+              <a:rPr lang="en-US" dirty="0" err="1" smtClean="0"/>
+              <a:t>docker</a:t>
+            </a:r>
+            <a:r>
+              <a:rPr lang="en-US" dirty="0" smtClean="0"/>
+              <a:t> info</a:t>
+            </a:r>
+          </a:p>
+          <a:p>
+            <a:endParaRPr lang="en-US" dirty="0" smtClean="0"/>
+          </a:p>
+          <a:p>
+            <a:r>
+              <a:rPr lang="en-US" dirty="0" err="1" smtClean="0"/>
+              <a:t>docker</a:t>
+            </a:r>
+            <a:r>
+              <a:rPr lang="en-US" dirty="0" smtClean="0"/>
+              <a:t> info</a:t>
+            </a:r>
+          </a:p>
+          <a:p>
+            <a:r>
+              <a:rPr lang="en-US" dirty="0" smtClean="0"/>
+              <a:t>Command Line Interface</a:t>
+            </a:r>
             <a:endParaRPr lang="nl-NL" dirty="0"/>
           </a:p>
         </p:txBody>
@@ -4512,7 +4478,7 @@
           <a:p>
             <a:fld id="{2DB1139D-5AC7-4B0B-A715-E40E0591EF82}" type="slidenum">
               <a:rPr lang="nl-NL" smtClean="0"/>
-              <a:t>73</a:t>
+              <a:t>68</a:t>
             </a:fld>
             <a:endParaRPr lang="nl-NL"/>
           </a:p>
@@ -4521,7 +4487,7 @@
     </p:spTree>
     <p:extLst>
       <p:ext uri="{BB962C8B-B14F-4D97-AF65-F5344CB8AC3E}">
-        <p14:creationId xmlns:p14="http://schemas.microsoft.com/office/powerpoint/2010/main" val="782634233"/>
+        <p14:creationId xmlns:p14="http://schemas.microsoft.com/office/powerpoint/2010/main" val="1910504642"/>
       </p:ext>
     </p:extLst>
   </p:cSld>
@@ -4558,12 +4524,7 @@
             <p:ph type="sldImg"/>
           </p:nvPr>
         </p:nvSpPr>
-        <p:spPr>
-          <a:xfrm>
-            <a:off x="1143000" y="685800"/>
-            <a:ext cx="4572000" cy="3429000"/>
-          </a:xfrm>
-        </p:spPr>
+        <p:spPr/>
       </p:sp>
       <p:sp>
         <p:nvSpPr>
@@ -4580,43 +4541,6 @@
           <a:bodyPr/>
           <a:lstStyle/>
           <a:p>
-            <a:r>
-              <a:rPr lang="nl-NL" dirty="0" err="1" smtClean="0"/>
-              <a:t>docker</a:t>
-            </a:r>
-            <a:r>
-              <a:rPr lang="nl-NL" dirty="0" smtClean="0"/>
-              <a:t> system info</a:t>
-            </a:r>
-          </a:p>
-          <a:p>
-            <a:r>
-              <a:rPr lang="en-US" dirty="0" err="1" smtClean="0"/>
-              <a:t>docker</a:t>
-            </a:r>
-            <a:r>
-              <a:rPr lang="en-US" dirty="0" smtClean="0"/>
-              <a:t> info</a:t>
-            </a:r>
-          </a:p>
-          <a:p>
-            <a:endParaRPr lang="en-US" dirty="0" smtClean="0"/>
-          </a:p>
-          <a:p>
-            <a:r>
-              <a:rPr lang="en-US" dirty="0" err="1" smtClean="0"/>
-              <a:t>docker</a:t>
-            </a:r>
-            <a:r>
-              <a:rPr lang="en-US" dirty="0" smtClean="0"/>
-              <a:t> info</a:t>
-            </a:r>
-          </a:p>
-          <a:p>
-            <a:r>
-              <a:rPr lang="en-US" dirty="0" smtClean="0"/>
-              <a:t>Command Line Interface</a:t>
-            </a:r>
             <a:endParaRPr lang="nl-NL" dirty="0"/>
           </a:p>
         </p:txBody>
@@ -4638,7 +4562,7 @@
           <a:p>
             <a:fld id="{2DB1139D-5AC7-4B0B-A715-E40E0591EF82}" type="slidenum">
               <a:rPr lang="nl-NL" smtClean="0"/>
-              <a:t>80</a:t>
+              <a:t>71</a:t>
             </a:fld>
             <a:endParaRPr lang="nl-NL"/>
           </a:p>
@@ -4647,7 +4571,7 @@
     </p:spTree>
     <p:extLst>
       <p:ext uri="{BB962C8B-B14F-4D97-AF65-F5344CB8AC3E}">
-        <p14:creationId xmlns:p14="http://schemas.microsoft.com/office/powerpoint/2010/main" val="977542942"/>
+        <p14:creationId xmlns:p14="http://schemas.microsoft.com/office/powerpoint/2010/main" val="4211406213"/>
       </p:ext>
     </p:extLst>
   </p:cSld>
@@ -4727,7 +4651,7 @@
           <a:p>
             <a:fld id="{2DB1139D-5AC7-4B0B-A715-E40E0591EF82}" type="slidenum">
               <a:rPr lang="nl-NL" smtClean="0"/>
-              <a:t>82</a:t>
+              <a:t>73</a:t>
             </a:fld>
             <a:endParaRPr lang="nl-NL"/>
           </a:p>
@@ -4736,7 +4660,7 @@
     </p:spTree>
     <p:extLst>
       <p:ext uri="{BB962C8B-B14F-4D97-AF65-F5344CB8AC3E}">
-        <p14:creationId xmlns:p14="http://schemas.microsoft.com/office/powerpoint/2010/main" val="2903896791"/>
+        <p14:creationId xmlns:p14="http://schemas.microsoft.com/office/powerpoint/2010/main" val="782634233"/>
       </p:ext>
     </p:extLst>
   </p:cSld>
@@ -4765,7 +4689,7 @@
       </p:grpSpPr>
       <p:sp>
         <p:nvSpPr>
-          <p:cNvPr id="2" name="Tijdelijke aanduiding voor dia-afbeelding 1"/>
+          <p:cNvPr id="2" name="Slide Image Placeholder 1"/>
           <p:cNvSpPr>
             <a:spLocks noGrp="1" noRot="1" noChangeAspect="1"/>
           </p:cNvSpPr>
@@ -4782,7 +4706,7 @@
       </p:sp>
       <p:sp>
         <p:nvSpPr>
-          <p:cNvPr id="3" name="Tijdelijke aanduiding voor notities 2"/>
+          <p:cNvPr id="3" name="Notes Placeholder 2"/>
           <p:cNvSpPr>
             <a:spLocks noGrp="1"/>
           </p:cNvSpPr>
@@ -4795,13 +4719,50 @@
           <a:bodyPr/>
           <a:lstStyle/>
           <a:p>
+            <a:r>
+              <a:rPr lang="nl-NL" dirty="0" err="1" smtClean="0"/>
+              <a:t>docker</a:t>
+            </a:r>
+            <a:r>
+              <a:rPr lang="nl-NL" dirty="0" smtClean="0"/>
+              <a:t> system info</a:t>
+            </a:r>
+          </a:p>
+          <a:p>
+            <a:r>
+              <a:rPr lang="en-US" dirty="0" err="1" smtClean="0"/>
+              <a:t>docker</a:t>
+            </a:r>
+            <a:r>
+              <a:rPr lang="en-US" dirty="0" smtClean="0"/>
+              <a:t> info</a:t>
+            </a:r>
+          </a:p>
+          <a:p>
+            <a:endParaRPr lang="en-US" dirty="0" smtClean="0"/>
+          </a:p>
+          <a:p>
+            <a:r>
+              <a:rPr lang="en-US" dirty="0" err="1" smtClean="0"/>
+              <a:t>docker</a:t>
+            </a:r>
+            <a:r>
+              <a:rPr lang="en-US" dirty="0" smtClean="0"/>
+              <a:t> info</a:t>
+            </a:r>
+          </a:p>
+          <a:p>
+            <a:r>
+              <a:rPr lang="en-US" dirty="0" smtClean="0"/>
+              <a:t>Command Line Interface</a:t>
+            </a:r>
             <a:endParaRPr lang="nl-NL" dirty="0"/>
           </a:p>
         </p:txBody>
       </p:sp>
       <p:sp>
         <p:nvSpPr>
-          <p:cNvPr id="4" name="Tijdelijke aanduiding voor dianummer 3"/>
+          <p:cNvPr id="4" name="Slide Number Placeholder 3"/>
           <p:cNvSpPr>
             <a:spLocks noGrp="1"/>
           </p:cNvSpPr>
@@ -4816,7 +4777,7 @@
           <a:p>
             <a:fld id="{2DB1139D-5AC7-4B0B-A715-E40E0591EF82}" type="slidenum">
               <a:rPr lang="nl-NL" smtClean="0"/>
-              <a:t>95</a:t>
+              <a:t>80</a:t>
             </a:fld>
             <a:endParaRPr lang="nl-NL"/>
           </a:p>
@@ -4825,7 +4786,96 @@
     </p:spTree>
     <p:extLst>
       <p:ext uri="{BB962C8B-B14F-4D97-AF65-F5344CB8AC3E}">
-        <p14:creationId xmlns:p14="http://schemas.microsoft.com/office/powerpoint/2010/main" val="391154413"/>
+        <p14:creationId xmlns:p14="http://schemas.microsoft.com/office/powerpoint/2010/main" val="977542942"/>
+      </p:ext>
+    </p:extLst>
+  </p:cSld>
+  <p:clrMapOvr>
+    <a:masterClrMapping/>
+  </p:clrMapOvr>
+</p:notes>
+</file>
+
+<file path=ppt/notesSlides/notesSlide36.xml><?xml version="1.0" encoding="utf-8"?>
+<p:notes xmlns:a="http://schemas.openxmlformats.org/drawingml/2006/main" xmlns:r="http://schemas.openxmlformats.org/officeDocument/2006/relationships" xmlns:p="http://schemas.openxmlformats.org/presentationml/2006/main">
+  <p:cSld>
+    <p:spTree>
+      <p:nvGrpSpPr>
+        <p:cNvPr id="1" name=""/>
+        <p:cNvGrpSpPr/>
+        <p:nvPr/>
+      </p:nvGrpSpPr>
+      <p:grpSpPr>
+        <a:xfrm>
+          <a:off x="0" y="0"/>
+          <a:ext cx="0" cy="0"/>
+          <a:chOff x="0" y="0"/>
+          <a:chExt cx="0" cy="0"/>
+        </a:xfrm>
+      </p:grpSpPr>
+      <p:sp>
+        <p:nvSpPr>
+          <p:cNvPr id="2" name="Slide Image Placeholder 1"/>
+          <p:cNvSpPr>
+            <a:spLocks noGrp="1" noRot="1" noChangeAspect="1"/>
+          </p:cNvSpPr>
+          <p:nvPr>
+            <p:ph type="sldImg"/>
+          </p:nvPr>
+        </p:nvSpPr>
+        <p:spPr>
+          <a:xfrm>
+            <a:off x="1143000" y="685800"/>
+            <a:ext cx="4572000" cy="3429000"/>
+          </a:xfrm>
+        </p:spPr>
+      </p:sp>
+      <p:sp>
+        <p:nvSpPr>
+          <p:cNvPr id="3" name="Notes Placeholder 2"/>
+          <p:cNvSpPr>
+            <a:spLocks noGrp="1"/>
+          </p:cNvSpPr>
+          <p:nvPr>
+            <p:ph type="body" idx="1"/>
+          </p:nvPr>
+        </p:nvSpPr>
+        <p:spPr/>
+        <p:txBody>
+          <a:bodyPr/>
+          <a:lstStyle/>
+          <a:p>
+            <a:endParaRPr lang="nl-NL" dirty="0"/>
+          </a:p>
+        </p:txBody>
+      </p:sp>
+      <p:sp>
+        <p:nvSpPr>
+          <p:cNvPr id="4" name="Slide Number Placeholder 3"/>
+          <p:cNvSpPr>
+            <a:spLocks noGrp="1"/>
+          </p:cNvSpPr>
+          <p:nvPr>
+            <p:ph type="sldNum" sz="quarter" idx="10"/>
+          </p:nvPr>
+        </p:nvSpPr>
+        <p:spPr/>
+        <p:txBody>
+          <a:bodyPr/>
+          <a:lstStyle/>
+          <a:p>
+            <a:fld id="{2DB1139D-5AC7-4B0B-A715-E40E0591EF82}" type="slidenum">
+              <a:rPr lang="nl-NL" smtClean="0"/>
+              <a:t>82</a:t>
+            </a:fld>
+            <a:endParaRPr lang="nl-NL"/>
+          </a:p>
+        </p:txBody>
+      </p:sp>
+    </p:spTree>
+    <p:extLst>
+      <p:ext uri="{BB962C8B-B14F-4D97-AF65-F5344CB8AC3E}">
+        <p14:creationId xmlns:p14="http://schemas.microsoft.com/office/powerpoint/2010/main" val="2903896791"/>
       </p:ext>
     </p:extLst>
   </p:cSld>
@@ -8549,14 +8599,54 @@
         </p:blipFill>
         <p:spPr>
           <a:xfrm>
-            <a:off x="3300415" y="3422651"/>
-            <a:ext cx="2771775" cy="666751"/>
+            <a:off x="1092749" y="2229487"/>
+            <a:ext cx="7163661" cy="1723220"/>
           </a:xfrm>
           <a:prstGeom prst="rect">
             <a:avLst/>
           </a:prstGeom>
         </p:spPr>
       </p:pic>
+      <p:sp>
+        <p:nvSpPr>
+          <p:cNvPr id="3" name="TextBox 2"/>
+          <p:cNvSpPr txBox="1"/>
+          <p:nvPr/>
+        </p:nvSpPr>
+        <p:spPr>
+          <a:xfrm>
+            <a:off x="259307" y="5813947"/>
+            <a:ext cx="3266728" cy="646331"/>
+          </a:xfrm>
+          <a:prstGeom prst="rect">
+            <a:avLst/>
+          </a:prstGeom>
+          <a:noFill/>
+        </p:spPr>
+        <p:txBody>
+          <a:bodyPr wrap="none" rtlCol="0">
+            <a:spAutoFit/>
+          </a:bodyPr>
+          <a:lstStyle/>
+          <a:p>
+            <a:r>
+              <a:rPr lang="en-US" dirty="0" smtClean="0"/>
+              <a:t>Johannes Sim &amp; Renzo Veldkamp</a:t>
+            </a:r>
+          </a:p>
+          <a:p>
+            <a:r>
+              <a:rPr lang="en-US" dirty="0" err="1" smtClean="0"/>
+              <a:t>Versie</a:t>
+            </a:r>
+            <a:r>
+              <a:rPr lang="en-US" dirty="0" smtClean="0"/>
+              <a:t>: 1.0</a:t>
+            </a:r>
+            <a:endParaRPr lang="nl-NL" dirty="0"/>
+          </a:p>
+        </p:txBody>
+      </p:sp>
     </p:spTree>
     <p:extLst>
       <p:ext uri="{BB962C8B-B14F-4D97-AF65-F5344CB8AC3E}">
@@ -8638,11 +8728,7 @@
           <a:p>
             <a:r>
               <a:rPr lang="en-US" dirty="0" smtClean="0"/>
-              <a:t>WORKS ON </a:t>
-            </a:r>
-            <a:r>
-              <a:rPr lang="en-US" dirty="0" smtClean="0"/>
-              <a:t>MY </a:t>
+              <a:t>WORKS ON MY </a:t>
             </a:r>
             <a:r>
               <a:rPr lang="en-US" dirty="0" err="1" smtClean="0"/>
@@ -14783,7 +14869,15 @@
             <a:pPr algn="ctr"/>
             <a:r>
               <a:rPr lang="en-US" dirty="0" smtClean="0"/>
-              <a:t>Dev decide what is in a image</a:t>
+              <a:t>Dev decide what is in </a:t>
+            </a:r>
+            <a:r>
+              <a:rPr lang="en-US" dirty="0" smtClean="0"/>
+              <a:t>an </a:t>
+            </a:r>
+            <a:r>
+              <a:rPr lang="en-US" dirty="0" smtClean="0"/>
+              <a:t>image</a:t>
             </a:r>
             <a:endParaRPr lang="nl-NL" dirty="0"/>
           </a:p>
@@ -15794,12 +15888,12 @@
           <a:p>
             <a:pPr lvl="1"/>
             <a:r>
-              <a:rPr lang="en-US" dirty="0" err="1" smtClean="0"/>
-              <a:t>runnning</a:t>
-            </a:r>
-            <a:r>
-              <a:rPr lang="en-US" dirty="0" smtClean="0"/>
-              <a:t> image</a:t>
+              <a:rPr lang="en-US" dirty="0" smtClean="0"/>
+              <a:t>running </a:t>
+            </a:r>
+            <a:r>
+              <a:rPr lang="en-US" dirty="0" smtClean="0"/>
+              <a:t>image</a:t>
             </a:r>
             <a:endParaRPr lang="en-US" dirty="0"/>
           </a:p>
@@ -15907,7 +16001,7 @@
             <a:pPr lvl="2"/>
             <a:r>
               <a:rPr lang="en-US" dirty="0" smtClean="0"/>
-              <a:t>Tell / Show / workshop</a:t>
+              <a:t>Tell / Show / Workshop</a:t>
             </a:r>
             <a:endParaRPr lang="en-US" sz="2000" dirty="0"/>
           </a:p>
@@ -17337,12 +17431,12 @@
           <a:p>
             <a:pPr lvl="1"/>
             <a:r>
-              <a:rPr lang="en-US" dirty="0" err="1" smtClean="0"/>
-              <a:t>Appartment</a:t>
-            </a:r>
-            <a:r>
-              <a:rPr lang="en-US" dirty="0" smtClean="0"/>
-              <a:t>  = Docker Container</a:t>
+              <a:rPr lang="en-US" dirty="0" smtClean="0"/>
+              <a:t>Apartment  </a:t>
+            </a:r>
+            <a:r>
+              <a:rPr lang="en-US" dirty="0" smtClean="0"/>
+              <a:t>= Docker Container</a:t>
             </a:r>
           </a:p>
           <a:p>
@@ -17610,7 +17704,7 @@
           <a:p>
             <a:r>
               <a:rPr lang="en-US" dirty="0" smtClean="0"/>
-              <a:t>Current version: 17:06</a:t>
+              <a:t>Current version: 17:09</a:t>
             </a:r>
             <a:endParaRPr lang="en-US" dirty="0"/>
           </a:p>
@@ -17977,7 +18071,7 @@
           </p:nvPr>
         </p:nvPicPr>
         <p:blipFill>
-          <a:blip r:embed="rId2"/>
+          <a:blip r:embed="rId3"/>
           <a:stretch>
             <a:fillRect/>
           </a:stretch>
@@ -18719,29 +18813,48 @@
             <a:pPr lvl="1"/>
             <a:r>
               <a:rPr lang="en-US" dirty="0" smtClean="0"/>
-              <a:t>Version </a:t>
+              <a:t>Version  </a:t>
+            </a:r>
+            <a:r>
+              <a:rPr lang="en-US" dirty="0" smtClean="0"/>
+              <a:t>17.06.2-ce</a:t>
             </a:r>
             <a:r>
               <a:rPr lang="en-US" dirty="0"/>
-              <a:t>1</a:t>
-            </a:r>
-            <a:r>
-              <a:rPr lang="en-US" dirty="0" smtClean="0"/>
-              <a:t>7.06.2.-ce</a:t>
-            </a:r>
-          </a:p>
-          <a:p>
-            <a:pPr lvl="1"/>
-            <a:endParaRPr lang="en-US" dirty="0"/>
-          </a:p>
-          <a:p>
-            <a:pPr marL="265107" lvl="1" indent="0">
-              <a:buNone/>
-            </a:pPr>
+              <a:t> </a:t>
+            </a:r>
+            <a:r>
+              <a:rPr lang="en-US" dirty="0" smtClean="0"/>
+              <a:t>(17.09.0-ce)</a:t>
+            </a:r>
             <a:endParaRPr lang="en-US" dirty="0" smtClean="0"/>
           </a:p>
         </p:txBody>
       </p:sp>
+      <p:pic>
+        <p:nvPicPr>
+          <p:cNvPr id="4" name="Picture 3"/>
+          <p:cNvPicPr>
+            <a:picLocks noChangeAspect="1"/>
+          </p:cNvPicPr>
+          <p:nvPr/>
+        </p:nvPicPr>
+        <p:blipFill>
+          <a:blip r:embed="rId2"/>
+          <a:stretch>
+            <a:fillRect/>
+          </a:stretch>
+        </p:blipFill>
+        <p:spPr>
+          <a:xfrm>
+            <a:off x="4914264" y="3382207"/>
+            <a:ext cx="3866439" cy="2209394"/>
+          </a:xfrm>
+          <a:prstGeom prst="rect">
+            <a:avLst/>
+          </a:prstGeom>
+        </p:spPr>
+      </p:pic>
     </p:spTree>
     <p:extLst>
       <p:ext uri="{BB962C8B-B14F-4D97-AF65-F5344CB8AC3E}">
@@ -20295,7 +20408,11 @@
           <a:p>
             <a:r>
               <a:rPr lang="en-US" dirty="0" smtClean="0"/>
-              <a:t>Command LINE INTERFACE</a:t>
+              <a:t>Command LINE </a:t>
+            </a:r>
+            <a:r>
+              <a:rPr lang="en-US" dirty="0" smtClean="0"/>
+              <a:t>INTERFACE (CLI)</a:t>
             </a:r>
             <a:endParaRPr lang="nl-NL" dirty="0"/>
           </a:p>
@@ -21154,7 +21271,7 @@
         <p:spPr>
           <a:xfrm>
             <a:off x="1127942" y="2999934"/>
-            <a:ext cx="1229632" cy="338554"/>
+            <a:ext cx="1780937" cy="338554"/>
           </a:xfrm>
           <a:prstGeom prst="rect">
             <a:avLst/>
@@ -21171,7 +21288,11 @@
           <a:p>
             <a:r>
               <a:rPr lang="en-US" sz="1600" dirty="0"/>
-              <a:t>Docker build</a:t>
+              <a:t>Docker </a:t>
+            </a:r>
+            <a:r>
+              <a:rPr lang="en-US" sz="1600" dirty="0" smtClean="0"/>
+              <a:t>image build</a:t>
             </a:r>
             <a:endParaRPr lang="nl-NL" sz="1600" dirty="0"/>
           </a:p>
@@ -21304,7 +21425,11 @@
             <a:pPr lvl="1"/>
             <a:r>
               <a:rPr lang="en-US" dirty="0" smtClean="0"/>
-              <a:t>Lot of info</a:t>
+              <a:t>Lots </a:t>
+            </a:r>
+            <a:r>
+              <a:rPr lang="en-US" dirty="0" smtClean="0"/>
+              <a:t>of info</a:t>
             </a:r>
             <a:endParaRPr lang="nl-NL" dirty="0"/>
           </a:p>
@@ -21832,7 +21957,15 @@
           <a:p>
             <a:r>
               <a:rPr lang="en-US" dirty="0" smtClean="0"/>
-              <a:t>Hello-world will executed and end</a:t>
+              <a:t>Hello-world will </a:t>
+            </a:r>
+            <a:r>
+              <a:rPr lang="en-US" dirty="0" smtClean="0"/>
+              <a:t>execute </a:t>
+            </a:r>
+            <a:r>
+              <a:rPr lang="en-US" dirty="0" smtClean="0"/>
+              <a:t>and end</a:t>
             </a:r>
           </a:p>
           <a:p>
@@ -21851,12 +21984,16 @@
               <a:t> </a:t>
             </a:r>
             <a:r>
-              <a:rPr lang="en-US" dirty="0" err="1" smtClean="0"/>
-              <a:t>docker</a:t>
-            </a:r>
-            <a:r>
-              <a:rPr lang="en-US" dirty="0" smtClean="0"/>
-              <a:t> run hello-world (once again)</a:t>
+              <a:rPr lang="en-US" dirty="0" smtClean="0"/>
+              <a:t>container </a:t>
+            </a:r>
+            <a:r>
+              <a:rPr lang="en-US" dirty="0" smtClean="0"/>
+              <a:t>run </a:t>
+            </a:r>
+            <a:r>
+              <a:rPr lang="en-US" dirty="0" smtClean="0"/>
+              <a:t>hello-world (once again)</a:t>
             </a:r>
             <a:endParaRPr lang="nl-NL" dirty="0"/>
           </a:p>
@@ -21944,8 +22081,8 @@
               <a:t> ARE </a:t>
             </a:r>
             <a:r>
-              <a:rPr lang="en-US" dirty="0" err="1" smtClean="0"/>
-              <a:t>Runnning</a:t>
+              <a:rPr lang="en-US" dirty="0" smtClean="0"/>
+              <a:t>Running</a:t>
             </a:r>
             <a:r>
               <a:rPr lang="en-US" dirty="0" smtClean="0"/>
@@ -22733,7 +22870,7 @@
           <a:p>
             <a:r>
               <a:rPr lang="en-US" dirty="0" smtClean="0"/>
-              <a:t>Alpine REPRO</a:t>
+              <a:t>Alpine REPO</a:t>
             </a:r>
             <a:endParaRPr lang="nl-NL" dirty="0"/>
           </a:p>
@@ -22866,14 +23003,14 @@
           <p:nvPr>
             <p:extLst>
               <p:ext uri="{D42A27DB-BD31-4B8C-83A1-F6EECF244321}">
-                <p14:modId xmlns:p14="http://schemas.microsoft.com/office/powerpoint/2010/main" val="3087549200"/>
+                <p14:modId xmlns:p14="http://schemas.microsoft.com/office/powerpoint/2010/main" val="3175843079"/>
               </p:ext>
             </p:extLst>
           </p:nvPr>
         </p:nvGraphicFramePr>
         <p:xfrm>
           <a:off x="617539" y="1397000"/>
-          <a:ext cx="8163165" cy="2484120"/>
+          <a:ext cx="8163165" cy="2473960"/>
         </p:xfrm>
         <a:graphic>
           <a:graphicData uri="http://schemas.openxmlformats.org/drawingml/2006/table">
@@ -22883,8 +23020,8 @@
               </a:tblPr>
               <a:tblGrid>
                 <a:gridCol w="706295"/>
-                <a:gridCol w="3452883"/>
-                <a:gridCol w="4003987"/>
+                <a:gridCol w="3220870"/>
+                <a:gridCol w="4236000"/>
               </a:tblGrid>
               <a:tr h="375920">
                 <a:tc>
@@ -25496,7 +25633,7 @@
         <p:spPr>
           <a:xfrm>
             <a:off x="1127942" y="2999934"/>
-            <a:ext cx="1229632" cy="338554"/>
+            <a:ext cx="1780937" cy="338554"/>
           </a:xfrm>
           <a:prstGeom prst="rect">
             <a:avLst/>
@@ -25513,7 +25650,11 @@
           <a:p>
             <a:r>
               <a:rPr lang="en-US" sz="1600" dirty="0"/>
-              <a:t>Docker build</a:t>
+              <a:t>Docker </a:t>
+            </a:r>
+            <a:r>
+              <a:rPr lang="en-US" sz="1600" dirty="0" smtClean="0"/>
+              <a:t>image build</a:t>
             </a:r>
             <a:endParaRPr lang="nl-NL" sz="1600" dirty="0"/>
           </a:p>
@@ -26618,7 +26759,11 @@
             </a:r>
             <a:r>
               <a:rPr lang="en-US" dirty="0" smtClean="0"/>
-              <a:t> PORTS in a PICTURE</a:t>
+              <a:t> </a:t>
+            </a:r>
+            <a:r>
+              <a:rPr lang="en-US" dirty="0" smtClean="0"/>
+              <a:t>PORTS</a:t>
             </a:r>
             <a:endParaRPr lang="nl-NL" dirty="0"/>
           </a:p>
@@ -27483,14 +27628,14 @@
           <p:nvPr>
             <p:extLst>
               <p:ext uri="{D42A27DB-BD31-4B8C-83A1-F6EECF244321}">
-                <p14:modId xmlns:p14="http://schemas.microsoft.com/office/powerpoint/2010/main" val="3090911866"/>
+                <p14:modId xmlns:p14="http://schemas.microsoft.com/office/powerpoint/2010/main" val="4270018108"/>
               </p:ext>
             </p:extLst>
           </p:nvPr>
         </p:nvGraphicFramePr>
         <p:xfrm>
           <a:off x="617539" y="2406935"/>
-          <a:ext cx="8048790" cy="3429000"/>
+          <a:ext cx="8048790" cy="3048000"/>
         </p:xfrm>
         <a:graphic>
           <a:graphicData uri="http://schemas.openxmlformats.org/drawingml/2006/table">
@@ -27730,13 +27875,13 @@
                         <a:rPr lang="en-US" sz="1900" baseline="0" dirty="0" smtClean="0">
                           <a:sym typeface="Wingdings" panose="05000000000000000000" pitchFamily="2" charset="2"/>
                         </a:rPr>
-                        <a:t> container port / </a:t>
+                        <a:t> container </a:t>
                       </a:r>
                       <a:r>
-                        <a:rPr lang="en-US" sz="1900" baseline="0" dirty="0" err="1" smtClean="0">
+                        <a:rPr lang="en-US" sz="1900" baseline="0" dirty="0" smtClean="0">
                           <a:sym typeface="Wingdings" panose="05000000000000000000" pitchFamily="2" charset="2"/>
                         </a:rPr>
-                        <a:t>portocol</a:t>
+                        <a:t>port</a:t>
                       </a:r>
                       <a:endParaRPr lang="nl-NL" sz="1900" dirty="0"/>
                     </a:p>
@@ -27772,32 +27917,6 @@
                         <a:rPr lang="en-US" sz="1900" baseline="0" dirty="0" smtClean="0"/>
                         <a:t> Docker provide unique name</a:t>
                       </a:r>
-                      <a:endParaRPr lang="nl-NL" sz="1900" dirty="0"/>
-                    </a:p>
-                  </a:txBody>
-                  <a:tcPr/>
-                </a:tc>
-              </a:tr>
-              <a:tr h="375920">
-                <a:tc>
-                  <a:txBody>
-                    <a:bodyPr/>
-                    <a:lstStyle/>
-                    <a:p>
-                      <a:r>
-                        <a:rPr lang="en-US" sz="1900" dirty="0" smtClean="0"/>
-                        <a:t>Read more</a:t>
-                      </a:r>
-                      <a:endParaRPr lang="nl-NL" sz="1900" dirty="0"/>
-                    </a:p>
-                  </a:txBody>
-                  <a:tcPr/>
-                </a:tc>
-                <a:tc>
-                  <a:txBody>
-                    <a:bodyPr/>
-                    <a:lstStyle/>
-                    <a:p>
                       <a:endParaRPr lang="nl-NL" sz="1900" dirty="0"/>
                     </a:p>
                   </a:txBody>
@@ -28168,53 +28287,72 @@
             </a:r>
             <a:r>
               <a:rPr lang="en-US" dirty="0" smtClean="0"/>
-              <a:t>ew container from image</a:t>
-            </a:r>
+              <a:t>ew container from </a:t>
+            </a:r>
+            <a:r>
+              <a:rPr lang="en-US" dirty="0" smtClean="0"/>
+              <a:t>image</a:t>
+            </a:r>
+            <a:endParaRPr lang="en-US" dirty="0" smtClean="0"/>
           </a:p>
           <a:p>
             <a:pPr lvl="1"/>
             <a:r>
-              <a:rPr lang="en-US" dirty="0" err="1"/>
-              <a:t>d</a:t>
-            </a:r>
-            <a:r>
-              <a:rPr lang="en-US" dirty="0" err="1" smtClean="0"/>
-              <a:t>ocker</a:t>
-            </a:r>
-            <a:r>
-              <a:rPr lang="en-US" dirty="0" smtClean="0"/>
-              <a:t> container run –</a:t>
+              <a:rPr lang="en-US" dirty="0"/>
+              <a:t>D</a:t>
+            </a:r>
+            <a:r>
+              <a:rPr lang="en-US" dirty="0" smtClean="0"/>
+              <a:t>ocker </a:t>
+            </a:r>
+            <a:r>
+              <a:rPr lang="en-US" dirty="0" smtClean="0"/>
+              <a:t>container run –</a:t>
             </a:r>
             <a:r>
               <a:rPr lang="en-US" dirty="0" err="1" smtClean="0"/>
               <a:t>rm</a:t>
             </a:r>
-            <a:r>
-              <a:rPr lang="en-US" dirty="0" smtClean="0"/>
-              <a:t> – run, after stop remove</a:t>
+            <a:endParaRPr lang="en-US" dirty="0" smtClean="0"/>
+          </a:p>
+          <a:p>
+            <a:pPr lvl="2"/>
+            <a:r>
+              <a:rPr lang="en-US" dirty="0" smtClean="0"/>
+              <a:t>after </a:t>
+            </a:r>
+            <a:r>
+              <a:rPr lang="en-US" dirty="0" smtClean="0"/>
+              <a:t>stop remove</a:t>
+            </a:r>
+          </a:p>
+          <a:p>
+            <a:pPr marL="265107" lvl="1" indent="0">
+              <a:buNone/>
+            </a:pPr>
+            <a:endParaRPr lang="en-US" dirty="0"/>
+          </a:p>
+          <a:p>
+            <a:r>
+              <a:rPr lang="en-US" dirty="0" smtClean="0"/>
+              <a:t>Docker container stop</a:t>
+            </a:r>
+          </a:p>
+          <a:p>
+            <a:r>
+              <a:rPr lang="en-US" dirty="0" smtClean="0"/>
+              <a:t>Docker container start – container must exist  </a:t>
             </a:r>
           </a:p>
           <a:p>
             <a:pPr lvl="1"/>
-            <a:endParaRPr lang="en-US" dirty="0"/>
-          </a:p>
-          <a:p>
-            <a:r>
-              <a:rPr lang="en-US" dirty="0" smtClean="0"/>
-              <a:t>Docker container stop</a:t>
-            </a:r>
-          </a:p>
-          <a:p>
-            <a:r>
-              <a:rPr lang="en-US" dirty="0" smtClean="0"/>
-              <a:t>Docker container start – container must exist  </a:t>
-            </a:r>
-          </a:p>
-          <a:p>
-            <a:pPr lvl="1"/>
-            <a:r>
-              <a:rPr lang="en-US" dirty="0" smtClean="0"/>
-              <a:t>id or container- name</a:t>
+            <a:r>
+              <a:rPr lang="en-US" dirty="0" smtClean="0"/>
+              <a:t>id or </a:t>
+            </a:r>
+            <a:r>
+              <a:rPr lang="en-US" dirty="0" err="1" smtClean="0"/>
+              <a:t>containername</a:t>
             </a:r>
             <a:endParaRPr lang="nl-NL" dirty="0"/>
           </a:p>
@@ -28933,7 +29071,22 @@
           <a:p>
             <a:r>
               <a:rPr lang="en-US" dirty="0" smtClean="0"/>
-              <a:t>Look in the container</a:t>
+              <a:t>Enter</a:t>
+            </a:r>
+            <a:r>
+              <a:rPr lang="en-US" dirty="0" smtClean="0"/>
+              <a:t> </a:t>
+            </a:r>
+            <a:r>
+              <a:rPr lang="en-US" dirty="0" smtClean="0"/>
+              <a:t>the container</a:t>
+            </a:r>
+          </a:p>
+          <a:p>
+            <a:pPr lvl="1"/>
+            <a:r>
+              <a:rPr lang="en-US" dirty="0" smtClean="0"/>
+              <a:t>Container must be running!</a:t>
             </a:r>
           </a:p>
           <a:p>
@@ -28941,7 +29094,39 @@
               <a:rPr lang="en-US" dirty="0" smtClean="0"/>
               <a:t>Depends on base image</a:t>
             </a:r>
-            <a:endParaRPr lang="nl-NL" dirty="0"/>
+            <a:r>
+              <a:rPr lang="nl-NL" dirty="0"/>
+              <a:t> </a:t>
+            </a:r>
+            <a:r>
+              <a:rPr lang="nl-NL" dirty="0" err="1" smtClean="0"/>
+              <a:t>which</a:t>
+            </a:r>
+            <a:r>
+              <a:rPr lang="nl-NL" dirty="0" smtClean="0"/>
+              <a:t> shell </a:t>
+            </a:r>
+            <a:r>
+              <a:rPr lang="nl-NL" dirty="0" err="1" smtClean="0"/>
+              <a:t>can</a:t>
+            </a:r>
+            <a:r>
+              <a:rPr lang="nl-NL" dirty="0" smtClean="0"/>
+              <a:t> </a:t>
+            </a:r>
+            <a:r>
+              <a:rPr lang="nl-NL" dirty="0" err="1" smtClean="0"/>
+              <a:t>be</a:t>
+            </a:r>
+            <a:r>
+              <a:rPr lang="nl-NL" dirty="0" smtClean="0"/>
+              <a:t> </a:t>
+            </a:r>
+            <a:r>
+              <a:rPr lang="nl-NL" dirty="0" err="1" smtClean="0"/>
+              <a:t>started</a:t>
+            </a:r>
+            <a:endParaRPr lang="en-US" dirty="0" smtClean="0"/>
           </a:p>
         </p:txBody>
       </p:sp>
@@ -29218,13 +29403,10 @@
               <a:t>Remove all stopped </a:t>
             </a:r>
             <a:r>
-              <a:rPr lang="en-US" dirty="0" err="1" smtClean="0"/>
-              <a:t>contaners</a:t>
-            </a:r>
-            <a:r>
-              <a:rPr lang="en-US" dirty="0" smtClean="0"/>
-              <a:t> </a:t>
-            </a:r>
+              <a:rPr lang="en-US" dirty="0" smtClean="0"/>
+              <a:t>containers </a:t>
+            </a:r>
+            <a:endParaRPr lang="en-US" dirty="0" smtClean="0"/>
           </a:p>
           <a:p>
             <a:pPr lvl="1"/>
@@ -30127,7 +30309,7 @@
         <p:spPr>
           <a:xfrm>
             <a:off x="1127942" y="2999934"/>
-            <a:ext cx="1229632" cy="338554"/>
+            <a:ext cx="1780937" cy="338554"/>
           </a:xfrm>
           <a:prstGeom prst="rect">
             <a:avLst/>
@@ -30144,7 +30326,11 @@
           <a:p>
             <a:r>
               <a:rPr lang="en-US" sz="1600" dirty="0"/>
-              <a:t>Docker build</a:t>
+              <a:t>Docker </a:t>
+            </a:r>
+            <a:r>
+              <a:rPr lang="en-US" sz="1600" dirty="0" smtClean="0"/>
+              <a:t>image build</a:t>
             </a:r>
             <a:endParaRPr lang="nl-NL" sz="1600" dirty="0"/>
           </a:p>
@@ -30398,7 +30584,15 @@
             <a:pPr lvl="1"/>
             <a:r>
               <a:rPr lang="en-US" dirty="0" smtClean="0"/>
-              <a:t>Free of charge for public repro (images)</a:t>
+              <a:t>Free of charge for public </a:t>
+            </a:r>
+            <a:r>
+              <a:rPr lang="en-US" dirty="0" smtClean="0"/>
+              <a:t>repo </a:t>
+            </a:r>
+            <a:r>
+              <a:rPr lang="en-US" dirty="0" smtClean="0"/>
+              <a:t>(images)</a:t>
             </a:r>
           </a:p>
           <a:p>
@@ -30410,7 +30604,15 @@
           <a:p>
             <a:r>
               <a:rPr lang="en-US" dirty="0" smtClean="0"/>
-              <a:t>Every repro (image) name must start with your user</a:t>
+              <a:t>Every </a:t>
+            </a:r>
+            <a:r>
+              <a:rPr lang="en-US" dirty="0" smtClean="0"/>
+              <a:t>repo </a:t>
+            </a:r>
+            <a:r>
+              <a:rPr lang="en-US" dirty="0" smtClean="0"/>
+              <a:t>(image) name must start with your user</a:t>
             </a:r>
           </a:p>
           <a:p>
@@ -30459,6 +30661,9 @@
             <a:endParaRPr lang="en-US" dirty="0" smtClean="0"/>
           </a:p>
           <a:p>
+            <a:pPr marL="0" indent="0">
+              <a:buNone/>
+            </a:pPr>
             <a:endParaRPr lang="nl-NL" dirty="0"/>
           </a:p>
         </p:txBody>
@@ -30552,8 +30757,13 @@
             <a:pPr lvl="1"/>
             <a:r>
               <a:rPr lang="en-US" dirty="0" smtClean="0"/>
-              <a:t>No user-id needed</a:t>
-            </a:r>
+              <a:t>No user-id </a:t>
+            </a:r>
+            <a:r>
+              <a:rPr lang="en-US" dirty="0" smtClean="0"/>
+              <a:t>needed for public repo</a:t>
+            </a:r>
+            <a:endParaRPr lang="en-US" dirty="0" smtClean="0"/>
           </a:p>
           <a:p>
             <a:r>
@@ -30582,23 +30792,32 @@
             <a:pPr lvl="1"/>
             <a:r>
               <a:rPr lang="en-US" dirty="0" smtClean="0"/>
-              <a:t>Use safe images: official, number of pull, rating, now the owner</a:t>
+              <a:t>Use safe images: official, number of </a:t>
+            </a:r>
+            <a:r>
+              <a:rPr lang="en-US" dirty="0" smtClean="0"/>
+              <a:t>pulls, rating</a:t>
             </a:r>
           </a:p>
           <a:p>
             <a:pPr lvl="1"/>
             <a:r>
               <a:rPr lang="en-US" dirty="0" smtClean="0"/>
-              <a:t>Intelligent download (only </a:t>
-            </a:r>
-            <a:r>
-              <a:rPr lang="en-US" dirty="0" err="1" smtClean="0"/>
-              <a:t>chages</a:t>
-            </a:r>
-            <a:r>
-              <a:rPr lang="en-US" dirty="0" smtClean="0"/>
-              <a:t>)</a:t>
-            </a:r>
+              <a:t>Efficient</a:t>
+            </a:r>
+            <a:r>
+              <a:rPr lang="en-US" dirty="0" smtClean="0"/>
+              <a:t> </a:t>
+            </a:r>
+            <a:r>
+              <a:rPr lang="en-US" dirty="0" smtClean="0"/>
+              <a:t>download (only </a:t>
+            </a:r>
+            <a:r>
+              <a:rPr lang="en-US" dirty="0" smtClean="0"/>
+              <a:t>changed layers)</a:t>
+            </a:r>
+            <a:endParaRPr lang="en-US" dirty="0" smtClean="0"/>
           </a:p>
           <a:p>
             <a:pPr lvl="1"/>
@@ -31669,7 +31888,11 @@
           <a:p>
             <a:r>
               <a:rPr lang="en-US" dirty="0" smtClean="0"/>
-              <a:t>WHAT is IMAGE? - REVISTED</a:t>
+              <a:t>WHAT is IMAGE? - </a:t>
+            </a:r>
+            <a:r>
+              <a:rPr lang="en-US" dirty="0" err="1" smtClean="0"/>
+              <a:t>REVISiTED</a:t>
             </a:r>
             <a:endParaRPr lang="nl-NL" dirty="0"/>
           </a:p>
@@ -31719,12 +31942,12 @@
               <a:t>= </a:t>
             </a:r>
             <a:r>
-              <a:rPr lang="en-US" dirty="0" err="1"/>
-              <a:t>receipe</a:t>
+              <a:rPr lang="en-US" dirty="0" smtClean="0"/>
+              <a:t>recipe </a:t>
             </a:r>
             <a:r>
               <a:rPr lang="en-US" dirty="0"/>
-              <a:t> or blue </a:t>
+              <a:t>or blue </a:t>
             </a:r>
             <a:r>
               <a:rPr lang="en-US" dirty="0" smtClean="0"/>
@@ -31735,7 +31958,19 @@
             <a:pPr lvl="1"/>
             <a:r>
               <a:rPr lang="en-US" dirty="0" smtClean="0"/>
-              <a:t>Docker commit – seldom use – not in this Docker 101</a:t>
+              <a:t>Docker commit – </a:t>
+            </a:r>
+            <a:r>
+              <a:rPr lang="en-US" dirty="0" err="1" smtClean="0"/>
+              <a:t>seldomly</a:t>
+            </a:r>
+            <a:r>
+              <a:rPr lang="en-US" dirty="0" smtClean="0"/>
+              <a:t> used </a:t>
+            </a:r>
+            <a:r>
+              <a:rPr lang="en-US" dirty="0" smtClean="0"/>
+              <a:t>– not in this Docker 101</a:t>
             </a:r>
           </a:p>
           <a:p>
@@ -31744,11 +31979,22 @@
           <a:p>
             <a:r>
               <a:rPr lang="en-US" dirty="0" smtClean="0"/>
-              <a:t>Container made from mage must run on any environment</a:t>
+              <a:t>Container made from </a:t>
+            </a:r>
+            <a:r>
+              <a:rPr lang="en-US" dirty="0" smtClean="0"/>
+              <a:t>image </a:t>
+            </a:r>
+            <a:r>
+              <a:rPr lang="en-US" dirty="0" smtClean="0"/>
+              <a:t>must run on any environment</a:t>
             </a:r>
             <a:endParaRPr lang="en-US" dirty="0"/>
           </a:p>
           <a:p>
+            <a:pPr marL="0" indent="0">
+              <a:buNone/>
+            </a:pPr>
             <a:endParaRPr lang="nl-NL" dirty="0"/>
           </a:p>
         </p:txBody>
@@ -31854,12 +32100,8 @@
           <a:p>
             <a:pPr lvl="1"/>
             <a:r>
-              <a:rPr lang="en-US" dirty="0"/>
-              <a:t>c</a:t>
-            </a:r>
-            <a:r>
-              <a:rPr lang="en-US" dirty="0" smtClean="0"/>
-              <a:t>onsist </a:t>
+              <a:rPr lang="en-US" dirty="0" smtClean="0"/>
+              <a:t>contains </a:t>
             </a:r>
             <a:r>
               <a:rPr lang="en-US" dirty="0"/>
@@ -31912,8 +32154,8 @@
               <a:t>Use the same image for very </a:t>
             </a:r>
             <a:r>
-              <a:rPr lang="en-US" dirty="0" err="1" smtClean="0"/>
-              <a:t>environement</a:t>
+              <a:rPr lang="en-US" dirty="0" smtClean="0"/>
+              <a:t>environment</a:t>
             </a:r>
             <a:endParaRPr lang="en-US" dirty="0" smtClean="0"/>
           </a:p>
@@ -32334,68 +32576,25 @@
             <a:pPr lvl="1"/>
             <a:r>
               <a:rPr lang="en-US" dirty="0" smtClean="0"/>
-              <a:t>Fit in the our way of working (CD flow)</a:t>
-            </a:r>
-          </a:p>
-          <a:p>
-            <a:pPr marL="265107" lvl="1" indent="0">
-              <a:buNone/>
-            </a:pPr>
+              <a:t>Fits </a:t>
+            </a:r>
+            <a:r>
+              <a:rPr lang="en-US" dirty="0" smtClean="0"/>
+              <a:t>in </a:t>
+            </a:r>
+            <a:r>
+              <a:rPr lang="en-US" dirty="0" smtClean="0"/>
+              <a:t>our </a:t>
+            </a:r>
+            <a:r>
+              <a:rPr lang="en-US" dirty="0" smtClean="0"/>
+              <a:t>way of working (CD flow</a:t>
+            </a:r>
+            <a:r>
+              <a:rPr lang="en-US" dirty="0" smtClean="0"/>
+              <a:t>)</a:t>
+            </a:r>
             <a:endParaRPr lang="en-US" dirty="0" smtClean="0"/>
-          </a:p>
-          <a:p>
-            <a:pPr marL="0" indent="0">
-              <a:buNone/>
-            </a:pPr>
-            <a:endParaRPr lang="en-US" dirty="0"/>
-          </a:p>
-          <a:p>
-            <a:endParaRPr lang="en-US" dirty="0" smtClean="0"/>
-          </a:p>
-          <a:p>
-            <a:endParaRPr lang="en-US" dirty="0"/>
-          </a:p>
-          <a:p>
-            <a:endParaRPr lang="en-US" dirty="0" smtClean="0"/>
-          </a:p>
-          <a:p>
-            <a:r>
-              <a:rPr lang="en-US" dirty="0" smtClean="0"/>
-              <a:t>Build a Docker image</a:t>
-            </a:r>
-          </a:p>
-          <a:p>
-            <a:pPr lvl="1"/>
-            <a:r>
-              <a:rPr lang="en-US" dirty="0" smtClean="0"/>
-              <a:t>Image = stack of layers</a:t>
-            </a:r>
-          </a:p>
-          <a:p>
-            <a:r>
-              <a:rPr lang="en-US" dirty="0" err="1" smtClean="0"/>
-              <a:t>Dockerfile</a:t>
-            </a:r>
-            <a:r>
-              <a:rPr lang="en-US" dirty="0" smtClean="0"/>
-              <a:t> = </a:t>
-            </a:r>
-            <a:r>
-              <a:rPr lang="en-US" dirty="0" err="1" smtClean="0"/>
-              <a:t>receipe</a:t>
-            </a:r>
-            <a:r>
-              <a:rPr lang="en-US" dirty="0" smtClean="0"/>
-              <a:t> or blue print</a:t>
-            </a:r>
-          </a:p>
-          <a:p>
-            <a:pPr lvl="1"/>
-            <a:endParaRPr lang="en-US" dirty="0"/>
-          </a:p>
-          <a:p>
-            <a:pPr lvl="1"/>
-            <a:endParaRPr lang="nl-NL" dirty="0"/>
           </a:p>
         </p:txBody>
       </p:sp>
@@ -32693,11 +32892,15 @@
             </a:r>
             <a:r>
               <a:rPr lang="en-US" dirty="0" err="1" smtClean="0"/>
-              <a:t>netdrive</a:t>
-            </a:r>
-            <a:r>
-              <a:rPr lang="en-US" dirty="0" smtClean="0"/>
-              <a:t> or on W10</a:t>
+              <a:t>networkshare</a:t>
+            </a:r>
+            <a:r>
+              <a:rPr lang="en-US" dirty="0" smtClean="0"/>
+              <a:t> on </a:t>
+            </a:r>
+            <a:r>
+              <a:rPr lang="en-US" dirty="0" smtClean="0"/>
+              <a:t>W10</a:t>
             </a:r>
           </a:p>
           <a:p>
@@ -32850,7 +33053,7 @@
           <p:nvPr>
             <p:extLst>
               <p:ext uri="{D42A27DB-BD31-4B8C-83A1-F6EECF244321}">
-                <p14:modId xmlns:p14="http://schemas.microsoft.com/office/powerpoint/2010/main" val="1184472508"/>
+                <p14:modId xmlns:p14="http://schemas.microsoft.com/office/powerpoint/2010/main" val="2939231372"/>
               </p:ext>
             </p:extLst>
           </p:nvPr>
@@ -32924,12 +33127,12 @@
                     <a:lstStyle/>
                     <a:p>
                       <a:r>
-                        <a:rPr lang="en-US" sz="1900" dirty="0" err="1" smtClean="0"/>
-                        <a:t>depricated</a:t>
+                        <a:rPr lang="en-US" sz="1900" dirty="0" smtClean="0"/>
+                        <a:t>deprecated </a:t>
                       </a:r>
                       <a:r>
                         <a:rPr lang="en-US" sz="1900" dirty="0" smtClean="0"/>
-                        <a:t> command:</a:t>
+                        <a:t>command:</a:t>
                       </a:r>
                       <a:r>
                         <a:rPr lang="en-US" sz="1900" baseline="0" dirty="0" smtClean="0"/>
@@ -33212,7 +33415,15 @@
             </a:br>
             <a:r>
               <a:rPr lang="en-US" dirty="0" smtClean="0"/>
-              <a:t>(first TIME and repeat)</a:t>
+              <a:t>(first TIME and </a:t>
+            </a:r>
+            <a:r>
+              <a:rPr lang="en-US" dirty="0" smtClean="0"/>
+              <a:t>NEXT TIME</a:t>
+            </a:r>
+            <a:r>
+              <a:rPr lang="en-US" dirty="0" smtClean="0"/>
+              <a:t>)</a:t>
             </a:r>
             <a:endParaRPr lang="nl-NL" dirty="0"/>
           </a:p>
@@ -33324,7 +33535,7 @@
             <p:ph idx="1"/>
             <p:extLst>
               <p:ext uri="{D42A27DB-BD31-4B8C-83A1-F6EECF244321}">
-                <p14:modId xmlns:p14="http://schemas.microsoft.com/office/powerpoint/2010/main" val="1360803929"/>
+                <p14:modId xmlns:p14="http://schemas.microsoft.com/office/powerpoint/2010/main" val="115051750"/>
               </p:ext>
             </p:extLst>
           </p:nvPr>
@@ -33489,7 +33700,7 @@
                         <a:t>Docker image</a:t>
                       </a:r>
                       <a:r>
-                        <a:rPr lang="en-US" sz="1900" b="1" baseline="0" dirty="0" smtClean="0"/>
+                        <a:rPr lang="en-US" sz="1900" b="0" baseline="0" dirty="0" smtClean="0"/>
                         <a:t>s</a:t>
                       </a:r>
                     </a:p>
@@ -33536,7 +33747,7 @@
                     <a:p>
                       <a:r>
                         <a:rPr lang="en-US" sz="1900" dirty="0" smtClean="0"/>
-                        <a:t>Give </a:t>
+                        <a:t>Returns </a:t>
                       </a:r>
                       <a:r>
                         <a:rPr lang="en-US" sz="1900" dirty="0" err="1" smtClean="0"/>
@@ -33588,7 +33799,11 @@
                     <a:p>
                       <a:r>
                         <a:rPr lang="en-US" sz="1900" dirty="0" smtClean="0"/>
-                        <a:t>Lot information </a:t>
+                        <a:t>Lots of </a:t>
+                      </a:r>
+                      <a:r>
+                        <a:rPr lang="en-US" sz="1900" dirty="0" smtClean="0"/>
+                        <a:t>information </a:t>
                       </a:r>
                       <a:endParaRPr lang="nl-NL" sz="1900" dirty="0"/>
                     </a:p>
@@ -34506,7 +34721,7 @@
         <p:spPr>
           <a:xfrm>
             <a:off x="1127942" y="2999934"/>
-            <a:ext cx="1229632" cy="338554"/>
+            <a:ext cx="1780937" cy="338554"/>
           </a:xfrm>
           <a:prstGeom prst="rect">
             <a:avLst/>
@@ -34523,7 +34738,11 @@
           <a:p>
             <a:r>
               <a:rPr lang="en-US" sz="1600" dirty="0"/>
-              <a:t>Docker build</a:t>
+              <a:t>Docker </a:t>
+            </a:r>
+            <a:r>
+              <a:rPr lang="en-US" sz="1600" dirty="0" smtClean="0"/>
+              <a:t>image build</a:t>
             </a:r>
             <a:endParaRPr lang="nl-NL" sz="1600" dirty="0"/>
           </a:p>
@@ -34651,7 +34870,7 @@
             <p:ph idx="1"/>
             <p:extLst>
               <p:ext uri="{D42A27DB-BD31-4B8C-83A1-F6EECF244321}">
-                <p14:modId xmlns:p14="http://schemas.microsoft.com/office/powerpoint/2010/main" val="872000286"/>
+                <p14:modId xmlns:p14="http://schemas.microsoft.com/office/powerpoint/2010/main" val="1661882622"/>
               </p:ext>
             </p:extLst>
           </p:nvPr>
@@ -34733,7 +34952,15 @@
                       </a:r>
                       <a:r>
                         <a:rPr lang="en-US" sz="1900" baseline="0" dirty="0" smtClean="0"/>
-                        <a:t> all not running containers and used images</a:t>
+                        <a:t> all </a:t>
+                      </a:r>
+                      <a:r>
+                        <a:rPr lang="en-US" sz="1900" baseline="0" dirty="0" smtClean="0"/>
+                        <a:t>stopped containers </a:t>
+                      </a:r>
+                      <a:r>
+                        <a:rPr lang="en-US" sz="1900" baseline="0" dirty="0" smtClean="0"/>
+                        <a:t>and used images</a:t>
                       </a:r>
                       <a:endParaRPr lang="nl-NL" sz="1900" dirty="0"/>
                     </a:p>
@@ -34763,7 +34990,11 @@
                       </a:r>
                       <a:r>
                         <a:rPr lang="en-US" sz="1900" baseline="0" dirty="0" smtClean="0"/>
-                        <a:t> system prune -a</a:t>
+                        <a:t> system prune </a:t>
+                      </a:r>
+                      <a:r>
+                        <a:rPr lang="en-US" sz="1900" baseline="0" dirty="0" smtClean="0"/>
+                        <a:t>–a</a:t>
                       </a:r>
                       <a:endParaRPr lang="nl-NL" sz="1900" dirty="0"/>
                     </a:p>
@@ -34821,6 +35052,14 @@
                     <a:bodyPr/>
                     <a:lstStyle/>
                     <a:p>
+                      <a:r>
+                        <a:rPr lang="en-US" sz="1900" dirty="0" smtClean="0"/>
+                        <a:t>Docker system</a:t>
+                      </a:r>
+                      <a:r>
+                        <a:rPr lang="en-US" sz="1900" baseline="0" dirty="0" smtClean="0"/>
+                        <a:t> </a:t>
+                      </a:r>
                       <a:r>
                         <a:rPr lang="en-US" sz="1900" dirty="0" err="1" smtClean="0"/>
                         <a:t>df</a:t>
@@ -34907,7 +35146,7 @@
                       </a:pPr>
                       <a:r>
                         <a:rPr lang="en-US" sz="1900" dirty="0" smtClean="0"/>
-                        <a:t>events</a:t>
+                        <a:t>Docker system events</a:t>
                       </a:r>
                       <a:endParaRPr lang="nl-NL" sz="1900" dirty="0"/>
                     </a:p>
@@ -34980,7 +35219,7 @@
                       </a:pPr>
                       <a:r>
                         <a:rPr lang="en-US" sz="1900" dirty="0" smtClean="0"/>
-                        <a:t>info</a:t>
+                        <a:t>Docker system info</a:t>
                       </a:r>
                       <a:endParaRPr lang="nl-NL" sz="1900" dirty="0"/>
                     </a:p>
@@ -35192,98 +35431,67 @@
           <a:lstStyle/>
           <a:p>
             <a:r>
-              <a:rPr lang="en-US" dirty="0"/>
+              <a:rPr lang="en-US" dirty="0" smtClean="0"/>
               <a:t>What is on the laptop?</a:t>
             </a:r>
           </a:p>
           <a:p>
             <a:pPr lvl="1"/>
             <a:r>
-              <a:rPr lang="en-US" dirty="0"/>
-              <a:t>Static </a:t>
-            </a:r>
-            <a:r>
-              <a:rPr lang="en-US" dirty="0" smtClean="0"/>
-              <a:t>website</a:t>
+              <a:rPr lang="en-US" dirty="0" smtClean="0"/>
+              <a:t>Static website</a:t>
             </a:r>
           </a:p>
           <a:p>
             <a:pPr marL="265107" lvl="1" indent="0">
               <a:buNone/>
             </a:pPr>
-            <a:endParaRPr lang="en-US" dirty="0"/>
+            <a:endParaRPr lang="en-US" dirty="0" smtClean="0"/>
           </a:p>
           <a:p>
             <a:r>
               <a:rPr lang="en-US" dirty="0" smtClean="0"/>
               <a:t>Build</a:t>
             </a:r>
-            <a:endParaRPr lang="en-US" dirty="0"/>
           </a:p>
           <a:p>
             <a:pPr lvl="1"/>
             <a:r>
               <a:rPr lang="en-US" dirty="0" smtClean="0"/>
-              <a:t>Build </a:t>
-            </a:r>
-            <a:r>
-              <a:rPr lang="en-US" dirty="0"/>
-              <a:t>the image</a:t>
+              <a:t>Build the image</a:t>
             </a:r>
           </a:p>
           <a:p>
             <a:pPr marL="265107" lvl="1" indent="0">
               <a:buNone/>
             </a:pPr>
-            <a:endParaRPr lang="en-US" dirty="0"/>
-          </a:p>
-          <a:p>
-            <a:r>
-              <a:rPr lang="en-US" dirty="0"/>
-              <a:t>Ship </a:t>
-            </a:r>
-            <a:r>
-              <a:rPr lang="en-US" dirty="0" smtClean="0"/>
-              <a:t>–Flow</a:t>
-            </a:r>
-            <a:endParaRPr lang="en-US" dirty="0"/>
+            <a:endParaRPr lang="en-US" dirty="0" smtClean="0"/>
+          </a:p>
+          <a:p>
+            <a:r>
+              <a:rPr lang="en-US" dirty="0" smtClean="0"/>
+              <a:t>Ship –Flow</a:t>
+            </a:r>
           </a:p>
           <a:p>
             <a:pPr lvl="1"/>
             <a:r>
               <a:rPr lang="en-US" dirty="0" smtClean="0"/>
-              <a:t>Push </a:t>
-            </a:r>
-            <a:r>
-              <a:rPr lang="en-US" dirty="0"/>
-              <a:t>to Docker Hub / Docker </a:t>
-            </a:r>
-            <a:r>
-              <a:rPr lang="en-US" dirty="0" smtClean="0"/>
-              <a:t>Store</a:t>
+              <a:t>Push to Docker Hub / Docker Store</a:t>
             </a:r>
           </a:p>
           <a:p>
             <a:pPr lvl="1"/>
             <a:r>
               <a:rPr lang="en-US" dirty="0" smtClean="0"/>
-              <a:t>Pull from </a:t>
-            </a:r>
-            <a:r>
-              <a:rPr lang="en-US" dirty="0"/>
-              <a:t>Docker Hub / Docker </a:t>
-            </a:r>
-            <a:r>
-              <a:rPr lang="en-US" dirty="0" smtClean="0"/>
-              <a:t>Store</a:t>
-            </a:r>
-            <a:endParaRPr lang="en-US" dirty="0"/>
+              <a:t>Pull from Docker Hub / Docker Store</a:t>
+            </a:r>
           </a:p>
           <a:p>
             <a:pPr marL="265107" lvl="1" indent="0">
               <a:buNone/>
             </a:pPr>
-            <a:endParaRPr lang="en-US" dirty="0"/>
+            <a:endParaRPr lang="en-US" dirty="0" smtClean="0"/>
           </a:p>
           <a:p>
             <a:r>
@@ -35294,12 +35502,8 @@
           <a:p>
             <a:pPr lvl="1"/>
             <a:r>
-              <a:rPr lang="en-US" dirty="0"/>
-              <a:t>Run on </a:t>
-            </a:r>
-            <a:r>
-              <a:rPr lang="en-US" dirty="0" smtClean="0"/>
-              <a:t>Laptop</a:t>
+              <a:rPr lang="en-US" dirty="0" smtClean="0"/>
+              <a:t>Run on Laptop</a:t>
             </a:r>
           </a:p>
           <a:p>
@@ -35308,7 +35512,6 @@
               <a:rPr lang="en-US" dirty="0" smtClean="0"/>
               <a:t>Run on Azure host</a:t>
             </a:r>
-            <a:endParaRPr lang="en-US" dirty="0"/>
           </a:p>
           <a:p>
             <a:pPr lvl="1"/>
@@ -35365,12 +35568,12 @@
       </p:grpSpPr>
       <p:sp>
         <p:nvSpPr>
-          <p:cNvPr id="2" name="Content Placeholder 1"/>
+          <p:cNvPr id="6" name="Title 5"/>
           <p:cNvSpPr>
             <a:spLocks noGrp="1"/>
           </p:cNvSpPr>
           <p:nvPr>
-            <p:ph idx="1"/>
+            <p:ph type="ctrTitle"/>
           </p:nvPr>
         </p:nvSpPr>
         <p:spPr/>
@@ -35378,32 +35581,9 @@
           <a:bodyPr/>
           <a:lstStyle/>
           <a:p>
-            <a:endParaRPr lang="nl-NL"/>
-          </a:p>
-        </p:txBody>
-      </p:sp>
-      <p:sp>
-        <p:nvSpPr>
-          <p:cNvPr id="3" name="Title 2"/>
-          <p:cNvSpPr>
-            <a:spLocks noGrp="1"/>
-          </p:cNvSpPr>
-          <p:nvPr>
-            <p:ph type="title"/>
-          </p:nvPr>
-        </p:nvSpPr>
-        <p:spPr/>
-        <p:txBody>
-          <a:bodyPr/>
-          <a:lstStyle/>
-          <a:p>
-            <a:r>
-              <a:rPr lang="en-US" dirty="0" smtClean="0"/>
-              <a:t>LAB: </a:t>
-            </a:r>
-            <a:r>
-              <a:rPr lang="en-US" dirty="0" err="1" smtClean="0"/>
-              <a:t>MICROservices</a:t>
+            <a:r>
+              <a:rPr lang="en-US" dirty="0" smtClean="0"/>
+              <a:t>Other LABS</a:t>
             </a:r>
             <a:endParaRPr lang="nl-NL" dirty="0"/>
           </a:p>
@@ -35412,7 +35592,7 @@
     </p:spTree>
     <p:extLst>
       <p:ext uri="{BB962C8B-B14F-4D97-AF65-F5344CB8AC3E}">
-        <p14:creationId xmlns:p14="http://schemas.microsoft.com/office/powerpoint/2010/main" val="2602239213"/>
+        <p14:creationId xmlns:p14="http://schemas.microsoft.com/office/powerpoint/2010/main" val="774089264"/>
       </p:ext>
     </p:extLst>
   </p:cSld>
@@ -35936,1403 +36116,6 @@
     <p:extLst>
       <p:ext uri="{BB962C8B-B14F-4D97-AF65-F5344CB8AC3E}">
         <p14:creationId xmlns:p14="http://schemas.microsoft.com/office/powerpoint/2010/main" val="4094036678"/>
-      </p:ext>
-    </p:extLst>
-  </p:cSld>
-  <p:clrMapOvr>
-    <a:masterClrMapping/>
-  </p:clrMapOvr>
-  <p:timing>
-    <p:tnLst>
-      <p:par>
-        <p:cTn id="1" dur="indefinite" restart="never" nodeType="tmRoot"/>
-      </p:par>
-    </p:tnLst>
-  </p:timing>
-</p:sld>
-</file>
-
-<file path=ppt/slides/slide87.xml><?xml version="1.0" encoding="utf-8"?>
-<p:sld xmlns:a="http://schemas.openxmlformats.org/drawingml/2006/main" xmlns:r="http://schemas.openxmlformats.org/officeDocument/2006/relationships" xmlns:p="http://schemas.openxmlformats.org/presentationml/2006/main">
-  <p:cSld>
-    <p:spTree>
-      <p:nvGrpSpPr>
-        <p:cNvPr id="1" name=""/>
-        <p:cNvGrpSpPr/>
-        <p:nvPr/>
-      </p:nvGrpSpPr>
-      <p:grpSpPr>
-        <a:xfrm>
-          <a:off x="0" y="0"/>
-          <a:ext cx="0" cy="0"/>
-          <a:chOff x="0" y="0"/>
-          <a:chExt cx="0" cy="0"/>
-        </a:xfrm>
-      </p:grpSpPr>
-      <p:sp>
-        <p:nvSpPr>
-          <p:cNvPr id="6" name="Title 5"/>
-          <p:cNvSpPr>
-            <a:spLocks noGrp="1"/>
-          </p:cNvSpPr>
-          <p:nvPr>
-            <p:ph type="ctrTitle"/>
-          </p:nvPr>
-        </p:nvSpPr>
-        <p:spPr/>
-        <p:txBody>
-          <a:bodyPr/>
-          <a:lstStyle/>
-          <a:p>
-            <a:r>
-              <a:rPr lang="en-US" dirty="0" smtClean="0"/>
-              <a:t>Old</a:t>
-            </a:r>
-            <a:endParaRPr lang="nl-NL" dirty="0"/>
-          </a:p>
-        </p:txBody>
-      </p:sp>
-    </p:spTree>
-    <p:extLst>
-      <p:ext uri="{BB962C8B-B14F-4D97-AF65-F5344CB8AC3E}">
-        <p14:creationId xmlns:p14="http://schemas.microsoft.com/office/powerpoint/2010/main" val="774089264"/>
-      </p:ext>
-    </p:extLst>
-  </p:cSld>
-  <p:clrMapOvr>
-    <a:masterClrMapping/>
-  </p:clrMapOvr>
-  <p:timing>
-    <p:tnLst>
-      <p:par>
-        <p:cTn id="1" dur="indefinite" restart="never" nodeType="tmRoot"/>
-      </p:par>
-    </p:tnLst>
-  </p:timing>
-</p:sld>
-</file>
-
-<file path=ppt/slides/slide88.xml><?xml version="1.0" encoding="utf-8"?>
-<p:sld xmlns:a="http://schemas.openxmlformats.org/drawingml/2006/main" xmlns:r="http://schemas.openxmlformats.org/officeDocument/2006/relationships" xmlns:p="http://schemas.openxmlformats.org/presentationml/2006/main">
-  <p:cSld>
-    <p:spTree>
-      <p:nvGrpSpPr>
-        <p:cNvPr id="1" name=""/>
-        <p:cNvGrpSpPr/>
-        <p:nvPr/>
-      </p:nvGrpSpPr>
-      <p:grpSpPr>
-        <a:xfrm>
-          <a:off x="0" y="0"/>
-          <a:ext cx="0" cy="0"/>
-          <a:chOff x="0" y="0"/>
-          <a:chExt cx="0" cy="0"/>
-        </a:xfrm>
-      </p:grpSpPr>
-      <p:sp>
-        <p:nvSpPr>
-          <p:cNvPr id="2" name="Title 1"/>
-          <p:cNvSpPr>
-            <a:spLocks noGrp="1"/>
-          </p:cNvSpPr>
-          <p:nvPr>
-            <p:ph type="title"/>
-          </p:nvPr>
-        </p:nvSpPr>
-        <p:spPr>
-          <a:xfrm>
-            <a:off x="617539" y="473078"/>
-            <a:ext cx="8163164" cy="822443"/>
-          </a:xfrm>
-        </p:spPr>
-        <p:txBody>
-          <a:bodyPr/>
-          <a:lstStyle/>
-          <a:p>
-            <a:r>
-              <a:rPr lang="en-US" dirty="0" smtClean="0"/>
-              <a:t>Course overview</a:t>
-            </a:r>
-            <a:endParaRPr lang="nl-NL" dirty="0"/>
-          </a:p>
-        </p:txBody>
-      </p:sp>
-      <p:sp>
-        <p:nvSpPr>
-          <p:cNvPr id="6" name="Rectangle 5"/>
-          <p:cNvSpPr/>
-          <p:nvPr/>
-        </p:nvSpPr>
-        <p:spPr>
-          <a:xfrm>
-            <a:off x="1446664" y="2033519"/>
-            <a:ext cx="1528549" cy="409433"/>
-          </a:xfrm>
-          <a:prstGeom prst="rect">
-            <a:avLst/>
-          </a:prstGeom>
-          <a:solidFill>
-            <a:srgbClr val="92D050"/>
-          </a:solidFill>
-          <a:ln w="12700"/>
-        </p:spPr>
-        <p:style>
-          <a:lnRef idx="2">
-            <a:schemeClr val="accent1">
-              <a:shade val="50000"/>
-            </a:schemeClr>
-          </a:lnRef>
-          <a:fillRef idx="1">
-            <a:schemeClr val="accent1"/>
-          </a:fillRef>
-          <a:effectRef idx="0">
-            <a:schemeClr val="accent1"/>
-          </a:effectRef>
-          <a:fontRef idx="minor">
-            <a:schemeClr val="lt1"/>
-          </a:fontRef>
-        </p:style>
-        <p:txBody>
-          <a:bodyPr rtlCol="0" anchor="ctr"/>
-          <a:lstStyle/>
-          <a:p>
-            <a:pPr algn="ctr"/>
-            <a:r>
-              <a:rPr lang="en-US" dirty="0" err="1">
-                <a:solidFill>
-                  <a:schemeClr val="tx1"/>
-                </a:solidFill>
-              </a:rPr>
-              <a:t>Microservices</a:t>
-            </a:r>
-            <a:endParaRPr lang="nl-NL" dirty="0">
-              <a:solidFill>
-                <a:schemeClr val="tx1"/>
-              </a:solidFill>
-            </a:endParaRPr>
-          </a:p>
-        </p:txBody>
-      </p:sp>
-      <p:sp>
-        <p:nvSpPr>
-          <p:cNvPr id="7" name="Rectangle 6"/>
-          <p:cNvSpPr/>
-          <p:nvPr/>
-        </p:nvSpPr>
-        <p:spPr>
-          <a:xfrm>
-            <a:off x="2975213" y="2033515"/>
-            <a:ext cx="1528549" cy="409433"/>
-          </a:xfrm>
-          <a:prstGeom prst="rect">
-            <a:avLst/>
-          </a:prstGeom>
-          <a:solidFill>
-            <a:srgbClr val="92D050"/>
-          </a:solidFill>
-          <a:ln w="12700"/>
-        </p:spPr>
-        <p:style>
-          <a:lnRef idx="2">
-            <a:schemeClr val="accent1">
-              <a:shade val="50000"/>
-            </a:schemeClr>
-          </a:lnRef>
-          <a:fillRef idx="1">
-            <a:schemeClr val="accent1"/>
-          </a:fillRef>
-          <a:effectRef idx="0">
-            <a:schemeClr val="accent1"/>
-          </a:effectRef>
-          <a:fontRef idx="minor">
-            <a:schemeClr val="lt1"/>
-          </a:fontRef>
-        </p:style>
-        <p:txBody>
-          <a:bodyPr rtlCol="0" anchor="ctr"/>
-          <a:lstStyle/>
-          <a:p>
-            <a:pPr algn="ctr"/>
-            <a:r>
-              <a:rPr lang="en-US" dirty="0">
-                <a:solidFill>
-                  <a:schemeClr val="tx1"/>
-                </a:solidFill>
-              </a:rPr>
-              <a:t>Docker</a:t>
-            </a:r>
-            <a:endParaRPr lang="nl-NL" dirty="0">
-              <a:solidFill>
-                <a:schemeClr val="tx1"/>
-              </a:solidFill>
-            </a:endParaRPr>
-          </a:p>
-        </p:txBody>
-      </p:sp>
-      <p:sp>
-        <p:nvSpPr>
-          <p:cNvPr id="8" name="Rectangle 7"/>
-          <p:cNvSpPr/>
-          <p:nvPr/>
-        </p:nvSpPr>
-        <p:spPr>
-          <a:xfrm>
-            <a:off x="439002" y="2595354"/>
-            <a:ext cx="502695" cy="409433"/>
-          </a:xfrm>
-          <a:prstGeom prst="rect">
-            <a:avLst/>
-          </a:prstGeom>
-          <a:solidFill>
-            <a:srgbClr val="92D050"/>
-          </a:solidFill>
-          <a:ln w="12700"/>
-        </p:spPr>
-        <p:style>
-          <a:lnRef idx="2">
-            <a:schemeClr val="accent1">
-              <a:shade val="50000"/>
-            </a:schemeClr>
-          </a:lnRef>
-          <a:fillRef idx="1">
-            <a:schemeClr val="accent1"/>
-          </a:fillRef>
-          <a:effectRef idx="0">
-            <a:schemeClr val="accent1"/>
-          </a:effectRef>
-          <a:fontRef idx="minor">
-            <a:schemeClr val="lt1"/>
-          </a:fontRef>
-        </p:style>
-        <p:txBody>
-          <a:bodyPr rtlCol="0" anchor="ctr"/>
-          <a:lstStyle/>
-          <a:p>
-            <a:pPr algn="ctr"/>
-            <a:r>
-              <a:rPr lang="en-US" dirty="0">
-                <a:solidFill>
-                  <a:schemeClr val="tx1"/>
-                </a:solidFill>
-              </a:rPr>
-              <a:t>1</a:t>
-            </a:r>
-            <a:endParaRPr lang="nl-NL" dirty="0">
-              <a:solidFill>
-                <a:schemeClr val="tx1"/>
-              </a:solidFill>
-            </a:endParaRPr>
-          </a:p>
-        </p:txBody>
-      </p:sp>
-      <p:sp>
-        <p:nvSpPr>
-          <p:cNvPr id="9" name="Rectangle 8"/>
-          <p:cNvSpPr/>
-          <p:nvPr/>
-        </p:nvSpPr>
-        <p:spPr>
-          <a:xfrm>
-            <a:off x="1435286" y="2581706"/>
-            <a:ext cx="3068475" cy="409433"/>
-          </a:xfrm>
-          <a:prstGeom prst="rect">
-            <a:avLst/>
-          </a:prstGeom>
-          <a:solidFill>
-            <a:srgbClr val="92D050"/>
-          </a:solidFill>
-          <a:ln w="12700"/>
-        </p:spPr>
-        <p:style>
-          <a:lnRef idx="2">
-            <a:schemeClr val="accent1">
-              <a:shade val="50000"/>
-            </a:schemeClr>
-          </a:lnRef>
-          <a:fillRef idx="1">
-            <a:schemeClr val="accent1"/>
-          </a:fillRef>
-          <a:effectRef idx="0">
-            <a:schemeClr val="accent1"/>
-          </a:effectRef>
-          <a:fontRef idx="minor">
-            <a:schemeClr val="lt1"/>
-          </a:fontRef>
-        </p:style>
-        <p:txBody>
-          <a:bodyPr rtlCol="0" anchor="ctr"/>
-          <a:lstStyle/>
-          <a:p>
-            <a:pPr algn="ctr"/>
-            <a:r>
-              <a:rPr lang="en-US" dirty="0">
-                <a:solidFill>
-                  <a:schemeClr val="tx1"/>
-                </a:solidFill>
-              </a:rPr>
-              <a:t>Introduction</a:t>
-            </a:r>
-            <a:endParaRPr lang="nl-NL" dirty="0">
-              <a:solidFill>
-                <a:schemeClr val="tx1"/>
-              </a:solidFill>
-            </a:endParaRPr>
-          </a:p>
-        </p:txBody>
-      </p:sp>
-      <p:sp>
-        <p:nvSpPr>
-          <p:cNvPr id="10" name="Rectangle 9"/>
-          <p:cNvSpPr/>
-          <p:nvPr/>
-        </p:nvSpPr>
-        <p:spPr>
-          <a:xfrm>
-            <a:off x="427626" y="4876809"/>
-            <a:ext cx="502695" cy="409433"/>
-          </a:xfrm>
-          <a:prstGeom prst="rect">
-            <a:avLst/>
-          </a:prstGeom>
-          <a:solidFill>
-            <a:srgbClr val="92D050"/>
-          </a:solidFill>
-          <a:ln w="12700"/>
-        </p:spPr>
-        <p:style>
-          <a:lnRef idx="2">
-            <a:schemeClr val="accent1">
-              <a:shade val="50000"/>
-            </a:schemeClr>
-          </a:lnRef>
-          <a:fillRef idx="1">
-            <a:schemeClr val="accent1"/>
-          </a:fillRef>
-          <a:effectRef idx="0">
-            <a:schemeClr val="accent1"/>
-          </a:effectRef>
-          <a:fontRef idx="minor">
-            <a:schemeClr val="lt1"/>
-          </a:fontRef>
-        </p:style>
-        <p:txBody>
-          <a:bodyPr rtlCol="0" anchor="ctr"/>
-          <a:lstStyle/>
-          <a:p>
-            <a:pPr algn="ctr"/>
-            <a:r>
-              <a:rPr lang="en-US" dirty="0">
-                <a:solidFill>
-                  <a:schemeClr val="tx1"/>
-                </a:solidFill>
-              </a:rPr>
-              <a:t>5</a:t>
-            </a:r>
-            <a:endParaRPr lang="nl-NL" dirty="0">
-              <a:solidFill>
-                <a:schemeClr val="tx1"/>
-              </a:solidFill>
-            </a:endParaRPr>
-          </a:p>
-        </p:txBody>
-      </p:sp>
-      <p:sp>
-        <p:nvSpPr>
-          <p:cNvPr id="11" name="Rectangle 10"/>
-          <p:cNvSpPr/>
-          <p:nvPr/>
-        </p:nvSpPr>
-        <p:spPr>
-          <a:xfrm>
-            <a:off x="1423910" y="4863161"/>
-            <a:ext cx="3068475" cy="409433"/>
-          </a:xfrm>
-          <a:prstGeom prst="rect">
-            <a:avLst/>
-          </a:prstGeom>
-          <a:solidFill>
-            <a:srgbClr val="92D050"/>
-          </a:solidFill>
-          <a:ln w="12700"/>
-        </p:spPr>
-        <p:style>
-          <a:lnRef idx="2">
-            <a:schemeClr val="accent1">
-              <a:shade val="50000"/>
-            </a:schemeClr>
-          </a:lnRef>
-          <a:fillRef idx="1">
-            <a:schemeClr val="accent1"/>
-          </a:fillRef>
-          <a:effectRef idx="0">
-            <a:schemeClr val="accent1"/>
-          </a:effectRef>
-          <a:fontRef idx="minor">
-            <a:schemeClr val="lt1"/>
-          </a:fontRef>
-        </p:style>
-        <p:txBody>
-          <a:bodyPr rtlCol="0" anchor="ctr"/>
-          <a:lstStyle/>
-          <a:p>
-            <a:pPr algn="ctr"/>
-            <a:r>
-              <a:rPr lang="en-US" dirty="0">
-                <a:solidFill>
-                  <a:schemeClr val="tx1"/>
-                </a:solidFill>
-              </a:rPr>
-              <a:t>Wrap-up &amp; queries</a:t>
-            </a:r>
-            <a:endParaRPr lang="nl-NL" dirty="0">
-              <a:solidFill>
-                <a:schemeClr val="tx1"/>
-              </a:solidFill>
-            </a:endParaRPr>
-          </a:p>
-        </p:txBody>
-      </p:sp>
-      <p:sp>
-        <p:nvSpPr>
-          <p:cNvPr id="13" name="Rectangle 12"/>
-          <p:cNvSpPr/>
-          <p:nvPr/>
-        </p:nvSpPr>
-        <p:spPr>
-          <a:xfrm>
-            <a:off x="441274" y="3102595"/>
-            <a:ext cx="502695" cy="409433"/>
-          </a:xfrm>
-          <a:prstGeom prst="rect">
-            <a:avLst/>
-          </a:prstGeom>
-          <a:solidFill>
-            <a:srgbClr val="92D050"/>
-          </a:solidFill>
-          <a:ln w="12700"/>
-        </p:spPr>
-        <p:style>
-          <a:lnRef idx="2">
-            <a:schemeClr val="accent1">
-              <a:shade val="50000"/>
-            </a:schemeClr>
-          </a:lnRef>
-          <a:fillRef idx="1">
-            <a:schemeClr val="accent1"/>
-          </a:fillRef>
-          <a:effectRef idx="0">
-            <a:schemeClr val="accent1"/>
-          </a:effectRef>
-          <a:fontRef idx="minor">
-            <a:schemeClr val="lt1"/>
-          </a:fontRef>
-        </p:style>
-        <p:txBody>
-          <a:bodyPr rtlCol="0" anchor="ctr"/>
-          <a:lstStyle/>
-          <a:p>
-            <a:pPr algn="ctr"/>
-            <a:r>
-              <a:rPr lang="en-US" dirty="0">
-                <a:solidFill>
-                  <a:schemeClr val="tx1"/>
-                </a:solidFill>
-              </a:rPr>
-              <a:t>2</a:t>
-            </a:r>
-            <a:endParaRPr lang="nl-NL" dirty="0">
-              <a:solidFill>
-                <a:schemeClr val="tx1"/>
-              </a:solidFill>
-            </a:endParaRPr>
-          </a:p>
-        </p:txBody>
-      </p:sp>
-      <p:sp>
-        <p:nvSpPr>
-          <p:cNvPr id="14" name="Rectangle 13"/>
-          <p:cNvSpPr/>
-          <p:nvPr/>
-        </p:nvSpPr>
-        <p:spPr>
-          <a:xfrm>
-            <a:off x="1437560" y="3088947"/>
-            <a:ext cx="1537653" cy="409433"/>
-          </a:xfrm>
-          <a:prstGeom prst="rect">
-            <a:avLst/>
-          </a:prstGeom>
-          <a:solidFill>
-            <a:srgbClr val="92D050"/>
-          </a:solidFill>
-          <a:ln w="12700"/>
-        </p:spPr>
-        <p:style>
-          <a:lnRef idx="2">
-            <a:schemeClr val="accent1">
-              <a:shade val="50000"/>
-            </a:schemeClr>
-          </a:lnRef>
-          <a:fillRef idx="1">
-            <a:schemeClr val="accent1"/>
-          </a:fillRef>
-          <a:effectRef idx="0">
-            <a:schemeClr val="accent1"/>
-          </a:effectRef>
-          <a:fontRef idx="minor">
-            <a:schemeClr val="lt1"/>
-          </a:fontRef>
-        </p:style>
-        <p:txBody>
-          <a:bodyPr rtlCol="0" anchor="ctr"/>
-          <a:lstStyle/>
-          <a:p>
-            <a:pPr algn="ctr"/>
-            <a:r>
-              <a:rPr lang="en-US" dirty="0">
-                <a:solidFill>
-                  <a:schemeClr val="tx1"/>
-                </a:solidFill>
-              </a:rPr>
-              <a:t>MS 101</a:t>
-            </a:r>
-            <a:endParaRPr lang="nl-NL" dirty="0">
-              <a:solidFill>
-                <a:schemeClr val="tx1"/>
-              </a:solidFill>
-            </a:endParaRPr>
-          </a:p>
-        </p:txBody>
-      </p:sp>
-      <p:sp>
-        <p:nvSpPr>
-          <p:cNvPr id="15" name="Rectangle 14"/>
-          <p:cNvSpPr/>
-          <p:nvPr/>
-        </p:nvSpPr>
-        <p:spPr>
-          <a:xfrm>
-            <a:off x="443546" y="3568897"/>
-            <a:ext cx="502695" cy="409433"/>
-          </a:xfrm>
-          <a:prstGeom prst="rect">
-            <a:avLst/>
-          </a:prstGeom>
-          <a:solidFill>
-            <a:srgbClr val="92D050"/>
-          </a:solidFill>
-          <a:ln w="12700"/>
-        </p:spPr>
-        <p:style>
-          <a:lnRef idx="2">
-            <a:schemeClr val="accent1">
-              <a:shade val="50000"/>
-            </a:schemeClr>
-          </a:lnRef>
-          <a:fillRef idx="1">
-            <a:schemeClr val="accent1"/>
-          </a:fillRef>
-          <a:effectRef idx="0">
-            <a:schemeClr val="accent1"/>
-          </a:effectRef>
-          <a:fontRef idx="minor">
-            <a:schemeClr val="lt1"/>
-          </a:fontRef>
-        </p:style>
-        <p:txBody>
-          <a:bodyPr rtlCol="0" anchor="ctr"/>
-          <a:lstStyle/>
-          <a:p>
-            <a:pPr algn="ctr"/>
-            <a:r>
-              <a:rPr lang="en-US" dirty="0">
-                <a:solidFill>
-                  <a:schemeClr val="tx1"/>
-                </a:solidFill>
-              </a:rPr>
-              <a:t>3</a:t>
-            </a:r>
-            <a:endParaRPr lang="nl-NL" dirty="0">
-              <a:solidFill>
-                <a:schemeClr val="tx1"/>
-              </a:solidFill>
-            </a:endParaRPr>
-          </a:p>
-        </p:txBody>
-      </p:sp>
-      <p:sp>
-        <p:nvSpPr>
-          <p:cNvPr id="16" name="Rectangle 15"/>
-          <p:cNvSpPr/>
-          <p:nvPr/>
-        </p:nvSpPr>
-        <p:spPr>
-          <a:xfrm>
-            <a:off x="2982032" y="3555249"/>
-            <a:ext cx="1537653" cy="409433"/>
-          </a:xfrm>
-          <a:prstGeom prst="rect">
-            <a:avLst/>
-          </a:prstGeom>
-          <a:solidFill>
-            <a:srgbClr val="92D050"/>
-          </a:solidFill>
-          <a:ln w="12700"/>
-        </p:spPr>
-        <p:style>
-          <a:lnRef idx="2">
-            <a:schemeClr val="accent1">
-              <a:shade val="50000"/>
-            </a:schemeClr>
-          </a:lnRef>
-          <a:fillRef idx="1">
-            <a:schemeClr val="accent1"/>
-          </a:fillRef>
-          <a:effectRef idx="0">
-            <a:schemeClr val="accent1"/>
-          </a:effectRef>
-          <a:fontRef idx="minor">
-            <a:schemeClr val="lt1"/>
-          </a:fontRef>
-        </p:style>
-        <p:txBody>
-          <a:bodyPr rtlCol="0" anchor="ctr"/>
-          <a:lstStyle/>
-          <a:p>
-            <a:pPr algn="ctr"/>
-            <a:r>
-              <a:rPr lang="en-US" dirty="0">
-                <a:solidFill>
-                  <a:schemeClr val="tx1"/>
-                </a:solidFill>
-              </a:rPr>
-              <a:t>Docker 101</a:t>
-            </a:r>
-            <a:endParaRPr lang="nl-NL" dirty="0">
-              <a:solidFill>
-                <a:schemeClr val="tx1"/>
-              </a:solidFill>
-            </a:endParaRPr>
-          </a:p>
-        </p:txBody>
-      </p:sp>
-      <p:sp>
-        <p:nvSpPr>
-          <p:cNvPr id="17" name="Rectangle 16"/>
-          <p:cNvSpPr/>
-          <p:nvPr/>
-        </p:nvSpPr>
-        <p:spPr>
-          <a:xfrm>
-            <a:off x="418522" y="4376391"/>
-            <a:ext cx="502695" cy="409433"/>
-          </a:xfrm>
-          <a:prstGeom prst="rect">
-            <a:avLst/>
-          </a:prstGeom>
-          <a:solidFill>
-            <a:srgbClr val="92D050"/>
-          </a:solidFill>
-          <a:ln w="12700"/>
-        </p:spPr>
-        <p:style>
-          <a:lnRef idx="2">
-            <a:schemeClr val="accent1">
-              <a:shade val="50000"/>
-            </a:schemeClr>
-          </a:lnRef>
-          <a:fillRef idx="1">
-            <a:schemeClr val="accent1"/>
-          </a:fillRef>
-          <a:effectRef idx="0">
-            <a:schemeClr val="accent1"/>
-          </a:effectRef>
-          <a:fontRef idx="minor">
-            <a:schemeClr val="lt1"/>
-          </a:fontRef>
-        </p:style>
-        <p:txBody>
-          <a:bodyPr rtlCol="0" anchor="ctr"/>
-          <a:lstStyle/>
-          <a:p>
-            <a:pPr algn="ctr"/>
-            <a:r>
-              <a:rPr lang="en-US" dirty="0">
-                <a:solidFill>
-                  <a:schemeClr val="tx1"/>
-                </a:solidFill>
-              </a:rPr>
-              <a:t>4</a:t>
-            </a:r>
-            <a:endParaRPr lang="nl-NL" dirty="0">
-              <a:solidFill>
-                <a:schemeClr val="tx1"/>
-              </a:solidFill>
-            </a:endParaRPr>
-          </a:p>
-        </p:txBody>
-      </p:sp>
-      <p:sp>
-        <p:nvSpPr>
-          <p:cNvPr id="18" name="Rectangle 17"/>
-          <p:cNvSpPr/>
-          <p:nvPr/>
-        </p:nvSpPr>
-        <p:spPr>
-          <a:xfrm>
-            <a:off x="1423912" y="4362743"/>
-            <a:ext cx="3070749" cy="409433"/>
-          </a:xfrm>
-          <a:prstGeom prst="rect">
-            <a:avLst/>
-          </a:prstGeom>
-          <a:solidFill>
-            <a:srgbClr val="92D050"/>
-          </a:solidFill>
-          <a:ln w="12700"/>
-        </p:spPr>
-        <p:style>
-          <a:lnRef idx="2">
-            <a:schemeClr val="accent1">
-              <a:shade val="50000"/>
-            </a:schemeClr>
-          </a:lnRef>
-          <a:fillRef idx="1">
-            <a:schemeClr val="accent1"/>
-          </a:fillRef>
-          <a:effectRef idx="0">
-            <a:schemeClr val="accent1"/>
-          </a:effectRef>
-          <a:fontRef idx="minor">
-            <a:schemeClr val="lt1"/>
-          </a:fontRef>
-        </p:style>
-        <p:txBody>
-          <a:bodyPr rtlCol="0" anchor="ctr"/>
-          <a:lstStyle/>
-          <a:p>
-            <a:pPr algn="ctr"/>
-            <a:r>
-              <a:rPr lang="en-US" dirty="0" smtClean="0">
-                <a:solidFill>
-                  <a:schemeClr val="tx1"/>
-                </a:solidFill>
-              </a:rPr>
-              <a:t>Workshop</a:t>
-            </a:r>
-            <a:endParaRPr lang="nl-NL" dirty="0">
-              <a:solidFill>
-                <a:schemeClr val="tx1"/>
-              </a:solidFill>
-            </a:endParaRPr>
-          </a:p>
-        </p:txBody>
-      </p:sp>
-      <p:sp>
-        <p:nvSpPr>
-          <p:cNvPr id="19" name="Rectangle 18"/>
-          <p:cNvSpPr/>
-          <p:nvPr/>
-        </p:nvSpPr>
-        <p:spPr>
-          <a:xfrm>
-            <a:off x="5461385" y="2035791"/>
-            <a:ext cx="1528549" cy="409433"/>
-          </a:xfrm>
-          <a:prstGeom prst="rect">
-            <a:avLst/>
-          </a:prstGeom>
-          <a:solidFill>
-            <a:srgbClr val="92D050"/>
-          </a:solidFill>
-          <a:ln w="12700"/>
-        </p:spPr>
-        <p:style>
-          <a:lnRef idx="2">
-            <a:schemeClr val="accent1">
-              <a:shade val="50000"/>
-            </a:schemeClr>
-          </a:lnRef>
-          <a:fillRef idx="1">
-            <a:schemeClr val="accent1"/>
-          </a:fillRef>
-          <a:effectRef idx="0">
-            <a:schemeClr val="accent1"/>
-          </a:effectRef>
-          <a:fontRef idx="minor">
-            <a:schemeClr val="lt1"/>
-          </a:fontRef>
-        </p:style>
-        <p:txBody>
-          <a:bodyPr rtlCol="0" anchor="ctr"/>
-          <a:lstStyle/>
-          <a:p>
-            <a:pPr algn="ctr"/>
-            <a:r>
-              <a:rPr lang="en-US" dirty="0" err="1">
-                <a:solidFill>
-                  <a:schemeClr val="tx1"/>
-                </a:solidFill>
-              </a:rPr>
-              <a:t>Microservices</a:t>
-            </a:r>
-            <a:endParaRPr lang="nl-NL" dirty="0">
-              <a:solidFill>
-                <a:schemeClr val="tx1"/>
-              </a:solidFill>
-            </a:endParaRPr>
-          </a:p>
-        </p:txBody>
-      </p:sp>
-      <p:sp>
-        <p:nvSpPr>
-          <p:cNvPr id="20" name="Rectangle 19"/>
-          <p:cNvSpPr/>
-          <p:nvPr/>
-        </p:nvSpPr>
-        <p:spPr>
-          <a:xfrm>
-            <a:off x="6989935" y="2035787"/>
-            <a:ext cx="1528549" cy="409433"/>
-          </a:xfrm>
-          <a:prstGeom prst="rect">
-            <a:avLst/>
-          </a:prstGeom>
-          <a:solidFill>
-            <a:srgbClr val="92D050"/>
-          </a:solidFill>
-          <a:ln w="12700"/>
-        </p:spPr>
-        <p:style>
-          <a:lnRef idx="2">
-            <a:schemeClr val="accent1">
-              <a:shade val="50000"/>
-            </a:schemeClr>
-          </a:lnRef>
-          <a:fillRef idx="1">
-            <a:schemeClr val="accent1"/>
-          </a:fillRef>
-          <a:effectRef idx="0">
-            <a:schemeClr val="accent1"/>
-          </a:effectRef>
-          <a:fontRef idx="minor">
-            <a:schemeClr val="lt1"/>
-          </a:fontRef>
-        </p:style>
-        <p:txBody>
-          <a:bodyPr rtlCol="0" anchor="ctr"/>
-          <a:lstStyle/>
-          <a:p>
-            <a:pPr algn="ctr"/>
-            <a:r>
-              <a:rPr lang="en-US" dirty="0">
-                <a:solidFill>
-                  <a:schemeClr val="tx1"/>
-                </a:solidFill>
-              </a:rPr>
-              <a:t>Docker</a:t>
-            </a:r>
-            <a:endParaRPr lang="nl-NL" dirty="0">
-              <a:solidFill>
-                <a:schemeClr val="tx1"/>
-              </a:solidFill>
-            </a:endParaRPr>
-          </a:p>
-        </p:txBody>
-      </p:sp>
-      <p:sp>
-        <p:nvSpPr>
-          <p:cNvPr id="22" name="Rectangle 21"/>
-          <p:cNvSpPr/>
-          <p:nvPr/>
-        </p:nvSpPr>
-        <p:spPr>
-          <a:xfrm>
-            <a:off x="5450008" y="2583978"/>
-            <a:ext cx="3068475" cy="409433"/>
-          </a:xfrm>
-          <a:prstGeom prst="rect">
-            <a:avLst/>
-          </a:prstGeom>
-          <a:solidFill>
-            <a:srgbClr val="92D050"/>
-          </a:solidFill>
-          <a:ln w="12700"/>
-        </p:spPr>
-        <p:style>
-          <a:lnRef idx="2">
-            <a:schemeClr val="accent1">
-              <a:shade val="50000"/>
-            </a:schemeClr>
-          </a:lnRef>
-          <a:fillRef idx="1">
-            <a:schemeClr val="accent1"/>
-          </a:fillRef>
-          <a:effectRef idx="0">
-            <a:schemeClr val="accent1"/>
-          </a:effectRef>
-          <a:fontRef idx="minor">
-            <a:schemeClr val="lt1"/>
-          </a:fontRef>
-        </p:style>
-        <p:txBody>
-          <a:bodyPr rtlCol="0" anchor="ctr"/>
-          <a:lstStyle/>
-          <a:p>
-            <a:pPr algn="ctr"/>
-            <a:r>
-              <a:rPr lang="en-US" dirty="0">
-                <a:solidFill>
-                  <a:schemeClr val="tx1"/>
-                </a:solidFill>
-              </a:rPr>
-              <a:t>Recap day1 &amp; queries</a:t>
-            </a:r>
-            <a:endParaRPr lang="nl-NL" dirty="0">
-              <a:solidFill>
-                <a:schemeClr val="tx1"/>
-              </a:solidFill>
-            </a:endParaRPr>
-          </a:p>
-        </p:txBody>
-      </p:sp>
-      <p:sp>
-        <p:nvSpPr>
-          <p:cNvPr id="24" name="Rectangle 23"/>
-          <p:cNvSpPr/>
-          <p:nvPr/>
-        </p:nvSpPr>
-        <p:spPr>
-          <a:xfrm>
-            <a:off x="5438632" y="4865433"/>
-            <a:ext cx="3068475" cy="409433"/>
-          </a:xfrm>
-          <a:prstGeom prst="rect">
-            <a:avLst/>
-          </a:prstGeom>
-          <a:solidFill>
-            <a:srgbClr val="92D050"/>
-          </a:solidFill>
-          <a:ln w="12700"/>
-        </p:spPr>
-        <p:style>
-          <a:lnRef idx="2">
-            <a:schemeClr val="accent1">
-              <a:shade val="50000"/>
-            </a:schemeClr>
-          </a:lnRef>
-          <a:fillRef idx="1">
-            <a:schemeClr val="accent1"/>
-          </a:fillRef>
-          <a:effectRef idx="0">
-            <a:schemeClr val="accent1"/>
-          </a:effectRef>
-          <a:fontRef idx="minor">
-            <a:schemeClr val="lt1"/>
-          </a:fontRef>
-        </p:style>
-        <p:txBody>
-          <a:bodyPr rtlCol="0" anchor="ctr"/>
-          <a:lstStyle/>
-          <a:p>
-            <a:pPr algn="ctr"/>
-            <a:r>
-              <a:rPr lang="en-US" dirty="0">
-                <a:solidFill>
-                  <a:schemeClr val="tx1"/>
-                </a:solidFill>
-              </a:rPr>
-              <a:t>Wrap-up</a:t>
-            </a:r>
-            <a:endParaRPr lang="nl-NL" dirty="0">
-              <a:solidFill>
-                <a:schemeClr val="tx1"/>
-              </a:solidFill>
-            </a:endParaRPr>
-          </a:p>
-        </p:txBody>
-      </p:sp>
-      <p:sp>
-        <p:nvSpPr>
-          <p:cNvPr id="26" name="Rectangle 25"/>
-          <p:cNvSpPr/>
-          <p:nvPr/>
-        </p:nvSpPr>
-        <p:spPr>
-          <a:xfrm>
-            <a:off x="5452281" y="3091219"/>
-            <a:ext cx="1537653" cy="409433"/>
-          </a:xfrm>
-          <a:prstGeom prst="rect">
-            <a:avLst/>
-          </a:prstGeom>
-          <a:solidFill>
-            <a:srgbClr val="92D050"/>
-          </a:solidFill>
-          <a:ln w="12700"/>
-        </p:spPr>
-        <p:style>
-          <a:lnRef idx="2">
-            <a:schemeClr val="accent1">
-              <a:shade val="50000"/>
-            </a:schemeClr>
-          </a:lnRef>
-          <a:fillRef idx="1">
-            <a:schemeClr val="accent1"/>
-          </a:fillRef>
-          <a:effectRef idx="0">
-            <a:schemeClr val="accent1"/>
-          </a:effectRef>
-          <a:fontRef idx="minor">
-            <a:schemeClr val="lt1"/>
-          </a:fontRef>
-        </p:style>
-        <p:txBody>
-          <a:bodyPr rtlCol="0" anchor="ctr"/>
-          <a:lstStyle/>
-          <a:p>
-            <a:pPr algn="ctr"/>
-            <a:r>
-              <a:rPr lang="en-US" dirty="0">
-                <a:solidFill>
-                  <a:schemeClr val="tx1"/>
-                </a:solidFill>
-              </a:rPr>
-              <a:t>MS 102</a:t>
-            </a:r>
-            <a:endParaRPr lang="nl-NL" dirty="0">
-              <a:solidFill>
-                <a:schemeClr val="tx1"/>
-              </a:solidFill>
-            </a:endParaRPr>
-          </a:p>
-        </p:txBody>
-      </p:sp>
-      <p:sp>
-        <p:nvSpPr>
-          <p:cNvPr id="28" name="Rectangle 27"/>
-          <p:cNvSpPr/>
-          <p:nvPr/>
-        </p:nvSpPr>
-        <p:spPr>
-          <a:xfrm>
-            <a:off x="6996753" y="3557521"/>
-            <a:ext cx="1537653" cy="409433"/>
-          </a:xfrm>
-          <a:prstGeom prst="rect">
-            <a:avLst/>
-          </a:prstGeom>
-          <a:solidFill>
-            <a:srgbClr val="92D050"/>
-          </a:solidFill>
-          <a:ln w="12700"/>
-        </p:spPr>
-        <p:style>
-          <a:lnRef idx="2">
-            <a:schemeClr val="accent1">
-              <a:shade val="50000"/>
-            </a:schemeClr>
-          </a:lnRef>
-          <a:fillRef idx="1">
-            <a:schemeClr val="accent1"/>
-          </a:fillRef>
-          <a:effectRef idx="0">
-            <a:schemeClr val="accent1"/>
-          </a:effectRef>
-          <a:fontRef idx="minor">
-            <a:schemeClr val="lt1"/>
-          </a:fontRef>
-        </p:style>
-        <p:txBody>
-          <a:bodyPr rtlCol="0" anchor="ctr"/>
-          <a:lstStyle/>
-          <a:p>
-            <a:pPr algn="ctr"/>
-            <a:r>
-              <a:rPr lang="en-US" dirty="0">
-                <a:solidFill>
-                  <a:schemeClr val="tx1"/>
-                </a:solidFill>
-              </a:rPr>
-              <a:t>Docker 102</a:t>
-            </a:r>
-            <a:endParaRPr lang="nl-NL" dirty="0">
-              <a:solidFill>
-                <a:schemeClr val="tx1"/>
-              </a:solidFill>
-            </a:endParaRPr>
-          </a:p>
-        </p:txBody>
-      </p:sp>
-      <p:sp>
-        <p:nvSpPr>
-          <p:cNvPr id="30" name="Rectangle 29"/>
-          <p:cNvSpPr/>
-          <p:nvPr/>
-        </p:nvSpPr>
-        <p:spPr>
-          <a:xfrm>
-            <a:off x="5438633" y="4365015"/>
-            <a:ext cx="3070749" cy="409433"/>
-          </a:xfrm>
-          <a:prstGeom prst="rect">
-            <a:avLst/>
-          </a:prstGeom>
-          <a:solidFill>
-            <a:srgbClr val="92D050"/>
-          </a:solidFill>
-          <a:ln w="12700"/>
-        </p:spPr>
-        <p:style>
-          <a:lnRef idx="2">
-            <a:schemeClr val="accent1">
-              <a:shade val="50000"/>
-            </a:schemeClr>
-          </a:lnRef>
-          <a:fillRef idx="1">
-            <a:schemeClr val="accent1"/>
-          </a:fillRef>
-          <a:effectRef idx="0">
-            <a:schemeClr val="accent1"/>
-          </a:effectRef>
-          <a:fontRef idx="minor">
-            <a:schemeClr val="lt1"/>
-          </a:fontRef>
-        </p:style>
-        <p:txBody>
-          <a:bodyPr rtlCol="0" anchor="ctr"/>
-          <a:lstStyle/>
-          <a:p>
-            <a:pPr algn="ctr"/>
-            <a:r>
-              <a:rPr lang="en-US" dirty="0" smtClean="0">
-                <a:solidFill>
-                  <a:schemeClr val="tx1"/>
-                </a:solidFill>
-              </a:rPr>
-              <a:t>Workshop</a:t>
-            </a:r>
-            <a:endParaRPr lang="nl-NL" dirty="0">
-              <a:solidFill>
-                <a:schemeClr val="tx1"/>
-              </a:solidFill>
-            </a:endParaRPr>
-          </a:p>
-        </p:txBody>
-      </p:sp>
-      <p:sp>
-        <p:nvSpPr>
-          <p:cNvPr id="31" name="Wave 30"/>
-          <p:cNvSpPr/>
-          <p:nvPr/>
-        </p:nvSpPr>
-        <p:spPr>
-          <a:xfrm>
-            <a:off x="1446664" y="1487610"/>
-            <a:ext cx="3073021" cy="382137"/>
-          </a:xfrm>
-          <a:prstGeom prst="wave">
-            <a:avLst/>
-          </a:prstGeom>
-        </p:spPr>
-        <p:style>
-          <a:lnRef idx="2">
-            <a:schemeClr val="accent6">
-              <a:shade val="50000"/>
-            </a:schemeClr>
-          </a:lnRef>
-          <a:fillRef idx="1">
-            <a:schemeClr val="accent6"/>
-          </a:fillRef>
-          <a:effectRef idx="0">
-            <a:schemeClr val="accent6"/>
-          </a:effectRef>
-          <a:fontRef idx="minor">
-            <a:schemeClr val="lt1"/>
-          </a:fontRef>
-        </p:style>
-        <p:txBody>
-          <a:bodyPr rtlCol="0" anchor="ctr"/>
-          <a:lstStyle/>
-          <a:p>
-            <a:pPr algn="ctr"/>
-            <a:r>
-              <a:rPr lang="en-US" dirty="0"/>
-              <a:t>Day 1</a:t>
-            </a:r>
-            <a:endParaRPr lang="nl-NL" dirty="0"/>
-          </a:p>
-        </p:txBody>
-      </p:sp>
-      <p:sp>
-        <p:nvSpPr>
-          <p:cNvPr id="32" name="Wave 31"/>
-          <p:cNvSpPr/>
-          <p:nvPr/>
-        </p:nvSpPr>
-        <p:spPr>
-          <a:xfrm>
-            <a:off x="5434092" y="1517178"/>
-            <a:ext cx="3073021" cy="382137"/>
-          </a:xfrm>
-          <a:prstGeom prst="wave">
-            <a:avLst/>
-          </a:prstGeom>
-        </p:spPr>
-        <p:style>
-          <a:lnRef idx="2">
-            <a:schemeClr val="accent6">
-              <a:shade val="50000"/>
-            </a:schemeClr>
-          </a:lnRef>
-          <a:fillRef idx="1">
-            <a:schemeClr val="accent6"/>
-          </a:fillRef>
-          <a:effectRef idx="0">
-            <a:schemeClr val="accent6"/>
-          </a:effectRef>
-          <a:fontRef idx="minor">
-            <a:schemeClr val="lt1"/>
-          </a:fontRef>
-        </p:style>
-        <p:txBody>
-          <a:bodyPr rtlCol="0" anchor="ctr"/>
-          <a:lstStyle/>
-          <a:p>
-            <a:pPr algn="ctr"/>
-            <a:r>
-              <a:rPr lang="en-US" dirty="0"/>
-              <a:t>Day 2</a:t>
-            </a:r>
-            <a:endParaRPr lang="nl-NL" dirty="0"/>
-          </a:p>
-        </p:txBody>
-      </p:sp>
-    </p:spTree>
-    <p:extLst>
-      <p:ext uri="{BB962C8B-B14F-4D97-AF65-F5344CB8AC3E}">
-        <p14:creationId xmlns:p14="http://schemas.microsoft.com/office/powerpoint/2010/main" val="1816502624"/>
-      </p:ext>
-    </p:extLst>
-  </p:cSld>
-  <p:clrMapOvr>
-    <a:masterClrMapping/>
-  </p:clrMapOvr>
-  <p:timing>
-    <p:tnLst>
-      <p:par>
-        <p:cTn id="1" dur="indefinite" restart="never" nodeType="tmRoot"/>
-      </p:par>
-    </p:tnLst>
-  </p:timing>
-</p:sld>
-</file>
-
-<file path=ppt/slides/slide89.xml><?xml version="1.0" encoding="utf-8"?>
-<p:sld xmlns:a="http://schemas.openxmlformats.org/drawingml/2006/main" xmlns:r="http://schemas.openxmlformats.org/officeDocument/2006/relationships" xmlns:p="http://schemas.openxmlformats.org/presentationml/2006/main">
-  <p:cSld>
-    <p:spTree>
-      <p:nvGrpSpPr>
-        <p:cNvPr id="1" name=""/>
-        <p:cNvGrpSpPr/>
-        <p:nvPr/>
-      </p:nvGrpSpPr>
-      <p:grpSpPr>
-        <a:xfrm>
-          <a:off x="0" y="0"/>
-          <a:ext cx="0" cy="0"/>
-          <a:chOff x="0" y="0"/>
-          <a:chExt cx="0" cy="0"/>
-        </a:xfrm>
-      </p:grpSpPr>
-      <p:sp>
-        <p:nvSpPr>
-          <p:cNvPr id="2" name="Titel 1"/>
-          <p:cNvSpPr>
-            <a:spLocks noGrp="1"/>
-          </p:cNvSpPr>
-          <p:nvPr>
-            <p:ph type="title"/>
-          </p:nvPr>
-        </p:nvSpPr>
-        <p:spPr>
-          <a:xfrm>
-            <a:off x="617539" y="473078"/>
-            <a:ext cx="8163164" cy="822443"/>
-          </a:xfrm>
-        </p:spPr>
-        <p:txBody>
-          <a:bodyPr/>
-          <a:lstStyle/>
-          <a:p>
-            <a:r>
-              <a:rPr lang="nl-NL" dirty="0" err="1" smtClean="0"/>
-              <a:t>Docker</a:t>
-            </a:r>
-            <a:r>
-              <a:rPr lang="nl-NL" dirty="0" smtClean="0"/>
-              <a:t> EXAMPLES</a:t>
-            </a:r>
-            <a:endParaRPr lang="nl-NL" dirty="0"/>
-          </a:p>
-        </p:txBody>
-      </p:sp>
-      <p:sp>
-        <p:nvSpPr>
-          <p:cNvPr id="3" name="Tijdelijke aanduiding voor inhoud 2"/>
-          <p:cNvSpPr>
-            <a:spLocks noGrp="1"/>
-          </p:cNvSpPr>
-          <p:nvPr>
-            <p:ph idx="1"/>
-          </p:nvPr>
-        </p:nvSpPr>
-        <p:spPr/>
-        <p:txBody>
-          <a:bodyPr/>
-          <a:lstStyle/>
-          <a:p>
-            <a:r>
-              <a:rPr lang="nl-NL" dirty="0" smtClean="0"/>
-              <a:t>.</a:t>
-            </a:r>
-            <a:r>
-              <a:rPr lang="nl-NL" dirty="0"/>
-              <a:t>net </a:t>
-            </a:r>
-            <a:r>
-              <a:rPr lang="nl-NL" dirty="0" smtClean="0"/>
-              <a:t>site</a:t>
-            </a:r>
-          </a:p>
-          <a:p>
-            <a:r>
-              <a:rPr lang="nl-NL" dirty="0" smtClean="0"/>
-              <a:t>Jenkins</a:t>
-            </a:r>
-          </a:p>
-          <a:p>
-            <a:r>
-              <a:rPr lang="nl-NL" dirty="0" smtClean="0"/>
-              <a:t>Benchmark security test</a:t>
-            </a:r>
-          </a:p>
-          <a:p>
-            <a:pPr marL="0" indent="0">
-              <a:buNone/>
-            </a:pPr>
-            <a:endParaRPr lang="nl-NL" dirty="0" smtClean="0"/>
-          </a:p>
-          <a:p>
-            <a:endParaRPr lang="nl-NL" dirty="0"/>
-          </a:p>
-        </p:txBody>
-      </p:sp>
-    </p:spTree>
-    <p:extLst>
-      <p:ext uri="{BB962C8B-B14F-4D97-AF65-F5344CB8AC3E}">
-        <p14:creationId xmlns:p14="http://schemas.microsoft.com/office/powerpoint/2010/main" val="3234323231"/>
       </p:ext>
     </p:extLst>
   </p:cSld>
@@ -38950,782 +37733,6 @@
       <p:bldP spid="3" grpId="0" animBg="1"/>
       <p:bldP spid="4" grpId="0" animBg="1"/>
     </p:bldLst>
-  </p:timing>
-</p:sld>
-</file>
-
-<file path=ppt/slides/slide90.xml><?xml version="1.0" encoding="utf-8"?>
-<p:sld xmlns:a="http://schemas.openxmlformats.org/drawingml/2006/main" xmlns:r="http://schemas.openxmlformats.org/officeDocument/2006/relationships" xmlns:p="http://schemas.openxmlformats.org/presentationml/2006/main">
-  <p:cSld>
-    <p:spTree>
-      <p:nvGrpSpPr>
-        <p:cNvPr id="1" name=""/>
-        <p:cNvGrpSpPr/>
-        <p:nvPr/>
-      </p:nvGrpSpPr>
-      <p:grpSpPr>
-        <a:xfrm>
-          <a:off x="0" y="0"/>
-          <a:ext cx="0" cy="0"/>
-          <a:chOff x="0" y="0"/>
-          <a:chExt cx="0" cy="0"/>
-        </a:xfrm>
-      </p:grpSpPr>
-      <p:sp>
-        <p:nvSpPr>
-          <p:cNvPr id="2" name="Titel 1"/>
-          <p:cNvSpPr>
-            <a:spLocks noGrp="1"/>
-          </p:cNvSpPr>
-          <p:nvPr>
-            <p:ph type="title"/>
-          </p:nvPr>
-        </p:nvSpPr>
-        <p:spPr>
-          <a:xfrm>
-            <a:off x="617539" y="473078"/>
-            <a:ext cx="8163164" cy="822443"/>
-          </a:xfrm>
-        </p:spPr>
-        <p:txBody>
-          <a:bodyPr/>
-          <a:lstStyle/>
-          <a:p>
-            <a:r>
-              <a:rPr lang="nl-NL" dirty="0" smtClean="0"/>
-              <a:t>Voorbeeld: </a:t>
-            </a:r>
-            <a:br>
-              <a:rPr lang="nl-NL" dirty="0" smtClean="0"/>
-            </a:br>
-            <a:r>
-              <a:rPr lang="nl-NL" dirty="0" smtClean="0"/>
-              <a:t>.net site in Docker container</a:t>
-            </a:r>
-            <a:endParaRPr lang="nl-NL" dirty="0"/>
-          </a:p>
-        </p:txBody>
-      </p:sp>
-      <p:pic>
-        <p:nvPicPr>
-          <p:cNvPr id="5122" name="Picture 2"/>
-          <p:cNvPicPr>
-            <a:picLocks noGrp="1" noChangeAspect="1" noChangeArrowheads="1"/>
-          </p:cNvPicPr>
-          <p:nvPr>
-            <p:ph idx="1"/>
-          </p:nvPr>
-        </p:nvPicPr>
-        <p:blipFill>
-          <a:blip r:embed="rId2">
-            <a:extLst>
-              <a:ext uri="{28A0092B-C50C-407E-A947-70E740481C1C}">
-                <a14:useLocalDpi xmlns:a14="http://schemas.microsoft.com/office/drawing/2010/main" val="0"/>
-              </a:ext>
-            </a:extLst>
-          </a:blip>
-          <a:srcRect/>
-          <a:stretch>
-            <a:fillRect/>
-          </a:stretch>
-        </p:blipFill>
-        <p:spPr bwMode="auto">
-          <a:xfrm>
-            <a:off x="617541" y="1481277"/>
-            <a:ext cx="8162925" cy="4387572"/>
-          </a:xfrm>
-          <a:prstGeom prst="rect">
-            <a:avLst/>
-          </a:prstGeom>
-          <a:noFill/>
-          <a:ln>
-            <a:noFill/>
-          </a:ln>
-          <a:extLst>
-            <a:ext uri="{909E8E84-426E-40DD-AFC4-6F175D3DCCD1}">
-              <a14:hiddenFill xmlns:a14="http://schemas.microsoft.com/office/drawing/2010/main">
-                <a:solidFill>
-                  <a:schemeClr val="accent1"/>
-                </a:solidFill>
-              </a14:hiddenFill>
-            </a:ext>
-            <a:ext uri="{91240B29-F687-4F45-9708-019B960494DF}">
-              <a14:hiddenLine xmlns:a14="http://schemas.microsoft.com/office/drawing/2010/main" w="9525">
-                <a:solidFill>
-                  <a:schemeClr val="tx1"/>
-                </a:solidFill>
-                <a:miter lim="800000"/>
-                <a:headEnd/>
-                <a:tailEnd/>
-              </a14:hiddenLine>
-            </a:ext>
-          </a:extLst>
-        </p:spPr>
-      </p:pic>
-    </p:spTree>
-    <p:extLst>
-      <p:ext uri="{BB962C8B-B14F-4D97-AF65-F5344CB8AC3E}">
-        <p14:creationId xmlns:p14="http://schemas.microsoft.com/office/powerpoint/2010/main" val="2883827473"/>
-      </p:ext>
-    </p:extLst>
-  </p:cSld>
-  <p:clrMapOvr>
-    <a:masterClrMapping/>
-  </p:clrMapOvr>
-  <p:timing>
-    <p:tnLst>
-      <p:par>
-        <p:cTn id="1" dur="indefinite" restart="never" nodeType="tmRoot"/>
-      </p:par>
-    </p:tnLst>
-  </p:timing>
-</p:sld>
-</file>
-
-<file path=ppt/slides/slide91.xml><?xml version="1.0" encoding="utf-8"?>
-<p:sld xmlns:a="http://schemas.openxmlformats.org/drawingml/2006/main" xmlns:r="http://schemas.openxmlformats.org/officeDocument/2006/relationships" xmlns:p="http://schemas.openxmlformats.org/presentationml/2006/main">
-  <p:cSld>
-    <p:spTree>
-      <p:nvGrpSpPr>
-        <p:cNvPr id="1" name=""/>
-        <p:cNvGrpSpPr/>
-        <p:nvPr/>
-      </p:nvGrpSpPr>
-      <p:grpSpPr>
-        <a:xfrm>
-          <a:off x="0" y="0"/>
-          <a:ext cx="0" cy="0"/>
-          <a:chOff x="0" y="0"/>
-          <a:chExt cx="0" cy="0"/>
-        </a:xfrm>
-      </p:grpSpPr>
-      <p:sp>
-        <p:nvSpPr>
-          <p:cNvPr id="2" name="Titel 1"/>
-          <p:cNvSpPr>
-            <a:spLocks noGrp="1"/>
-          </p:cNvSpPr>
-          <p:nvPr>
-            <p:ph type="title"/>
-          </p:nvPr>
-        </p:nvSpPr>
-        <p:spPr>
-          <a:xfrm>
-            <a:off x="617539" y="473078"/>
-            <a:ext cx="8163164" cy="822443"/>
-          </a:xfrm>
-        </p:spPr>
-        <p:txBody>
-          <a:bodyPr/>
-          <a:lstStyle/>
-          <a:p>
-            <a:r>
-              <a:rPr lang="nl-NL" dirty="0" smtClean="0"/>
-              <a:t>VOORBEELD:</a:t>
-            </a:r>
-            <a:br>
-              <a:rPr lang="nl-NL" dirty="0" smtClean="0"/>
-            </a:br>
-            <a:r>
-              <a:rPr lang="nl-NL" dirty="0" err="1" smtClean="0"/>
-              <a:t>build</a:t>
-            </a:r>
-            <a:r>
-              <a:rPr lang="nl-NL" dirty="0" smtClean="0"/>
-              <a:t> test container</a:t>
-            </a:r>
-            <a:endParaRPr lang="nl-NL" dirty="0"/>
-          </a:p>
-        </p:txBody>
-      </p:sp>
-      <p:pic>
-        <p:nvPicPr>
-          <p:cNvPr id="3074" name="Picture 2"/>
-          <p:cNvPicPr>
-            <a:picLocks noGrp="1" noChangeAspect="1" noChangeArrowheads="1"/>
-          </p:cNvPicPr>
-          <p:nvPr>
-            <p:ph idx="1"/>
-          </p:nvPr>
-        </p:nvPicPr>
-        <p:blipFill>
-          <a:blip r:embed="rId2">
-            <a:extLst>
-              <a:ext uri="{28A0092B-C50C-407E-A947-70E740481C1C}">
-                <a14:useLocalDpi xmlns:a14="http://schemas.microsoft.com/office/drawing/2010/main" val="0"/>
-              </a:ext>
-            </a:extLst>
-          </a:blip>
-          <a:srcRect/>
-          <a:stretch>
-            <a:fillRect/>
-          </a:stretch>
-        </p:blipFill>
-        <p:spPr bwMode="auto">
-          <a:xfrm>
-            <a:off x="617541" y="1481277"/>
-            <a:ext cx="8162925" cy="4387572"/>
-          </a:xfrm>
-          <a:prstGeom prst="rect">
-            <a:avLst/>
-          </a:prstGeom>
-          <a:noFill/>
-          <a:ln>
-            <a:noFill/>
-          </a:ln>
-          <a:extLst>
-            <a:ext uri="{909E8E84-426E-40DD-AFC4-6F175D3DCCD1}">
-              <a14:hiddenFill xmlns:a14="http://schemas.microsoft.com/office/drawing/2010/main">
-                <a:solidFill>
-                  <a:schemeClr val="accent1"/>
-                </a:solidFill>
-              </a14:hiddenFill>
-            </a:ext>
-            <a:ext uri="{91240B29-F687-4F45-9708-019B960494DF}">
-              <a14:hiddenLine xmlns:a14="http://schemas.microsoft.com/office/drawing/2010/main" w="9525">
-                <a:solidFill>
-                  <a:schemeClr val="tx1"/>
-                </a:solidFill>
-                <a:miter lim="800000"/>
-                <a:headEnd/>
-                <a:tailEnd/>
-              </a14:hiddenLine>
-            </a:ext>
-          </a:extLst>
-        </p:spPr>
-      </p:pic>
-    </p:spTree>
-    <p:extLst>
-      <p:ext uri="{BB962C8B-B14F-4D97-AF65-F5344CB8AC3E}">
-        <p14:creationId xmlns:p14="http://schemas.microsoft.com/office/powerpoint/2010/main" val="2665904869"/>
-      </p:ext>
-    </p:extLst>
-  </p:cSld>
-  <p:clrMapOvr>
-    <a:masterClrMapping/>
-  </p:clrMapOvr>
-  <p:timing>
-    <p:tnLst>
-      <p:par>
-        <p:cTn id="1" dur="indefinite" restart="never" nodeType="tmRoot"/>
-      </p:par>
-    </p:tnLst>
-  </p:timing>
-</p:sld>
-</file>
-
-<file path=ppt/slides/slide92.xml><?xml version="1.0" encoding="utf-8"?>
-<p:sld xmlns:a="http://schemas.openxmlformats.org/drawingml/2006/main" xmlns:r="http://schemas.openxmlformats.org/officeDocument/2006/relationships" xmlns:p="http://schemas.openxmlformats.org/presentationml/2006/main">
-  <p:cSld>
-    <p:spTree>
-      <p:nvGrpSpPr>
-        <p:cNvPr id="1" name=""/>
-        <p:cNvGrpSpPr/>
-        <p:nvPr/>
-      </p:nvGrpSpPr>
-      <p:grpSpPr>
-        <a:xfrm>
-          <a:off x="0" y="0"/>
-          <a:ext cx="0" cy="0"/>
-          <a:chOff x="0" y="0"/>
-          <a:chExt cx="0" cy="0"/>
-        </a:xfrm>
-      </p:grpSpPr>
-      <p:sp>
-        <p:nvSpPr>
-          <p:cNvPr id="2" name="Titel 1"/>
-          <p:cNvSpPr>
-            <a:spLocks noGrp="1"/>
-          </p:cNvSpPr>
-          <p:nvPr>
-            <p:ph type="title"/>
-          </p:nvPr>
-        </p:nvSpPr>
-        <p:spPr>
-          <a:xfrm>
-            <a:off x="617539" y="473078"/>
-            <a:ext cx="8163164" cy="822443"/>
-          </a:xfrm>
-        </p:spPr>
-        <p:txBody>
-          <a:bodyPr/>
-          <a:lstStyle/>
-          <a:p>
-            <a:r>
-              <a:rPr lang="nl-NL" dirty="0" smtClean="0"/>
-              <a:t>VOORBEELD:</a:t>
-            </a:r>
-            <a:br>
-              <a:rPr lang="nl-NL" dirty="0" smtClean="0"/>
-            </a:br>
-            <a:r>
-              <a:rPr lang="nl-NL" dirty="0" smtClean="0"/>
-              <a:t>RUN </a:t>
-            </a:r>
-            <a:r>
-              <a:rPr lang="nl-NL" dirty="0" err="1" smtClean="0"/>
-              <a:t>TeSTCONTAINER</a:t>
-            </a:r>
-            <a:endParaRPr lang="nl-NL" dirty="0"/>
-          </a:p>
-        </p:txBody>
-      </p:sp>
-      <p:pic>
-        <p:nvPicPr>
-          <p:cNvPr id="4098" name="Picture 2"/>
-          <p:cNvPicPr>
-            <a:picLocks noGrp="1" noChangeAspect="1" noChangeArrowheads="1"/>
-          </p:cNvPicPr>
-          <p:nvPr>
-            <p:ph idx="1"/>
-          </p:nvPr>
-        </p:nvPicPr>
-        <p:blipFill>
-          <a:blip r:embed="rId2">
-            <a:extLst>
-              <a:ext uri="{28A0092B-C50C-407E-A947-70E740481C1C}">
-                <a14:useLocalDpi xmlns:a14="http://schemas.microsoft.com/office/drawing/2010/main" val="0"/>
-              </a:ext>
-            </a:extLst>
-          </a:blip>
-          <a:srcRect/>
-          <a:stretch>
-            <a:fillRect/>
-          </a:stretch>
-        </p:blipFill>
-        <p:spPr bwMode="auto">
-          <a:xfrm>
-            <a:off x="617541" y="1481277"/>
-            <a:ext cx="8162925" cy="4387572"/>
-          </a:xfrm>
-          <a:prstGeom prst="rect">
-            <a:avLst/>
-          </a:prstGeom>
-          <a:noFill/>
-          <a:ln>
-            <a:noFill/>
-          </a:ln>
-          <a:extLst>
-            <a:ext uri="{909E8E84-426E-40DD-AFC4-6F175D3DCCD1}">
-              <a14:hiddenFill xmlns:a14="http://schemas.microsoft.com/office/drawing/2010/main">
-                <a:solidFill>
-                  <a:schemeClr val="accent1"/>
-                </a:solidFill>
-              </a14:hiddenFill>
-            </a:ext>
-            <a:ext uri="{91240B29-F687-4F45-9708-019B960494DF}">
-              <a14:hiddenLine xmlns:a14="http://schemas.microsoft.com/office/drawing/2010/main" w="9525">
-                <a:solidFill>
-                  <a:schemeClr val="tx1"/>
-                </a:solidFill>
-                <a:miter lim="800000"/>
-                <a:headEnd/>
-                <a:tailEnd/>
-              </a14:hiddenLine>
-            </a:ext>
-          </a:extLst>
-        </p:spPr>
-      </p:pic>
-    </p:spTree>
-    <p:extLst>
-      <p:ext uri="{BB962C8B-B14F-4D97-AF65-F5344CB8AC3E}">
-        <p14:creationId xmlns:p14="http://schemas.microsoft.com/office/powerpoint/2010/main" val="1286953170"/>
-      </p:ext>
-    </p:extLst>
-  </p:cSld>
-  <p:clrMapOvr>
-    <a:masterClrMapping/>
-  </p:clrMapOvr>
-  <p:timing>
-    <p:tnLst>
-      <p:par>
-        <p:cTn id="1" dur="indefinite" restart="never" nodeType="tmRoot"/>
-      </p:par>
-    </p:tnLst>
-  </p:timing>
-</p:sld>
-</file>
-
-<file path=ppt/slides/slide93.xml><?xml version="1.0" encoding="utf-8"?>
-<p:sld xmlns:a="http://schemas.openxmlformats.org/drawingml/2006/main" xmlns:r="http://schemas.openxmlformats.org/officeDocument/2006/relationships" xmlns:p="http://schemas.openxmlformats.org/presentationml/2006/main">
-  <p:cSld>
-    <p:spTree>
-      <p:nvGrpSpPr>
-        <p:cNvPr id="1" name=""/>
-        <p:cNvGrpSpPr/>
-        <p:nvPr/>
-      </p:nvGrpSpPr>
-      <p:grpSpPr>
-        <a:xfrm>
-          <a:off x="0" y="0"/>
-          <a:ext cx="0" cy="0"/>
-          <a:chOff x="0" y="0"/>
-          <a:chExt cx="0" cy="0"/>
-        </a:xfrm>
-      </p:grpSpPr>
-      <p:sp>
-        <p:nvSpPr>
-          <p:cNvPr id="2" name="Titel 1"/>
-          <p:cNvSpPr>
-            <a:spLocks noGrp="1"/>
-          </p:cNvSpPr>
-          <p:nvPr>
-            <p:ph type="title"/>
-          </p:nvPr>
-        </p:nvSpPr>
-        <p:spPr>
-          <a:xfrm>
-            <a:off x="617539" y="473078"/>
-            <a:ext cx="8163164" cy="822443"/>
-          </a:xfrm>
-        </p:spPr>
-        <p:txBody>
-          <a:bodyPr/>
-          <a:lstStyle/>
-          <a:p>
-            <a:r>
-              <a:rPr lang="nl-NL" dirty="0" smtClean="0"/>
-              <a:t>Voorbeeld:</a:t>
-            </a:r>
-            <a:br>
-              <a:rPr lang="nl-NL" dirty="0" smtClean="0"/>
-            </a:br>
-            <a:r>
-              <a:rPr lang="nl-NL" dirty="0" smtClean="0"/>
-              <a:t>Jenkins in Docker container</a:t>
-            </a:r>
-            <a:endParaRPr lang="nl-NL" dirty="0"/>
-          </a:p>
-        </p:txBody>
-      </p:sp>
-      <p:pic>
-        <p:nvPicPr>
-          <p:cNvPr id="6146" name="Picture 2"/>
-          <p:cNvPicPr>
-            <a:picLocks noGrp="1" noChangeAspect="1" noChangeArrowheads="1"/>
-          </p:cNvPicPr>
-          <p:nvPr>
-            <p:ph idx="1"/>
-          </p:nvPr>
-        </p:nvPicPr>
-        <p:blipFill>
-          <a:blip r:embed="rId2">
-            <a:extLst>
-              <a:ext uri="{28A0092B-C50C-407E-A947-70E740481C1C}">
-                <a14:useLocalDpi xmlns:a14="http://schemas.microsoft.com/office/drawing/2010/main" val="0"/>
-              </a:ext>
-            </a:extLst>
-          </a:blip>
-          <a:srcRect/>
-          <a:stretch>
-            <a:fillRect/>
-          </a:stretch>
-        </p:blipFill>
-        <p:spPr bwMode="auto">
-          <a:xfrm>
-            <a:off x="617541" y="1481277"/>
-            <a:ext cx="8162925" cy="4387572"/>
-          </a:xfrm>
-          <a:prstGeom prst="rect">
-            <a:avLst/>
-          </a:prstGeom>
-          <a:noFill/>
-          <a:ln>
-            <a:noFill/>
-          </a:ln>
-          <a:extLst>
-            <a:ext uri="{909E8E84-426E-40DD-AFC4-6F175D3DCCD1}">
-              <a14:hiddenFill xmlns:a14="http://schemas.microsoft.com/office/drawing/2010/main">
-                <a:solidFill>
-                  <a:schemeClr val="accent1"/>
-                </a:solidFill>
-              </a14:hiddenFill>
-            </a:ext>
-            <a:ext uri="{91240B29-F687-4F45-9708-019B960494DF}">
-              <a14:hiddenLine xmlns:a14="http://schemas.microsoft.com/office/drawing/2010/main" w="9525">
-                <a:solidFill>
-                  <a:schemeClr val="tx1"/>
-                </a:solidFill>
-                <a:miter lim="800000"/>
-                <a:headEnd/>
-                <a:tailEnd/>
-              </a14:hiddenLine>
-            </a:ext>
-          </a:extLst>
-        </p:spPr>
-      </p:pic>
-    </p:spTree>
-    <p:extLst>
-      <p:ext uri="{BB962C8B-B14F-4D97-AF65-F5344CB8AC3E}">
-        <p14:creationId xmlns:p14="http://schemas.microsoft.com/office/powerpoint/2010/main" val="1576216882"/>
-      </p:ext>
-    </p:extLst>
-  </p:cSld>
-  <p:clrMapOvr>
-    <a:masterClrMapping/>
-  </p:clrMapOvr>
-  <p:timing>
-    <p:tnLst>
-      <p:par>
-        <p:cTn id="1" dur="indefinite" restart="never" nodeType="tmRoot"/>
-      </p:par>
-    </p:tnLst>
-  </p:timing>
-</p:sld>
-</file>
-
-<file path=ppt/slides/slide94.xml><?xml version="1.0" encoding="utf-8"?>
-<p:sld xmlns:a="http://schemas.openxmlformats.org/drawingml/2006/main" xmlns:r="http://schemas.openxmlformats.org/officeDocument/2006/relationships" xmlns:p="http://schemas.openxmlformats.org/presentationml/2006/main">
-  <p:cSld>
-    <p:spTree>
-      <p:nvGrpSpPr>
-        <p:cNvPr id="1" name=""/>
-        <p:cNvGrpSpPr/>
-        <p:nvPr/>
-      </p:nvGrpSpPr>
-      <p:grpSpPr>
-        <a:xfrm>
-          <a:off x="0" y="0"/>
-          <a:ext cx="0" cy="0"/>
-          <a:chOff x="0" y="0"/>
-          <a:chExt cx="0" cy="0"/>
-        </a:xfrm>
-      </p:grpSpPr>
-      <p:sp>
-        <p:nvSpPr>
-          <p:cNvPr id="2" name="Titel 1"/>
-          <p:cNvSpPr>
-            <a:spLocks noGrp="1"/>
-          </p:cNvSpPr>
-          <p:nvPr>
-            <p:ph type="title"/>
-          </p:nvPr>
-        </p:nvSpPr>
-        <p:spPr>
-          <a:xfrm>
-            <a:off x="617539" y="473078"/>
-            <a:ext cx="8163164" cy="822443"/>
-          </a:xfrm>
-        </p:spPr>
-        <p:txBody>
-          <a:bodyPr/>
-          <a:lstStyle/>
-          <a:p>
-            <a:r>
-              <a:rPr lang="nl-NL" dirty="0" smtClean="0"/>
-              <a:t>VOORBEELD:</a:t>
-            </a:r>
-            <a:br>
-              <a:rPr lang="nl-NL" dirty="0" smtClean="0"/>
-            </a:br>
-            <a:r>
-              <a:rPr lang="nl-NL" dirty="0" smtClean="0"/>
-              <a:t>Testscript in GIT</a:t>
-            </a:r>
-            <a:endParaRPr lang="nl-NL" dirty="0"/>
-          </a:p>
-        </p:txBody>
-      </p:sp>
-      <p:pic>
-        <p:nvPicPr>
-          <p:cNvPr id="8194" name="Picture 2"/>
-          <p:cNvPicPr>
-            <a:picLocks noGrp="1" noChangeAspect="1" noChangeArrowheads="1"/>
-          </p:cNvPicPr>
-          <p:nvPr>
-            <p:ph idx="1"/>
-          </p:nvPr>
-        </p:nvPicPr>
-        <p:blipFill>
-          <a:blip r:embed="rId2">
-            <a:extLst>
-              <a:ext uri="{28A0092B-C50C-407E-A947-70E740481C1C}">
-                <a14:useLocalDpi xmlns:a14="http://schemas.microsoft.com/office/drawing/2010/main" val="0"/>
-              </a:ext>
-            </a:extLst>
-          </a:blip>
-          <a:srcRect/>
-          <a:stretch>
-            <a:fillRect/>
-          </a:stretch>
-        </p:blipFill>
-        <p:spPr bwMode="auto">
-          <a:xfrm>
-            <a:off x="617541" y="1481277"/>
-            <a:ext cx="8162925" cy="4387572"/>
-          </a:xfrm>
-          <a:prstGeom prst="rect">
-            <a:avLst/>
-          </a:prstGeom>
-          <a:noFill/>
-          <a:ln>
-            <a:noFill/>
-          </a:ln>
-          <a:extLst>
-            <a:ext uri="{909E8E84-426E-40DD-AFC4-6F175D3DCCD1}">
-              <a14:hiddenFill xmlns:a14="http://schemas.microsoft.com/office/drawing/2010/main">
-                <a:solidFill>
-                  <a:schemeClr val="accent1"/>
-                </a:solidFill>
-              </a14:hiddenFill>
-            </a:ext>
-            <a:ext uri="{91240B29-F687-4F45-9708-019B960494DF}">
-              <a14:hiddenLine xmlns:a14="http://schemas.microsoft.com/office/drawing/2010/main" w="9525">
-                <a:solidFill>
-                  <a:schemeClr val="tx1"/>
-                </a:solidFill>
-                <a:miter lim="800000"/>
-                <a:headEnd/>
-                <a:tailEnd/>
-              </a14:hiddenLine>
-            </a:ext>
-          </a:extLst>
-        </p:spPr>
-      </p:pic>
-    </p:spTree>
-    <p:extLst>
-      <p:ext uri="{BB962C8B-B14F-4D97-AF65-F5344CB8AC3E}">
-        <p14:creationId xmlns:p14="http://schemas.microsoft.com/office/powerpoint/2010/main" val="349286193"/>
-      </p:ext>
-    </p:extLst>
-  </p:cSld>
-  <p:clrMapOvr>
-    <a:masterClrMapping/>
-  </p:clrMapOvr>
-  <p:timing>
-    <p:tnLst>
-      <p:par>
-        <p:cTn id="1" dur="indefinite" restart="never" nodeType="tmRoot"/>
-      </p:par>
-    </p:tnLst>
-  </p:timing>
-</p:sld>
-</file>
-
-<file path=ppt/slides/slide95.xml><?xml version="1.0" encoding="utf-8"?>
-<p:sld xmlns:a="http://schemas.openxmlformats.org/drawingml/2006/main" xmlns:r="http://schemas.openxmlformats.org/officeDocument/2006/relationships" xmlns:p="http://schemas.openxmlformats.org/presentationml/2006/main">
-  <p:cSld>
-    <p:spTree>
-      <p:nvGrpSpPr>
-        <p:cNvPr id="1" name=""/>
-        <p:cNvGrpSpPr/>
-        <p:nvPr/>
-      </p:nvGrpSpPr>
-      <p:grpSpPr>
-        <a:xfrm>
-          <a:off x="0" y="0"/>
-          <a:ext cx="0" cy="0"/>
-          <a:chOff x="0" y="0"/>
-          <a:chExt cx="0" cy="0"/>
-        </a:xfrm>
-      </p:grpSpPr>
-      <p:sp>
-        <p:nvSpPr>
-          <p:cNvPr id="2" name="Titel 1"/>
-          <p:cNvSpPr>
-            <a:spLocks noGrp="1"/>
-          </p:cNvSpPr>
-          <p:nvPr>
-            <p:ph type="title"/>
-          </p:nvPr>
-        </p:nvSpPr>
-        <p:spPr>
-          <a:xfrm>
-            <a:off x="617539" y="473078"/>
-            <a:ext cx="8163164" cy="822443"/>
-          </a:xfrm>
-        </p:spPr>
-        <p:txBody>
-          <a:bodyPr/>
-          <a:lstStyle/>
-          <a:p>
-            <a:r>
-              <a:rPr lang="nl-NL" dirty="0" smtClean="0"/>
-              <a:t>Voorbeeld:</a:t>
-            </a:r>
-            <a:br>
-              <a:rPr lang="nl-NL" dirty="0" smtClean="0"/>
-            </a:br>
-            <a:r>
-              <a:rPr lang="nl-NL" dirty="0" smtClean="0"/>
-              <a:t>Test in Docker container</a:t>
-            </a:r>
-            <a:endParaRPr lang="nl-NL" dirty="0"/>
-          </a:p>
-        </p:txBody>
-      </p:sp>
-      <p:pic>
-        <p:nvPicPr>
-          <p:cNvPr id="7170" name="Picture 2"/>
-          <p:cNvPicPr>
-            <a:picLocks noGrp="1" noChangeAspect="1" noChangeArrowheads="1"/>
-          </p:cNvPicPr>
-          <p:nvPr>
-            <p:ph idx="1"/>
-          </p:nvPr>
-        </p:nvPicPr>
-        <p:blipFill>
-          <a:blip r:embed="rId3">
-            <a:extLst>
-              <a:ext uri="{28A0092B-C50C-407E-A947-70E740481C1C}">
-                <a14:useLocalDpi xmlns:a14="http://schemas.microsoft.com/office/drawing/2010/main" val="0"/>
-              </a:ext>
-            </a:extLst>
-          </a:blip>
-          <a:srcRect/>
-          <a:stretch>
-            <a:fillRect/>
-          </a:stretch>
-        </p:blipFill>
-        <p:spPr bwMode="auto">
-          <a:xfrm>
-            <a:off x="617541" y="1481277"/>
-            <a:ext cx="8162925" cy="4387572"/>
-          </a:xfrm>
-          <a:prstGeom prst="rect">
-            <a:avLst/>
-          </a:prstGeom>
-          <a:noFill/>
-          <a:ln>
-            <a:noFill/>
-          </a:ln>
-          <a:extLst>
-            <a:ext uri="{909E8E84-426E-40DD-AFC4-6F175D3DCCD1}">
-              <a14:hiddenFill xmlns:a14="http://schemas.microsoft.com/office/drawing/2010/main">
-                <a:solidFill>
-                  <a:schemeClr val="accent1"/>
-                </a:solidFill>
-              </a14:hiddenFill>
-            </a:ext>
-            <a:ext uri="{91240B29-F687-4F45-9708-019B960494DF}">
-              <a14:hiddenLine xmlns:a14="http://schemas.microsoft.com/office/drawing/2010/main" w="9525">
-                <a:solidFill>
-                  <a:schemeClr val="tx1"/>
-                </a:solidFill>
-                <a:miter lim="800000"/>
-                <a:headEnd/>
-                <a:tailEnd/>
-              </a14:hiddenLine>
-            </a:ext>
-          </a:extLst>
-        </p:spPr>
-      </p:pic>
-    </p:spTree>
-    <p:extLst>
-      <p:ext uri="{BB962C8B-B14F-4D97-AF65-F5344CB8AC3E}">
-        <p14:creationId xmlns:p14="http://schemas.microsoft.com/office/powerpoint/2010/main" val="1240326824"/>
-      </p:ext>
-    </p:extLst>
-  </p:cSld>
-  <p:clrMapOvr>
-    <a:masterClrMapping/>
-  </p:clrMapOvr>
-  <p:timing>
-    <p:tnLst>
-      <p:par>
-        <p:cTn id="1" dur="indefinite" restart="never" nodeType="tmRoot"/>
-      </p:par>
-    </p:tnLst>
   </p:timing>
 </p:sld>
 </file>
@@ -40621,6 +38628,15 @@
 </file>
 
 <file path=customXml/item1.xml><?xml version="1.0" encoding="utf-8"?>
+<?mso-contentType ?>
+<FormTemplates xmlns="http://schemas.microsoft.com/sharepoint/v3/contenttype/forms">
+  <Display>DocumentLibraryForm</Display>
+  <Edit>DocumentLibraryForm</Edit>
+  <New>DocumentLibraryForm</New>
+</FormTemplates>
+</file>
+
+<file path=customXml/item2.xml><?xml version="1.0" encoding="utf-8"?>
 <ct:contentTypeSchema xmlns:ct="http://schemas.microsoft.com/office/2006/metadata/contentType" xmlns:ma="http://schemas.microsoft.com/office/2006/metadata/properties/metaAttributes" ct:_="" ma:_="" ma:contentTypeName="Document" ma:contentTypeID="0x0101009843F10021B1B74BA5DD583B6999787F" ma:contentTypeVersion="1" ma:contentTypeDescription="Een nieuw document maken." ma:contentTypeScope="" ma:versionID="9fe8e6bb692149f7f6309adc5fa49803">
   <xsd:schema xmlns:xsd="http://www.w3.org/2001/XMLSchema" xmlns:xs="http://www.w3.org/2001/XMLSchema" xmlns:p="http://schemas.microsoft.com/office/2006/metadata/properties" targetNamespace="http://schemas.microsoft.com/office/2006/metadata/properties" ma:root="true" ma:fieldsID="eba296b9b19381bc8f01ad6905184223">
     <xsd:element name="properties">
@@ -40734,22 +38750,21 @@
 </ct:contentTypeSchema>
 </file>
 
-<file path=customXml/item2.xml><?xml version="1.0" encoding="utf-8"?>
+<file path=customXml/item3.xml><?xml version="1.0" encoding="utf-8"?>
 <p:properties xmlns:p="http://schemas.microsoft.com/office/2006/metadata/properties" xmlns:xsi="http://www.w3.org/2001/XMLSchema-instance" xmlns:pc="http://schemas.microsoft.com/office/infopath/2007/PartnerControls">
   <documentManagement/>
 </p:properties>
 </file>
 
-<file path=customXml/item3.xml><?xml version="1.0" encoding="utf-8"?>
-<?mso-contentType ?>
-<FormTemplates xmlns="http://schemas.microsoft.com/sharepoint/v3/contenttype/forms">
-  <Display>DocumentLibraryForm</Display>
-  <Edit>DocumentLibraryForm</Edit>
-  <New>DocumentLibraryForm</New>
-</FormTemplates>
+<file path=customXml/itemProps1.xml><?xml version="1.0" encoding="utf-8"?>
+<ds:datastoreItem xmlns:ds="http://schemas.openxmlformats.org/officeDocument/2006/customXml" ds:itemID="{4A752D92-0ACC-48D2-A658-AB744FE70ECE}">
+  <ds:schemaRefs>
+    <ds:schemaRef ds:uri="http://schemas.microsoft.com/sharepoint/v3/contenttype/forms"/>
+  </ds:schemaRefs>
+</ds:datastoreItem>
 </file>
 
-<file path=customXml/itemProps1.xml><?xml version="1.0" encoding="utf-8"?>
+<file path=customXml/itemProps2.xml><?xml version="1.0" encoding="utf-8"?>
 <ds:datastoreItem xmlns:ds="http://schemas.openxmlformats.org/officeDocument/2006/customXml" ds:itemID="{F6916CFB-C98C-4D26-B77C-F1E6DDC5B92D}">
   <ds:schemaRefs>
     <ds:schemaRef ds:uri="http://schemas.microsoft.com/office/2006/metadata/contentType"/>
@@ -40765,25 +38780,17 @@
 </ds:datastoreItem>
 </file>
 
-<file path=customXml/itemProps2.xml><?xml version="1.0" encoding="utf-8"?>
+<file path=customXml/itemProps3.xml><?xml version="1.0" encoding="utf-8"?>
 <ds:datastoreItem xmlns:ds="http://schemas.openxmlformats.org/officeDocument/2006/customXml" ds:itemID="{DE0A3E1F-B2EC-4B36-9F71-3169FFDE4AE0}">
   <ds:schemaRefs>
-    <ds:schemaRef ds:uri="http://schemas.microsoft.com/office/2006/metadata/properties"/>
+    <ds:schemaRef ds:uri="http://purl.org/dc/terms/"/>
+    <ds:schemaRef ds:uri="http://schemas.openxmlformats.org/package/2006/metadata/core-properties"/>
     <ds:schemaRef ds:uri="http://schemas.microsoft.com/office/2006/documentManagement/types"/>
-    <ds:schemaRef ds:uri="http://schemas.openxmlformats.org/package/2006/metadata/core-properties"/>
-    <ds:schemaRef ds:uri="http://purl.org/dc/dcmitype/"/>
     <ds:schemaRef ds:uri="http://schemas.microsoft.com/office/infopath/2007/PartnerControls"/>
     <ds:schemaRef ds:uri="http://purl.org/dc/elements/1.1/"/>
+    <ds:schemaRef ds:uri="http://schemas.microsoft.com/office/2006/metadata/properties"/>
     <ds:schemaRef ds:uri="http://www.w3.org/XML/1998/namespace"/>
-    <ds:schemaRef ds:uri="http://purl.org/dc/terms/"/>
-  </ds:schemaRefs>
-</ds:datastoreItem>
-</file>
-
-<file path=customXml/itemProps3.xml><?xml version="1.0" encoding="utf-8"?>
-<ds:datastoreItem xmlns:ds="http://schemas.openxmlformats.org/officeDocument/2006/customXml" ds:itemID="{4A752D92-0ACC-48D2-A658-AB744FE70ECE}">
-  <ds:schemaRefs>
-    <ds:schemaRef ds:uri="http://schemas.microsoft.com/sharepoint/v3/contenttype/forms"/>
+    <ds:schemaRef ds:uri="http://purl.org/dc/dcmitype/"/>
   </ds:schemaRefs>
 </ds:datastoreItem>
 </file>